--- a/JavaScript.pptx
+++ b/JavaScript.pptx
@@ -19,6 +19,17 @@
     <p:sldId id="268" r:id="rId13"/>
     <p:sldId id="267" r:id="rId14"/>
     <p:sldId id="269" r:id="rId15"/>
+    <p:sldId id="270" r:id="rId16"/>
+    <p:sldId id="271" r:id="rId17"/>
+    <p:sldId id="272" r:id="rId18"/>
+    <p:sldId id="273" r:id="rId19"/>
+    <p:sldId id="274" r:id="rId20"/>
+    <p:sldId id="275" r:id="rId21"/>
+    <p:sldId id="276" r:id="rId22"/>
+    <p:sldId id="278" r:id="rId23"/>
+    <p:sldId id="277" r:id="rId24"/>
+    <p:sldId id="279" r:id="rId25"/>
+    <p:sldId id="280" r:id="rId26"/>
   </p:sldIdLst>
   <p:sldSz cx="12192000" cy="6858000"/>
   <p:notesSz cx="6858000" cy="9144000"/>
@@ -136,6 +147,17 @@
             <p14:sldId id="268"/>
             <p14:sldId id="267"/>
             <p14:sldId id="269"/>
+            <p14:sldId id="270"/>
+            <p14:sldId id="271"/>
+            <p14:sldId id="272"/>
+            <p14:sldId id="273"/>
+            <p14:sldId id="274"/>
+            <p14:sldId id="275"/>
+            <p14:sldId id="276"/>
+            <p14:sldId id="278"/>
+            <p14:sldId id="277"/>
+            <p14:sldId id="279"/>
+            <p14:sldId id="280"/>
           </p14:sldIdLst>
         </p14:section>
       </p14:sectionLst>
@@ -294,7 +316,7 @@
           <a:p>
             <a:fld id="{9D628A74-5D39-4C74-AB9A-F7F4A229E91A}" type="datetimeFigureOut">
               <a:rPr lang="en-US" smtClean="0"/>
-              <a:t>4/7/2022</a:t>
+              <a:t>4/9/2022</a:t>
             </a:fld>
             <a:endParaRPr lang="en-US"/>
           </a:p>
@@ -492,7 +514,7 @@
           <a:p>
             <a:fld id="{9D628A74-5D39-4C74-AB9A-F7F4A229E91A}" type="datetimeFigureOut">
               <a:rPr lang="en-US" smtClean="0"/>
-              <a:t>4/7/2022</a:t>
+              <a:t>4/9/2022</a:t>
             </a:fld>
             <a:endParaRPr lang="en-US"/>
           </a:p>
@@ -700,7 +722,7 @@
           <a:p>
             <a:fld id="{9D628A74-5D39-4C74-AB9A-F7F4A229E91A}" type="datetimeFigureOut">
               <a:rPr lang="en-US" smtClean="0"/>
-              <a:t>4/7/2022</a:t>
+              <a:t>4/9/2022</a:t>
             </a:fld>
             <a:endParaRPr lang="en-US"/>
           </a:p>
@@ -898,7 +920,7 @@
           <a:p>
             <a:fld id="{9D628A74-5D39-4C74-AB9A-F7F4A229E91A}" type="datetimeFigureOut">
               <a:rPr lang="en-US" smtClean="0"/>
-              <a:t>4/7/2022</a:t>
+              <a:t>4/9/2022</a:t>
             </a:fld>
             <a:endParaRPr lang="en-US"/>
           </a:p>
@@ -1173,7 +1195,7 @@
           <a:p>
             <a:fld id="{9D628A74-5D39-4C74-AB9A-F7F4A229E91A}" type="datetimeFigureOut">
               <a:rPr lang="en-US" smtClean="0"/>
-              <a:t>4/7/2022</a:t>
+              <a:t>4/9/2022</a:t>
             </a:fld>
             <a:endParaRPr lang="en-US"/>
           </a:p>
@@ -1438,7 +1460,7 @@
           <a:p>
             <a:fld id="{9D628A74-5D39-4C74-AB9A-F7F4A229E91A}" type="datetimeFigureOut">
               <a:rPr lang="en-US" smtClean="0"/>
-              <a:t>4/7/2022</a:t>
+              <a:t>4/9/2022</a:t>
             </a:fld>
             <a:endParaRPr lang="en-US"/>
           </a:p>
@@ -1850,7 +1872,7 @@
           <a:p>
             <a:fld id="{9D628A74-5D39-4C74-AB9A-F7F4A229E91A}" type="datetimeFigureOut">
               <a:rPr lang="en-US" smtClean="0"/>
-              <a:t>4/7/2022</a:t>
+              <a:t>4/9/2022</a:t>
             </a:fld>
             <a:endParaRPr lang="en-US"/>
           </a:p>
@@ -1991,7 +2013,7 @@
           <a:p>
             <a:fld id="{9D628A74-5D39-4C74-AB9A-F7F4A229E91A}" type="datetimeFigureOut">
               <a:rPr lang="en-US" smtClean="0"/>
-              <a:t>4/7/2022</a:t>
+              <a:t>4/9/2022</a:t>
             </a:fld>
             <a:endParaRPr lang="en-US"/>
           </a:p>
@@ -2104,7 +2126,7 @@
           <a:p>
             <a:fld id="{9D628A74-5D39-4C74-AB9A-F7F4A229E91A}" type="datetimeFigureOut">
               <a:rPr lang="en-US" smtClean="0"/>
-              <a:t>4/7/2022</a:t>
+              <a:t>4/9/2022</a:t>
             </a:fld>
             <a:endParaRPr lang="en-US"/>
           </a:p>
@@ -2415,7 +2437,7 @@
           <a:p>
             <a:fld id="{9D628A74-5D39-4C74-AB9A-F7F4A229E91A}" type="datetimeFigureOut">
               <a:rPr lang="en-US" smtClean="0"/>
-              <a:t>4/7/2022</a:t>
+              <a:t>4/9/2022</a:t>
             </a:fld>
             <a:endParaRPr lang="en-US"/>
           </a:p>
@@ -2703,7 +2725,7 @@
           <a:p>
             <a:fld id="{9D628A74-5D39-4C74-AB9A-F7F4A229E91A}" type="datetimeFigureOut">
               <a:rPr lang="en-US" smtClean="0"/>
-              <a:t>4/7/2022</a:t>
+              <a:t>4/9/2022</a:t>
             </a:fld>
             <a:endParaRPr lang="en-US"/>
           </a:p>
@@ -2944,7 +2966,7 @@
           <a:p>
             <a:fld id="{9D628A74-5D39-4C74-AB9A-F7F4A229E91A}" type="datetimeFigureOut">
               <a:rPr lang="en-US" smtClean="0"/>
-              <a:t>4/7/2022</a:t>
+              <a:t>4/9/2022</a:t>
             </a:fld>
             <a:endParaRPr lang="en-US"/>
           </a:p>
@@ -5677,6 +5699,1437 @@
 </p:sld>
 </file>
 
+<file path=ppt/slides/slide15.xml><?xml version="1.0" encoding="utf-8"?>
+<p:sld xmlns:a="http://schemas.openxmlformats.org/drawingml/2006/main" xmlns:r="http://schemas.openxmlformats.org/officeDocument/2006/relationships" xmlns:p="http://schemas.openxmlformats.org/presentationml/2006/main">
+  <p:cSld>
+    <p:spTree>
+      <p:nvGrpSpPr>
+        <p:cNvPr id="1" name=""/>
+        <p:cNvGrpSpPr/>
+        <p:nvPr/>
+      </p:nvGrpSpPr>
+      <p:grpSpPr>
+        <a:xfrm>
+          <a:off x="0" y="0"/>
+          <a:ext cx="0" cy="0"/>
+          <a:chOff x="0" y="0"/>
+          <a:chExt cx="0" cy="0"/>
+        </a:xfrm>
+      </p:grpSpPr>
+      <p:sp>
+        <p:nvSpPr>
+          <p:cNvPr id="2" name="Title 1">
+            <a:extLst>
+              <a:ext uri="{FF2B5EF4-FFF2-40B4-BE49-F238E27FC236}">
+                <a16:creationId xmlns:a16="http://schemas.microsoft.com/office/drawing/2014/main" id="{FCC5B575-ED65-4D15-8FDD-B283A916BDE8}"/>
+              </a:ext>
+            </a:extLst>
+          </p:cNvPr>
+          <p:cNvSpPr>
+            <a:spLocks noGrp="1"/>
+          </p:cNvSpPr>
+          <p:nvPr>
+            <p:ph type="title"/>
+          </p:nvPr>
+        </p:nvSpPr>
+        <p:spPr/>
+        <p:txBody>
+          <a:bodyPr>
+            <a:normAutofit/>
+          </a:bodyPr>
+          <a:lstStyle/>
+          <a:p>
+            <a:r>
+              <a:rPr lang="en-US" sz="3600" b="1" dirty="0"/>
+              <a:t>Function Statement | declaration</a:t>
+            </a:r>
+          </a:p>
+        </p:txBody>
+      </p:sp>
+      <p:sp>
+        <p:nvSpPr>
+          <p:cNvPr id="3" name="Content Placeholder 2">
+            <a:extLst>
+              <a:ext uri="{FF2B5EF4-FFF2-40B4-BE49-F238E27FC236}">
+                <a16:creationId xmlns:a16="http://schemas.microsoft.com/office/drawing/2014/main" id="{2E48A799-F840-4A56-946E-D1A6273D9D06}"/>
+              </a:ext>
+            </a:extLst>
+          </p:cNvPr>
+          <p:cNvSpPr>
+            <a:spLocks noGrp="1"/>
+          </p:cNvSpPr>
+          <p:nvPr>
+            <p:ph idx="1"/>
+          </p:nvPr>
+        </p:nvSpPr>
+        <p:spPr/>
+        <p:txBody>
+          <a:bodyPr>
+            <a:normAutofit/>
+          </a:bodyPr>
+          <a:lstStyle/>
+          <a:p>
+            <a:pPr>
+              <a:lnSpc>
+                <a:spcPct val="150000"/>
+              </a:lnSpc>
+            </a:pPr>
+            <a:r>
+              <a:rPr lang="en-US" sz="1800" dirty="0">
+                <a:latin typeface="Pyidaungsu" panose="020B0502040204020203" pitchFamily="34" charset="0"/>
+                <a:cs typeface="Pyidaungsu" panose="020B0502040204020203" pitchFamily="34" charset="0"/>
+              </a:rPr>
+              <a:t>A JavaScript function is a block of code designed to perform a particular task. A JavaScript function is executed when “something” invokes it (calls it).</a:t>
+            </a:r>
+          </a:p>
+          <a:p>
+            <a:pPr>
+              <a:lnSpc>
+                <a:spcPct val="150000"/>
+              </a:lnSpc>
+            </a:pPr>
+            <a:r>
+              <a:rPr lang="en-US" sz="1800" dirty="0">
+                <a:latin typeface="Pyidaungsu" panose="020B0502040204020203" pitchFamily="34" charset="0"/>
+                <a:cs typeface="Pyidaungsu" panose="020B0502040204020203" pitchFamily="34" charset="0"/>
+              </a:rPr>
+              <a:t>A JavaScript function is defined with the function keyword, followed by a </a:t>
+            </a:r>
+            <a:r>
+              <a:rPr lang="en-US" sz="1800" b="1" dirty="0">
+                <a:latin typeface="Pyidaungsu" panose="020B0502040204020203" pitchFamily="34" charset="0"/>
+                <a:cs typeface="Pyidaungsu" panose="020B0502040204020203" pitchFamily="34" charset="0"/>
+              </a:rPr>
+              <a:t>name, </a:t>
+            </a:r>
+            <a:r>
+              <a:rPr lang="en-US" sz="1800" dirty="0">
+                <a:latin typeface="Pyidaungsu" panose="020B0502040204020203" pitchFamily="34" charset="0"/>
+                <a:cs typeface="Pyidaungsu" panose="020B0502040204020203" pitchFamily="34" charset="0"/>
+              </a:rPr>
+              <a:t>followed by parentheses </a:t>
+            </a:r>
+            <a:r>
+              <a:rPr lang="en-US" sz="1800" b="1" dirty="0">
+                <a:latin typeface="Pyidaungsu" panose="020B0502040204020203" pitchFamily="34" charset="0"/>
+                <a:cs typeface="Pyidaungsu" panose="020B0502040204020203" pitchFamily="34" charset="0"/>
+              </a:rPr>
+              <a:t>(). </a:t>
+            </a:r>
+            <a:r>
+              <a:rPr lang="en-US" sz="1800" dirty="0">
+                <a:latin typeface="Pyidaungsu" panose="020B0502040204020203" pitchFamily="34" charset="0"/>
+                <a:cs typeface="Pyidaungsu" panose="020B0502040204020203" pitchFamily="34" charset="0"/>
+              </a:rPr>
+              <a:t>The code to be executed, by the function, is placed inside curly brackets: </a:t>
+            </a:r>
+            <a:r>
+              <a:rPr lang="en-US" sz="1800" b="1" dirty="0">
+                <a:latin typeface="Pyidaungsu" panose="020B0502040204020203" pitchFamily="34" charset="0"/>
+                <a:cs typeface="Pyidaungsu" panose="020B0502040204020203" pitchFamily="34" charset="0"/>
+              </a:rPr>
+              <a:t>{}</a:t>
+            </a:r>
+            <a:endParaRPr lang="en-US" sz="1800" dirty="0">
+              <a:latin typeface="Pyidaungsu" panose="020B0502040204020203" pitchFamily="34" charset="0"/>
+              <a:cs typeface="Pyidaungsu" panose="020B0502040204020203" pitchFamily="34" charset="0"/>
+            </a:endParaRPr>
+          </a:p>
+          <a:p>
+            <a:pPr>
+              <a:lnSpc>
+                <a:spcPct val="150000"/>
+              </a:lnSpc>
+            </a:pPr>
+            <a:r>
+              <a:rPr lang="en-US" sz="1800" dirty="0">
+                <a:latin typeface="Pyidaungsu" panose="020B0502040204020203" pitchFamily="34" charset="0"/>
+                <a:cs typeface="Pyidaungsu" panose="020B0502040204020203" pitchFamily="34" charset="0"/>
+              </a:rPr>
+              <a:t>function name(){ statement 1; statement 2; }</a:t>
+            </a:r>
+          </a:p>
+          <a:p>
+            <a:pPr>
+              <a:lnSpc>
+                <a:spcPct val="150000"/>
+              </a:lnSpc>
+            </a:pPr>
+            <a:r>
+              <a:rPr lang="en-US" sz="1800" dirty="0">
+                <a:latin typeface="Pyidaungsu" panose="020B0502040204020203" pitchFamily="34" charset="0"/>
+                <a:cs typeface="Pyidaungsu" panose="020B0502040204020203" pitchFamily="34" charset="0"/>
+              </a:rPr>
+              <a:t>return keyword </a:t>
+            </a:r>
+            <a:r>
+              <a:rPr lang="en-US" sz="1800" dirty="0" err="1">
+                <a:latin typeface="Pyidaungsu" panose="020B0502040204020203" pitchFamily="34" charset="0"/>
+                <a:cs typeface="Pyidaungsu" panose="020B0502040204020203" pitchFamily="34" charset="0"/>
+              </a:rPr>
+              <a:t>နဲ</a:t>
+            </a:r>
+            <a:r>
+              <a:rPr lang="en-US" sz="1800" dirty="0">
+                <a:latin typeface="Pyidaungsu" panose="020B0502040204020203" pitchFamily="34" charset="0"/>
+                <a:cs typeface="Pyidaungsu" panose="020B0502040204020203" pitchFamily="34" charset="0"/>
+              </a:rPr>
+              <a:t>့ function က </a:t>
+            </a:r>
+            <a:r>
+              <a:rPr lang="en-US" sz="1800" dirty="0" err="1">
+                <a:latin typeface="Pyidaungsu" panose="020B0502040204020203" pitchFamily="34" charset="0"/>
+                <a:cs typeface="Pyidaungsu" panose="020B0502040204020203" pitchFamily="34" charset="0"/>
+              </a:rPr>
+              <a:t>တွက်ထုတ်ပြီး</a:t>
+            </a:r>
+            <a:r>
+              <a:rPr lang="en-US" sz="1800" dirty="0">
+                <a:latin typeface="Pyidaungsu" panose="020B0502040204020203" pitchFamily="34" charset="0"/>
+                <a:cs typeface="Pyidaungsu" panose="020B0502040204020203" pitchFamily="34" charset="0"/>
+              </a:rPr>
+              <a:t> </a:t>
+            </a:r>
+            <a:r>
+              <a:rPr lang="en-US" sz="1800" dirty="0" err="1">
+                <a:latin typeface="Pyidaungsu" panose="020B0502040204020203" pitchFamily="34" charset="0"/>
+                <a:cs typeface="Pyidaungsu" panose="020B0502040204020203" pitchFamily="34" charset="0"/>
+              </a:rPr>
+              <a:t>ထွက်လာမည</a:t>
+            </a:r>
+            <a:r>
+              <a:rPr lang="en-US" sz="1800" dirty="0">
+                <a:latin typeface="Pyidaungsu" panose="020B0502040204020203" pitchFamily="34" charset="0"/>
+                <a:cs typeface="Pyidaungsu" panose="020B0502040204020203" pitchFamily="34" charset="0"/>
+              </a:rPr>
+              <a:t>့် </a:t>
+            </a:r>
+            <a:r>
+              <a:rPr lang="en-US" sz="1800" dirty="0" err="1">
+                <a:latin typeface="Pyidaungsu" panose="020B0502040204020203" pitchFamily="34" charset="0"/>
+                <a:cs typeface="Pyidaungsu" panose="020B0502040204020203" pitchFamily="34" charset="0"/>
+              </a:rPr>
+              <a:t>တန်ဖိုးကို</a:t>
+            </a:r>
+            <a:r>
+              <a:rPr lang="en-US" sz="1800" dirty="0">
+                <a:latin typeface="Pyidaungsu" panose="020B0502040204020203" pitchFamily="34" charset="0"/>
+                <a:cs typeface="Pyidaungsu" panose="020B0502040204020203" pitchFamily="34" charset="0"/>
+              </a:rPr>
+              <a:t> </a:t>
+            </a:r>
+            <a:r>
+              <a:rPr lang="en-US" sz="1800" dirty="0" err="1">
+                <a:latin typeface="Pyidaungsu" panose="020B0502040204020203" pitchFamily="34" charset="0"/>
+                <a:cs typeface="Pyidaungsu" panose="020B0502040204020203" pitchFamily="34" charset="0"/>
+              </a:rPr>
+              <a:t>ပြန်ပါတယ</a:t>
+            </a:r>
+            <a:r>
+              <a:rPr lang="en-US" sz="1800" dirty="0">
+                <a:latin typeface="Pyidaungsu" panose="020B0502040204020203" pitchFamily="34" charset="0"/>
+                <a:cs typeface="Pyidaungsu" panose="020B0502040204020203" pitchFamily="34" charset="0"/>
+              </a:rPr>
+              <a:t>်။ </a:t>
+            </a:r>
+            <a:r>
+              <a:rPr lang="en-US" sz="1800" dirty="0" err="1">
+                <a:latin typeface="Pyidaungsu" panose="020B0502040204020203" pitchFamily="34" charset="0"/>
+                <a:cs typeface="Pyidaungsu" panose="020B0502040204020203" pitchFamily="34" charset="0"/>
+              </a:rPr>
+              <a:t>ပြီးရင</a:t>
+            </a:r>
+            <a:r>
+              <a:rPr lang="en-US" sz="1800" dirty="0">
+                <a:latin typeface="Pyidaungsu" panose="020B0502040204020203" pitchFamily="34" charset="0"/>
+                <a:cs typeface="Pyidaungsu" panose="020B0502040204020203" pitchFamily="34" charset="0"/>
+              </a:rPr>
+              <a:t>် function </a:t>
+            </a:r>
+            <a:r>
+              <a:rPr lang="en-US" sz="1800" dirty="0" err="1">
+                <a:latin typeface="Pyidaungsu" panose="020B0502040204020203" pitchFamily="34" charset="0"/>
+                <a:cs typeface="Pyidaungsu" panose="020B0502040204020203" pitchFamily="34" charset="0"/>
+              </a:rPr>
+              <a:t>အလုပ်လုပ်တာ</a:t>
+            </a:r>
+            <a:r>
+              <a:rPr lang="en-US" sz="1800" dirty="0">
+                <a:latin typeface="Pyidaungsu" panose="020B0502040204020203" pitchFamily="34" charset="0"/>
+                <a:cs typeface="Pyidaungsu" panose="020B0502040204020203" pitchFamily="34" charset="0"/>
+              </a:rPr>
+              <a:t> </a:t>
+            </a:r>
+            <a:r>
+              <a:rPr lang="en-US" sz="1800" dirty="0" err="1">
+                <a:latin typeface="Pyidaungsu" panose="020B0502040204020203" pitchFamily="34" charset="0"/>
+                <a:cs typeface="Pyidaungsu" panose="020B0502040204020203" pitchFamily="34" charset="0"/>
+              </a:rPr>
+              <a:t>ရပ်သွားပါပြီ</a:t>
+            </a:r>
+            <a:r>
+              <a:rPr lang="en-US" sz="1800" dirty="0">
+                <a:latin typeface="Pyidaungsu" panose="020B0502040204020203" pitchFamily="34" charset="0"/>
+                <a:cs typeface="Pyidaungsu" panose="020B0502040204020203" pitchFamily="34" charset="0"/>
+              </a:rPr>
+              <a:t>။ </a:t>
+            </a:r>
+          </a:p>
+          <a:p>
+            <a:pPr>
+              <a:lnSpc>
+                <a:spcPct val="150000"/>
+              </a:lnSpc>
+            </a:pPr>
+            <a:r>
+              <a:rPr lang="en-US" sz="1800" dirty="0">
+                <a:latin typeface="Pyidaungsu" panose="020B0502040204020203" pitchFamily="34" charset="0"/>
+                <a:cs typeface="Pyidaungsu" panose="020B0502040204020203" pitchFamily="34" charset="0"/>
+              </a:rPr>
+              <a:t>invoke function with name()</a:t>
+            </a:r>
+          </a:p>
+        </p:txBody>
+      </p:sp>
+    </p:spTree>
+    <p:extLst>
+      <p:ext uri="{BB962C8B-B14F-4D97-AF65-F5344CB8AC3E}">
+        <p14:creationId xmlns:p14="http://schemas.microsoft.com/office/powerpoint/2010/main" val="2506616224"/>
+      </p:ext>
+    </p:extLst>
+  </p:cSld>
+  <p:clrMapOvr>
+    <a:masterClrMapping/>
+  </p:clrMapOvr>
+</p:sld>
+</file>
+
+<file path=ppt/slides/slide16.xml><?xml version="1.0" encoding="utf-8"?>
+<p:sld xmlns:a="http://schemas.openxmlformats.org/drawingml/2006/main" xmlns:r="http://schemas.openxmlformats.org/officeDocument/2006/relationships" xmlns:p="http://schemas.openxmlformats.org/presentationml/2006/main">
+  <p:cSld>
+    <p:spTree>
+      <p:nvGrpSpPr>
+        <p:cNvPr id="1" name=""/>
+        <p:cNvGrpSpPr/>
+        <p:nvPr/>
+      </p:nvGrpSpPr>
+      <p:grpSpPr>
+        <a:xfrm>
+          <a:off x="0" y="0"/>
+          <a:ext cx="0" cy="0"/>
+          <a:chOff x="0" y="0"/>
+          <a:chExt cx="0" cy="0"/>
+        </a:xfrm>
+      </p:grpSpPr>
+      <p:sp>
+        <p:nvSpPr>
+          <p:cNvPr id="2" name="Title 1">
+            <a:extLst>
+              <a:ext uri="{FF2B5EF4-FFF2-40B4-BE49-F238E27FC236}">
+                <a16:creationId xmlns:a16="http://schemas.microsoft.com/office/drawing/2014/main" id="{D308BEDC-6F64-4815-ADF5-EB8CC00859D6}"/>
+              </a:ext>
+            </a:extLst>
+          </p:cNvPr>
+          <p:cNvSpPr>
+            <a:spLocks noGrp="1"/>
+          </p:cNvSpPr>
+          <p:nvPr>
+            <p:ph type="title"/>
+          </p:nvPr>
+        </p:nvSpPr>
+        <p:spPr/>
+        <p:txBody>
+          <a:bodyPr>
+            <a:normAutofit/>
+          </a:bodyPr>
+          <a:lstStyle/>
+          <a:p>
+            <a:r>
+              <a:rPr lang="en-US" sz="3600" b="1" dirty="0"/>
+              <a:t>Parameter in function</a:t>
+            </a:r>
+          </a:p>
+        </p:txBody>
+      </p:sp>
+      <p:sp>
+        <p:nvSpPr>
+          <p:cNvPr id="3" name="Content Placeholder 2">
+            <a:extLst>
+              <a:ext uri="{FF2B5EF4-FFF2-40B4-BE49-F238E27FC236}">
+                <a16:creationId xmlns:a16="http://schemas.microsoft.com/office/drawing/2014/main" id="{AC443CAC-3900-48EC-AC2D-5100A007E99A}"/>
+              </a:ext>
+            </a:extLst>
+          </p:cNvPr>
+          <p:cNvSpPr>
+            <a:spLocks noGrp="1"/>
+          </p:cNvSpPr>
+          <p:nvPr>
+            <p:ph idx="1"/>
+          </p:nvPr>
+        </p:nvSpPr>
+        <p:spPr/>
+        <p:txBody>
+          <a:bodyPr>
+            <a:normAutofit/>
+          </a:bodyPr>
+          <a:lstStyle/>
+          <a:p>
+            <a:pPr>
+              <a:lnSpc>
+                <a:spcPct val="150000"/>
+              </a:lnSpc>
+            </a:pPr>
+            <a:r>
+              <a:rPr lang="en-US" sz="1800" dirty="0">
+                <a:latin typeface="Pyidaungsu" panose="020B0502040204020203" pitchFamily="34" charset="0"/>
+                <a:cs typeface="Pyidaungsu" panose="020B0502040204020203" pitchFamily="34" charset="0"/>
+              </a:rPr>
+              <a:t>Function </a:t>
+            </a:r>
+            <a:r>
+              <a:rPr lang="en-US" sz="1800" b="1" dirty="0">
+                <a:latin typeface="Pyidaungsu" panose="020B0502040204020203" pitchFamily="34" charset="0"/>
+                <a:cs typeface="Pyidaungsu" panose="020B0502040204020203" pitchFamily="34" charset="0"/>
+              </a:rPr>
+              <a:t>parameters </a:t>
+            </a:r>
+            <a:r>
+              <a:rPr lang="en-US" sz="1800" dirty="0">
+                <a:latin typeface="Pyidaungsu" panose="020B0502040204020203" pitchFamily="34" charset="0"/>
+                <a:cs typeface="Pyidaungsu" panose="020B0502040204020203" pitchFamily="34" charset="0"/>
+              </a:rPr>
+              <a:t>are listed inside the </a:t>
+            </a:r>
+            <a:r>
+              <a:rPr lang="en-US" sz="1800" dirty="0" err="1">
+                <a:latin typeface="Pyidaungsu" panose="020B0502040204020203" pitchFamily="34" charset="0"/>
+                <a:cs typeface="Pyidaungsu" panose="020B0502040204020203" pitchFamily="34" charset="0"/>
+              </a:rPr>
+              <a:t>parenthese</a:t>
+            </a:r>
+            <a:r>
+              <a:rPr lang="en-US" sz="1800" dirty="0">
+                <a:latin typeface="Pyidaungsu" panose="020B0502040204020203" pitchFamily="34" charset="0"/>
+                <a:cs typeface="Pyidaungsu" panose="020B0502040204020203" pitchFamily="34" charset="0"/>
+              </a:rPr>
+              <a:t> () in the function definition.</a:t>
+            </a:r>
+          </a:p>
+          <a:p>
+            <a:pPr>
+              <a:lnSpc>
+                <a:spcPct val="150000"/>
+              </a:lnSpc>
+            </a:pPr>
+            <a:r>
+              <a:rPr lang="en-US" sz="1800" dirty="0">
+                <a:latin typeface="Pyidaungsu" panose="020B0502040204020203" pitchFamily="34" charset="0"/>
+                <a:cs typeface="Pyidaungsu" panose="020B0502040204020203" pitchFamily="34" charset="0"/>
+              </a:rPr>
+              <a:t>parameters </a:t>
+            </a:r>
+            <a:r>
+              <a:rPr lang="en-US" sz="1800" dirty="0" err="1">
+                <a:latin typeface="Pyidaungsu" panose="020B0502040204020203" pitchFamily="34" charset="0"/>
+                <a:cs typeface="Pyidaungsu" panose="020B0502040204020203" pitchFamily="34" charset="0"/>
+              </a:rPr>
+              <a:t>တွေဟာ</a:t>
+            </a:r>
+            <a:r>
+              <a:rPr lang="en-US" sz="1800" dirty="0">
+                <a:latin typeface="Pyidaungsu" panose="020B0502040204020203" pitchFamily="34" charset="0"/>
+                <a:cs typeface="Pyidaungsu" panose="020B0502040204020203" pitchFamily="34" charset="0"/>
+              </a:rPr>
+              <a:t> function </a:t>
+            </a:r>
+            <a:r>
+              <a:rPr lang="en-US" sz="1800" dirty="0" err="1">
+                <a:latin typeface="Pyidaungsu" panose="020B0502040204020203" pitchFamily="34" charset="0"/>
+                <a:cs typeface="Pyidaungsu" panose="020B0502040204020203" pitchFamily="34" charset="0"/>
+              </a:rPr>
+              <a:t>ထဲမှာ</a:t>
+            </a:r>
+            <a:r>
+              <a:rPr lang="en-US" sz="1800" dirty="0">
+                <a:latin typeface="Pyidaungsu" panose="020B0502040204020203" pitchFamily="34" charset="0"/>
+                <a:cs typeface="Pyidaungsu" panose="020B0502040204020203" pitchFamily="34" charset="0"/>
+              </a:rPr>
+              <a:t> variable </a:t>
+            </a:r>
+            <a:r>
+              <a:rPr lang="en-US" sz="1800" dirty="0" err="1">
+                <a:latin typeface="Pyidaungsu" panose="020B0502040204020203" pitchFamily="34" charset="0"/>
+                <a:cs typeface="Pyidaungsu" panose="020B0502040204020203" pitchFamily="34" charset="0"/>
+              </a:rPr>
+              <a:t>ကဲ့သို</a:t>
+            </a:r>
+            <a:r>
+              <a:rPr lang="en-US" sz="1800" dirty="0">
+                <a:latin typeface="Pyidaungsu" panose="020B0502040204020203" pitchFamily="34" charset="0"/>
+                <a:cs typeface="Pyidaungsu" panose="020B0502040204020203" pitchFamily="34" charset="0"/>
+              </a:rPr>
+              <a:t>့ </a:t>
+            </a:r>
+            <a:r>
+              <a:rPr lang="en-US" sz="1800" dirty="0" err="1">
+                <a:latin typeface="Pyidaungsu" panose="020B0502040204020203" pitchFamily="34" charset="0"/>
+                <a:cs typeface="Pyidaungsu" panose="020B0502040204020203" pitchFamily="34" charset="0"/>
+              </a:rPr>
+              <a:t>အလုပ်လုပ်ပါတယ</a:t>
+            </a:r>
+            <a:r>
+              <a:rPr lang="en-US" sz="1800" dirty="0">
+                <a:latin typeface="Pyidaungsu" panose="020B0502040204020203" pitchFamily="34" charset="0"/>
+                <a:cs typeface="Pyidaungsu" panose="020B0502040204020203" pitchFamily="34" charset="0"/>
+              </a:rPr>
+              <a:t>်။</a:t>
+            </a:r>
+          </a:p>
+          <a:p>
+            <a:pPr>
+              <a:lnSpc>
+                <a:spcPct val="150000"/>
+              </a:lnSpc>
+            </a:pPr>
+            <a:r>
+              <a:rPr lang="en-US" sz="1800" dirty="0">
+                <a:latin typeface="Pyidaungsu" panose="020B0502040204020203" pitchFamily="34" charset="0"/>
+                <a:cs typeface="Pyidaungsu" panose="020B0502040204020203" pitchFamily="34" charset="0"/>
+              </a:rPr>
+              <a:t>Function </a:t>
+            </a:r>
+            <a:r>
+              <a:rPr lang="en-US" sz="1800" b="1" dirty="0">
+                <a:latin typeface="Pyidaungsu" panose="020B0502040204020203" pitchFamily="34" charset="0"/>
+                <a:cs typeface="Pyidaungsu" panose="020B0502040204020203" pitchFamily="34" charset="0"/>
+              </a:rPr>
+              <a:t>arguments </a:t>
+            </a:r>
+            <a:r>
+              <a:rPr lang="en-US" sz="1800" dirty="0">
+                <a:latin typeface="Pyidaungsu" panose="020B0502040204020203" pitchFamily="34" charset="0"/>
+                <a:cs typeface="Pyidaungsu" panose="020B0502040204020203" pitchFamily="34" charset="0"/>
+              </a:rPr>
+              <a:t>are the </a:t>
+            </a:r>
+            <a:r>
+              <a:rPr lang="en-US" sz="1800" b="1" dirty="0">
+                <a:latin typeface="Pyidaungsu" panose="020B0502040204020203" pitchFamily="34" charset="0"/>
+                <a:cs typeface="Pyidaungsu" panose="020B0502040204020203" pitchFamily="34" charset="0"/>
+              </a:rPr>
+              <a:t>values </a:t>
+            </a:r>
+            <a:r>
+              <a:rPr lang="en-US" sz="1800" dirty="0">
+                <a:latin typeface="Pyidaungsu" panose="020B0502040204020203" pitchFamily="34" charset="0"/>
+                <a:cs typeface="Pyidaungsu" panose="020B0502040204020203" pitchFamily="34" charset="0"/>
+              </a:rPr>
+              <a:t> received by the function when it is invoked.</a:t>
+            </a:r>
+          </a:p>
+          <a:p>
+            <a:pPr>
+              <a:lnSpc>
+                <a:spcPct val="150000"/>
+              </a:lnSpc>
+            </a:pPr>
+            <a:r>
+              <a:rPr lang="en-US" sz="1800" b="1" dirty="0">
+                <a:latin typeface="Pyidaungsu" panose="020B0502040204020203" pitchFamily="34" charset="0"/>
+                <a:cs typeface="Pyidaungsu" panose="020B0502040204020203" pitchFamily="34" charset="0"/>
+              </a:rPr>
+              <a:t>Default parameters </a:t>
+            </a:r>
+            <a:r>
+              <a:rPr lang="en-US" sz="1800" dirty="0">
+                <a:latin typeface="Pyidaungsu" panose="020B0502040204020203" pitchFamily="34" charset="0"/>
+                <a:cs typeface="Pyidaungsu" panose="020B0502040204020203" pitchFamily="34" charset="0"/>
+              </a:rPr>
+              <a:t>allow named parameters to be initialized with default values if no value or undefined is passed.</a:t>
+            </a:r>
+            <a:endParaRPr lang="en-US" sz="1800" b="1" dirty="0">
+              <a:latin typeface="Pyidaungsu" panose="020B0502040204020203" pitchFamily="34" charset="0"/>
+              <a:cs typeface="Pyidaungsu" panose="020B0502040204020203" pitchFamily="34" charset="0"/>
+            </a:endParaRPr>
+          </a:p>
+        </p:txBody>
+      </p:sp>
+    </p:spTree>
+    <p:extLst>
+      <p:ext uri="{BB962C8B-B14F-4D97-AF65-F5344CB8AC3E}">
+        <p14:creationId xmlns:p14="http://schemas.microsoft.com/office/powerpoint/2010/main" val="1778444517"/>
+      </p:ext>
+    </p:extLst>
+  </p:cSld>
+  <p:clrMapOvr>
+    <a:masterClrMapping/>
+  </p:clrMapOvr>
+</p:sld>
+</file>
+
+<file path=ppt/slides/slide17.xml><?xml version="1.0" encoding="utf-8"?>
+<p:sld xmlns:a="http://schemas.openxmlformats.org/drawingml/2006/main" xmlns:r="http://schemas.openxmlformats.org/officeDocument/2006/relationships" xmlns:p="http://schemas.openxmlformats.org/presentationml/2006/main">
+  <p:cSld>
+    <p:spTree>
+      <p:nvGrpSpPr>
+        <p:cNvPr id="1" name=""/>
+        <p:cNvGrpSpPr/>
+        <p:nvPr/>
+      </p:nvGrpSpPr>
+      <p:grpSpPr>
+        <a:xfrm>
+          <a:off x="0" y="0"/>
+          <a:ext cx="0" cy="0"/>
+          <a:chOff x="0" y="0"/>
+          <a:chExt cx="0" cy="0"/>
+        </a:xfrm>
+      </p:grpSpPr>
+      <p:sp>
+        <p:nvSpPr>
+          <p:cNvPr id="2" name="Title 1">
+            <a:extLst>
+              <a:ext uri="{FF2B5EF4-FFF2-40B4-BE49-F238E27FC236}">
+                <a16:creationId xmlns:a16="http://schemas.microsoft.com/office/drawing/2014/main" id="{12CCE1B6-9EFF-4C5A-8E65-B3C144E87278}"/>
+              </a:ext>
+            </a:extLst>
+          </p:cNvPr>
+          <p:cNvSpPr>
+            <a:spLocks noGrp="1"/>
+          </p:cNvSpPr>
+          <p:nvPr>
+            <p:ph type="title"/>
+          </p:nvPr>
+        </p:nvSpPr>
+        <p:spPr/>
+        <p:txBody>
+          <a:bodyPr>
+            <a:normAutofit/>
+          </a:bodyPr>
+          <a:lstStyle/>
+          <a:p>
+            <a:r>
+              <a:rPr lang="en-US" sz="3600" b="1" dirty="0"/>
+              <a:t>Why Functions?</a:t>
+            </a:r>
+          </a:p>
+        </p:txBody>
+      </p:sp>
+      <p:sp>
+        <p:nvSpPr>
+          <p:cNvPr id="3" name="Content Placeholder 2">
+            <a:extLst>
+              <a:ext uri="{FF2B5EF4-FFF2-40B4-BE49-F238E27FC236}">
+                <a16:creationId xmlns:a16="http://schemas.microsoft.com/office/drawing/2014/main" id="{9DF9DD05-8228-4A0D-9EF4-21C460E17205}"/>
+              </a:ext>
+            </a:extLst>
+          </p:cNvPr>
+          <p:cNvSpPr>
+            <a:spLocks noGrp="1"/>
+          </p:cNvSpPr>
+          <p:nvPr>
+            <p:ph idx="1"/>
+          </p:nvPr>
+        </p:nvSpPr>
+        <p:spPr/>
+        <p:txBody>
+          <a:bodyPr>
+            <a:normAutofit/>
+          </a:bodyPr>
+          <a:lstStyle/>
+          <a:p>
+            <a:pPr>
+              <a:lnSpc>
+                <a:spcPct val="150000"/>
+              </a:lnSpc>
+            </a:pPr>
+            <a:r>
+              <a:rPr lang="en-US" sz="1800" dirty="0">
+                <a:latin typeface="Pyidaungsu" panose="020B0502040204020203" pitchFamily="34" charset="0"/>
+                <a:cs typeface="Pyidaungsu" panose="020B0502040204020203" pitchFamily="34" charset="0"/>
+              </a:rPr>
+              <a:t>You can reuse code: Define the code once, and use it many times.</a:t>
+            </a:r>
+          </a:p>
+          <a:p>
+            <a:pPr>
+              <a:lnSpc>
+                <a:spcPct val="150000"/>
+              </a:lnSpc>
+            </a:pPr>
+            <a:r>
+              <a:rPr lang="en-US" sz="1800" dirty="0">
+                <a:latin typeface="Pyidaungsu" panose="020B0502040204020203" pitchFamily="34" charset="0"/>
+                <a:cs typeface="Pyidaungsu" panose="020B0502040204020203" pitchFamily="34" charset="0"/>
+              </a:rPr>
+              <a:t>You can use the same code many times with different arguments, to produce different results.</a:t>
+            </a:r>
+          </a:p>
+        </p:txBody>
+      </p:sp>
+    </p:spTree>
+    <p:extLst>
+      <p:ext uri="{BB962C8B-B14F-4D97-AF65-F5344CB8AC3E}">
+        <p14:creationId xmlns:p14="http://schemas.microsoft.com/office/powerpoint/2010/main" val="244692697"/>
+      </p:ext>
+    </p:extLst>
+  </p:cSld>
+  <p:clrMapOvr>
+    <a:masterClrMapping/>
+  </p:clrMapOvr>
+</p:sld>
+</file>
+
+<file path=ppt/slides/slide18.xml><?xml version="1.0" encoding="utf-8"?>
+<p:sld xmlns:a="http://schemas.openxmlformats.org/drawingml/2006/main" xmlns:r="http://schemas.openxmlformats.org/officeDocument/2006/relationships" xmlns:p="http://schemas.openxmlformats.org/presentationml/2006/main">
+  <p:cSld>
+    <p:spTree>
+      <p:nvGrpSpPr>
+        <p:cNvPr id="1" name=""/>
+        <p:cNvGrpSpPr/>
+        <p:nvPr/>
+      </p:nvGrpSpPr>
+      <p:grpSpPr>
+        <a:xfrm>
+          <a:off x="0" y="0"/>
+          <a:ext cx="0" cy="0"/>
+          <a:chOff x="0" y="0"/>
+          <a:chExt cx="0" cy="0"/>
+        </a:xfrm>
+      </p:grpSpPr>
+      <p:sp>
+        <p:nvSpPr>
+          <p:cNvPr id="2" name="Title 1">
+            <a:extLst>
+              <a:ext uri="{FF2B5EF4-FFF2-40B4-BE49-F238E27FC236}">
+                <a16:creationId xmlns:a16="http://schemas.microsoft.com/office/drawing/2014/main" id="{F35075BA-91EB-4B42-ADFF-F8AC6BB333DD}"/>
+              </a:ext>
+            </a:extLst>
+          </p:cNvPr>
+          <p:cNvSpPr>
+            <a:spLocks noGrp="1"/>
+          </p:cNvSpPr>
+          <p:nvPr>
+            <p:ph type="title"/>
+          </p:nvPr>
+        </p:nvSpPr>
+        <p:spPr/>
+        <p:txBody>
+          <a:bodyPr>
+            <a:normAutofit/>
+          </a:bodyPr>
+          <a:lstStyle/>
+          <a:p>
+            <a:r>
+              <a:rPr lang="en-US" sz="3600" dirty="0"/>
+              <a:t>Function </a:t>
+            </a:r>
+            <a:r>
+              <a:rPr lang="en-US" sz="3600" dirty="0" err="1">
+                <a:latin typeface="Pyidaungsu" panose="020B0502040204020203" pitchFamily="34" charset="0"/>
+                <a:cs typeface="Pyidaungsu" panose="020B0502040204020203" pitchFamily="34" charset="0"/>
+              </a:rPr>
+              <a:t>နှင</a:t>
+            </a:r>
+            <a:r>
+              <a:rPr lang="en-US" sz="3600" dirty="0">
+                <a:latin typeface="Pyidaungsu" panose="020B0502040204020203" pitchFamily="34" charset="0"/>
+                <a:cs typeface="Pyidaungsu" panose="020B0502040204020203" pitchFamily="34" charset="0"/>
+              </a:rPr>
+              <a:t>့်</a:t>
+            </a:r>
+            <a:r>
+              <a:rPr lang="en-US" sz="3600" dirty="0" err="1">
+                <a:latin typeface="Pyidaungsu" panose="020B0502040204020203" pitchFamily="34" charset="0"/>
+                <a:cs typeface="Pyidaungsu" panose="020B0502040204020203" pitchFamily="34" charset="0"/>
+              </a:rPr>
+              <a:t>ဆက်စပ်ပြီး</a:t>
+            </a:r>
+            <a:r>
+              <a:rPr lang="en-US" sz="3600" dirty="0">
+                <a:latin typeface="Pyidaungsu" panose="020B0502040204020203" pitchFamily="34" charset="0"/>
+                <a:cs typeface="Pyidaungsu" panose="020B0502040204020203" pitchFamily="34" charset="0"/>
+              </a:rPr>
+              <a:t> </a:t>
+            </a:r>
+            <a:r>
+              <a:rPr lang="en-US" sz="3600" dirty="0" err="1">
+                <a:latin typeface="Pyidaungsu" panose="020B0502040204020203" pitchFamily="34" charset="0"/>
+                <a:cs typeface="Pyidaungsu" panose="020B0502040204020203" pitchFamily="34" charset="0"/>
+              </a:rPr>
+              <a:t>သိထားသင</a:t>
+            </a:r>
+            <a:r>
+              <a:rPr lang="en-US" sz="3600" dirty="0">
+                <a:latin typeface="Pyidaungsu" panose="020B0502040204020203" pitchFamily="34" charset="0"/>
+                <a:cs typeface="Pyidaungsu" panose="020B0502040204020203" pitchFamily="34" charset="0"/>
+              </a:rPr>
+              <a:t>့်</a:t>
+            </a:r>
+            <a:r>
+              <a:rPr lang="en-US" sz="3600" dirty="0" err="1">
+                <a:latin typeface="Pyidaungsu" panose="020B0502040204020203" pitchFamily="34" charset="0"/>
+                <a:cs typeface="Pyidaungsu" panose="020B0502040204020203" pitchFamily="34" charset="0"/>
+              </a:rPr>
+              <a:t>သမ</a:t>
+            </a:r>
+            <a:r>
+              <a:rPr lang="en-US" sz="3600" dirty="0">
+                <a:latin typeface="Pyidaungsu" panose="020B0502040204020203" pitchFamily="34" charset="0"/>
+                <a:cs typeface="Pyidaungsu" panose="020B0502040204020203" pitchFamily="34" charset="0"/>
+              </a:rPr>
+              <a:t>ျှ</a:t>
+            </a:r>
+            <a:endParaRPr lang="en-US" sz="3600" dirty="0"/>
+          </a:p>
+        </p:txBody>
+      </p:sp>
+      <p:sp>
+        <p:nvSpPr>
+          <p:cNvPr id="3" name="Content Placeholder 2">
+            <a:extLst>
+              <a:ext uri="{FF2B5EF4-FFF2-40B4-BE49-F238E27FC236}">
+                <a16:creationId xmlns:a16="http://schemas.microsoft.com/office/drawing/2014/main" id="{739ABCDA-3780-45DD-A8C5-13F9D6D77183}"/>
+              </a:ext>
+            </a:extLst>
+          </p:cNvPr>
+          <p:cNvSpPr>
+            <a:spLocks noGrp="1"/>
+          </p:cNvSpPr>
+          <p:nvPr>
+            <p:ph idx="1"/>
+          </p:nvPr>
+        </p:nvSpPr>
+        <p:spPr/>
+        <p:txBody>
+          <a:bodyPr>
+            <a:normAutofit/>
+          </a:bodyPr>
+          <a:lstStyle/>
+          <a:p>
+            <a:pPr>
+              <a:lnSpc>
+                <a:spcPct val="150000"/>
+              </a:lnSpc>
+            </a:pPr>
+            <a:r>
+              <a:rPr lang="en-US" sz="1800" dirty="0"/>
+              <a:t>console.log(“hello”);</a:t>
+            </a:r>
+          </a:p>
+          <a:p>
+            <a:pPr>
+              <a:lnSpc>
+                <a:spcPct val="150000"/>
+              </a:lnSpc>
+            </a:pPr>
+            <a:r>
+              <a:rPr lang="en-US" sz="1800" dirty="0"/>
+              <a:t>function expression</a:t>
+            </a:r>
+          </a:p>
+          <a:p>
+            <a:pPr>
+              <a:lnSpc>
+                <a:spcPct val="150000"/>
+              </a:lnSpc>
+            </a:pPr>
+            <a:r>
+              <a:rPr lang="en-US" sz="1800" dirty="0"/>
+              <a:t>IIFE ( Immediately Invoked Function Expression )</a:t>
+            </a:r>
+          </a:p>
+          <a:p>
+            <a:pPr>
+              <a:lnSpc>
+                <a:spcPct val="150000"/>
+              </a:lnSpc>
+            </a:pPr>
+            <a:r>
+              <a:rPr lang="en-US" sz="1800" dirty="0"/>
+              <a:t>function invoke another function</a:t>
+            </a:r>
+          </a:p>
+          <a:p>
+            <a:pPr>
+              <a:lnSpc>
+                <a:spcPct val="150000"/>
+              </a:lnSpc>
+            </a:pPr>
+            <a:r>
+              <a:rPr lang="en-US" sz="1800" dirty="0"/>
+              <a:t>scope</a:t>
+            </a:r>
+          </a:p>
+          <a:p>
+            <a:pPr lvl="1">
+              <a:lnSpc>
+                <a:spcPct val="100000"/>
+              </a:lnSpc>
+            </a:pPr>
+            <a:r>
+              <a:rPr lang="en-US" sz="1800" dirty="0"/>
+              <a:t>Block Scope</a:t>
+            </a:r>
+          </a:p>
+          <a:p>
+            <a:pPr lvl="1">
+              <a:lnSpc>
+                <a:spcPct val="100000"/>
+              </a:lnSpc>
+            </a:pPr>
+            <a:r>
+              <a:rPr lang="en-US" sz="1800" dirty="0"/>
+              <a:t>function Scope</a:t>
+            </a:r>
+          </a:p>
+          <a:p>
+            <a:pPr lvl="1">
+              <a:lnSpc>
+                <a:spcPct val="100000"/>
+              </a:lnSpc>
+            </a:pPr>
+            <a:r>
+              <a:rPr lang="en-US" sz="1800" dirty="0"/>
+              <a:t>Global Scope</a:t>
+            </a:r>
+          </a:p>
+          <a:p>
+            <a:pPr>
+              <a:lnSpc>
+                <a:spcPct val="150000"/>
+              </a:lnSpc>
+            </a:pPr>
+            <a:r>
+              <a:rPr lang="en-US" sz="1800" dirty="0"/>
+              <a:t>Hoisting</a:t>
+            </a:r>
+          </a:p>
+        </p:txBody>
+      </p:sp>
+    </p:spTree>
+    <p:extLst>
+      <p:ext uri="{BB962C8B-B14F-4D97-AF65-F5344CB8AC3E}">
+        <p14:creationId xmlns:p14="http://schemas.microsoft.com/office/powerpoint/2010/main" val="1534684695"/>
+      </p:ext>
+    </p:extLst>
+  </p:cSld>
+  <p:clrMapOvr>
+    <a:masterClrMapping/>
+  </p:clrMapOvr>
+</p:sld>
+</file>
+
+<file path=ppt/slides/slide19.xml><?xml version="1.0" encoding="utf-8"?>
+<p:sld xmlns:a="http://schemas.openxmlformats.org/drawingml/2006/main" xmlns:r="http://schemas.openxmlformats.org/officeDocument/2006/relationships" xmlns:p="http://schemas.openxmlformats.org/presentationml/2006/main">
+  <p:cSld>
+    <p:spTree>
+      <p:nvGrpSpPr>
+        <p:cNvPr id="1" name=""/>
+        <p:cNvGrpSpPr/>
+        <p:nvPr/>
+      </p:nvGrpSpPr>
+      <p:grpSpPr>
+        <a:xfrm>
+          <a:off x="0" y="0"/>
+          <a:ext cx="0" cy="0"/>
+          <a:chOff x="0" y="0"/>
+          <a:chExt cx="0" cy="0"/>
+        </a:xfrm>
+      </p:grpSpPr>
+      <p:sp>
+        <p:nvSpPr>
+          <p:cNvPr id="2" name="Title 1">
+            <a:extLst>
+              <a:ext uri="{FF2B5EF4-FFF2-40B4-BE49-F238E27FC236}">
+                <a16:creationId xmlns:a16="http://schemas.microsoft.com/office/drawing/2014/main" id="{CE5CA870-2215-45AE-AA81-7F274726AAF8}"/>
+              </a:ext>
+            </a:extLst>
+          </p:cNvPr>
+          <p:cNvSpPr>
+            <a:spLocks noGrp="1"/>
+          </p:cNvSpPr>
+          <p:nvPr>
+            <p:ph type="title"/>
+          </p:nvPr>
+        </p:nvSpPr>
+        <p:spPr/>
+        <p:txBody>
+          <a:bodyPr>
+            <a:normAutofit/>
+          </a:bodyPr>
+          <a:lstStyle/>
+          <a:p>
+            <a:r>
+              <a:rPr lang="en-US" sz="3600" b="1" dirty="0"/>
+              <a:t>Function Practical</a:t>
+            </a:r>
+          </a:p>
+        </p:txBody>
+      </p:sp>
+      <p:sp>
+        <p:nvSpPr>
+          <p:cNvPr id="3" name="Content Placeholder 2">
+            <a:extLst>
+              <a:ext uri="{FF2B5EF4-FFF2-40B4-BE49-F238E27FC236}">
+                <a16:creationId xmlns:a16="http://schemas.microsoft.com/office/drawing/2014/main" id="{D476DF56-8760-42B9-85A4-6A87AF0B43AE}"/>
+              </a:ext>
+            </a:extLst>
+          </p:cNvPr>
+          <p:cNvSpPr>
+            <a:spLocks noGrp="1"/>
+          </p:cNvSpPr>
+          <p:nvPr>
+            <p:ph idx="1"/>
+          </p:nvPr>
+        </p:nvSpPr>
+        <p:spPr/>
+        <p:txBody>
+          <a:bodyPr>
+            <a:normAutofit/>
+          </a:bodyPr>
+          <a:lstStyle/>
+          <a:p>
+            <a:pPr>
+              <a:lnSpc>
+                <a:spcPct val="150000"/>
+              </a:lnSpc>
+            </a:pPr>
+            <a:r>
+              <a:rPr lang="en-US" sz="1800" dirty="0">
+                <a:latin typeface="Pyidaungsu" panose="020B0502040204020203" pitchFamily="34" charset="0"/>
+                <a:cs typeface="Pyidaungsu" panose="020B0502040204020203" pitchFamily="34" charset="0"/>
+              </a:rPr>
+              <a:t>area </a:t>
+            </a:r>
+            <a:r>
+              <a:rPr lang="en-US" sz="1800" dirty="0" err="1">
+                <a:latin typeface="Pyidaungsu" panose="020B0502040204020203" pitchFamily="34" charset="0"/>
+                <a:cs typeface="Pyidaungsu" panose="020B0502040204020203" pitchFamily="34" charset="0"/>
+              </a:rPr>
+              <a:t>တွက်တဲ</a:t>
+            </a:r>
+            <a:r>
+              <a:rPr lang="en-US" sz="1800" dirty="0">
+                <a:latin typeface="Pyidaungsu" panose="020B0502040204020203" pitchFamily="34" charset="0"/>
+                <a:cs typeface="Pyidaungsu" panose="020B0502040204020203" pitchFamily="34" charset="0"/>
+              </a:rPr>
+              <a:t>့ fun </a:t>
+            </a:r>
+            <a:r>
+              <a:rPr lang="en-US" sz="1800" dirty="0" err="1">
+                <a:latin typeface="Pyidaungsu" panose="020B0502040204020203" pitchFamily="34" charset="0"/>
+                <a:cs typeface="Pyidaungsu" panose="020B0502040204020203" pitchFamily="34" charset="0"/>
+              </a:rPr>
+              <a:t>လေးတည်ဆောင်ပါမယ</a:t>
+            </a:r>
+            <a:r>
+              <a:rPr lang="en-US" sz="1800" dirty="0">
+                <a:latin typeface="Pyidaungsu" panose="020B0502040204020203" pitchFamily="34" charset="0"/>
+                <a:cs typeface="Pyidaungsu" panose="020B0502040204020203" pitchFamily="34" charset="0"/>
+              </a:rPr>
+              <a:t>်။ width &amp; breadth </a:t>
+            </a:r>
+            <a:r>
+              <a:rPr lang="en-US" sz="1800" dirty="0" err="1">
+                <a:latin typeface="Pyidaungsu" panose="020B0502040204020203" pitchFamily="34" charset="0"/>
+                <a:cs typeface="Pyidaungsu" panose="020B0502040204020203" pitchFamily="34" charset="0"/>
+              </a:rPr>
+              <a:t>ယူပါမယ</a:t>
+            </a:r>
+            <a:r>
+              <a:rPr lang="en-US" sz="1800" dirty="0">
+                <a:latin typeface="Pyidaungsu" panose="020B0502040204020203" pitchFamily="34" charset="0"/>
+                <a:cs typeface="Pyidaungsu" panose="020B0502040204020203" pitchFamily="34" charset="0"/>
+              </a:rPr>
+              <a:t>် area </a:t>
+            </a:r>
+            <a:r>
+              <a:rPr lang="en-US" sz="1800" dirty="0" err="1">
+                <a:latin typeface="Pyidaungsu" panose="020B0502040204020203" pitchFamily="34" charset="0"/>
+                <a:cs typeface="Pyidaungsu" panose="020B0502040204020203" pitchFamily="34" charset="0"/>
+              </a:rPr>
+              <a:t>ကို</a:t>
+            </a:r>
+            <a:r>
+              <a:rPr lang="en-US" sz="1800" dirty="0">
+                <a:latin typeface="Pyidaungsu" panose="020B0502040204020203" pitchFamily="34" charset="0"/>
+                <a:cs typeface="Pyidaungsu" panose="020B0502040204020203" pitchFamily="34" charset="0"/>
+              </a:rPr>
+              <a:t> </a:t>
+            </a:r>
+            <a:r>
+              <a:rPr lang="en-US" sz="1800" dirty="0" err="1">
+                <a:latin typeface="Pyidaungsu" panose="020B0502040204020203" pitchFamily="34" charset="0"/>
+                <a:cs typeface="Pyidaungsu" panose="020B0502040204020203" pitchFamily="34" charset="0"/>
+              </a:rPr>
+              <a:t>တွက်ပါမယ</a:t>
+            </a:r>
+            <a:r>
+              <a:rPr lang="en-US" sz="1800" dirty="0">
+                <a:latin typeface="Pyidaungsu" panose="020B0502040204020203" pitchFamily="34" charset="0"/>
+                <a:cs typeface="Pyidaungsu" panose="020B0502040204020203" pitchFamily="34" charset="0"/>
+              </a:rPr>
+              <a:t>်။ </a:t>
+            </a:r>
+            <a:r>
+              <a:rPr lang="en-US" sz="1800" dirty="0" err="1">
+                <a:latin typeface="Pyidaungsu" panose="020B0502040204020203" pitchFamily="34" charset="0"/>
+                <a:cs typeface="Pyidaungsu" panose="020B0502040204020203" pitchFamily="34" charset="0"/>
+              </a:rPr>
+              <a:t>အဖြေကို</a:t>
+            </a:r>
+            <a:r>
+              <a:rPr lang="en-US" sz="1800" dirty="0">
+                <a:latin typeface="Pyidaungsu" panose="020B0502040204020203" pitchFamily="34" charset="0"/>
+                <a:cs typeface="Pyidaungsu" panose="020B0502040204020203" pitchFamily="34" charset="0"/>
+              </a:rPr>
+              <a:t> square feet </a:t>
+            </a:r>
+            <a:r>
+              <a:rPr lang="en-US" sz="1800" dirty="0" err="1">
+                <a:latin typeface="Pyidaungsu" panose="020B0502040204020203" pitchFamily="34" charset="0"/>
+                <a:cs typeface="Pyidaungsu" panose="020B0502040204020203" pitchFamily="34" charset="0"/>
+              </a:rPr>
+              <a:t>နဲ</a:t>
+            </a:r>
+            <a:r>
+              <a:rPr lang="en-US" sz="1800" dirty="0">
+                <a:latin typeface="Pyidaungsu" panose="020B0502040204020203" pitchFamily="34" charset="0"/>
+                <a:cs typeface="Pyidaungsu" panose="020B0502040204020203" pitchFamily="34" charset="0"/>
+              </a:rPr>
+              <a:t>့ </a:t>
+            </a:r>
+            <a:r>
+              <a:rPr lang="en-US" sz="1800" dirty="0" err="1">
+                <a:latin typeface="Pyidaungsu" panose="020B0502040204020203" pitchFamily="34" charset="0"/>
+                <a:cs typeface="Pyidaungsu" panose="020B0502040204020203" pitchFamily="34" charset="0"/>
+              </a:rPr>
+              <a:t>ထုတ်ပေးပါမယ</a:t>
+            </a:r>
+            <a:r>
+              <a:rPr lang="en-US" sz="1800" dirty="0">
+                <a:latin typeface="Pyidaungsu" panose="020B0502040204020203" pitchFamily="34" charset="0"/>
+                <a:cs typeface="Pyidaungsu" panose="020B0502040204020203" pitchFamily="34" charset="0"/>
+              </a:rPr>
+              <a:t>်။</a:t>
+            </a:r>
+          </a:p>
+          <a:p>
+            <a:pPr>
+              <a:lnSpc>
+                <a:spcPct val="150000"/>
+              </a:lnSpc>
+            </a:pPr>
+            <a:r>
+              <a:rPr lang="en-US" sz="1800" dirty="0" err="1">
+                <a:latin typeface="Pyidaungsu" panose="020B0502040204020203" pitchFamily="34" charset="0"/>
+                <a:cs typeface="Pyidaungsu" panose="020B0502040204020203" pitchFamily="34" charset="0"/>
+              </a:rPr>
+              <a:t>တွက်ချက်မှု</a:t>
+            </a:r>
+            <a:r>
+              <a:rPr lang="en-US" sz="1800" dirty="0">
+                <a:latin typeface="Pyidaungsu" panose="020B0502040204020203" pitchFamily="34" charset="0"/>
+                <a:cs typeface="Pyidaungsu" panose="020B0502040204020203" pitchFamily="34" charset="0"/>
+              </a:rPr>
+              <a:t> w, b, result </a:t>
+            </a:r>
+            <a:r>
+              <a:rPr lang="en-US" sz="1800" dirty="0" err="1">
+                <a:latin typeface="Pyidaungsu" panose="020B0502040204020203" pitchFamily="34" charset="0"/>
+                <a:cs typeface="Pyidaungsu" panose="020B0502040204020203" pitchFamily="34" charset="0"/>
+              </a:rPr>
+              <a:t>တွေကို</a:t>
+            </a:r>
+            <a:r>
+              <a:rPr lang="en-US" sz="1800" dirty="0">
+                <a:latin typeface="Pyidaungsu" panose="020B0502040204020203" pitchFamily="34" charset="0"/>
+                <a:cs typeface="Pyidaungsu" panose="020B0502040204020203" pitchFamily="34" charset="0"/>
+              </a:rPr>
+              <a:t> </a:t>
+            </a:r>
+            <a:r>
+              <a:rPr lang="en-US" sz="1800" dirty="0" err="1">
+                <a:latin typeface="Pyidaungsu" panose="020B0502040204020203" pitchFamily="34" charset="0"/>
+                <a:cs typeface="Pyidaungsu" panose="020B0502040204020203" pitchFamily="34" charset="0"/>
+              </a:rPr>
+              <a:t>မှတ်တမ်းအဖြစ်သိမ်းထားပါမယ</a:t>
+            </a:r>
+            <a:r>
+              <a:rPr lang="en-US" sz="1800" dirty="0">
+                <a:latin typeface="Pyidaungsu" panose="020B0502040204020203" pitchFamily="34" charset="0"/>
+                <a:cs typeface="Pyidaungsu" panose="020B0502040204020203" pitchFamily="34" charset="0"/>
+              </a:rPr>
+              <a:t>်။</a:t>
+            </a:r>
+          </a:p>
+          <a:p>
+            <a:pPr>
+              <a:lnSpc>
+                <a:spcPct val="150000"/>
+              </a:lnSpc>
+            </a:pPr>
+            <a:r>
+              <a:rPr lang="en-US" sz="1800" dirty="0">
+                <a:latin typeface="Pyidaungsu" panose="020B0502040204020203" pitchFamily="34" charset="0"/>
+                <a:cs typeface="Pyidaungsu" panose="020B0502040204020203" pitchFamily="34" charset="0"/>
+              </a:rPr>
+              <a:t>USD, EUR, SGD </a:t>
+            </a:r>
+            <a:r>
+              <a:rPr lang="en-US" sz="1800" dirty="0" err="1">
+                <a:latin typeface="Pyidaungsu" panose="020B0502040204020203" pitchFamily="34" charset="0"/>
+                <a:cs typeface="Pyidaungsu" panose="020B0502040204020203" pitchFamily="34" charset="0"/>
+              </a:rPr>
+              <a:t>တွေကို</a:t>
+            </a:r>
+            <a:r>
+              <a:rPr lang="en-US" sz="1800" dirty="0">
+                <a:latin typeface="Pyidaungsu" panose="020B0502040204020203" pitchFamily="34" charset="0"/>
+                <a:cs typeface="Pyidaungsu" panose="020B0502040204020203" pitchFamily="34" charset="0"/>
+              </a:rPr>
+              <a:t> </a:t>
+            </a:r>
+            <a:r>
+              <a:rPr lang="en-US" sz="1800" dirty="0" err="1">
+                <a:latin typeface="Pyidaungsu" panose="020B0502040204020203" pitchFamily="34" charset="0"/>
+                <a:cs typeface="Pyidaungsu" panose="020B0502040204020203" pitchFamily="34" charset="0"/>
+              </a:rPr>
+              <a:t>မြန်မာငွေပြောင်းတဲ</a:t>
+            </a:r>
+            <a:r>
+              <a:rPr lang="en-US" sz="1800" dirty="0">
+                <a:latin typeface="Pyidaungsu" panose="020B0502040204020203" pitchFamily="34" charset="0"/>
+                <a:cs typeface="Pyidaungsu" panose="020B0502040204020203" pitchFamily="34" charset="0"/>
+              </a:rPr>
+              <a:t>့ function </a:t>
+            </a:r>
+            <a:r>
+              <a:rPr lang="en-US" sz="1800" dirty="0" err="1">
+                <a:latin typeface="Pyidaungsu" panose="020B0502040204020203" pitchFamily="34" charset="0"/>
+                <a:cs typeface="Pyidaungsu" panose="020B0502040204020203" pitchFamily="34" charset="0"/>
+              </a:rPr>
+              <a:t>လေး</a:t>
+            </a:r>
+            <a:r>
+              <a:rPr lang="en-US" sz="1800" dirty="0">
+                <a:latin typeface="Pyidaungsu" panose="020B0502040204020203" pitchFamily="34" charset="0"/>
+                <a:cs typeface="Pyidaungsu" panose="020B0502040204020203" pitchFamily="34" charset="0"/>
+              </a:rPr>
+              <a:t> </a:t>
+            </a:r>
+            <a:r>
+              <a:rPr lang="en-US" sz="1800" dirty="0" err="1">
+                <a:latin typeface="Pyidaungsu" panose="020B0502040204020203" pitchFamily="34" charset="0"/>
+                <a:cs typeface="Pyidaungsu" panose="020B0502040204020203" pitchFamily="34" charset="0"/>
+              </a:rPr>
+              <a:t>တည်ဆောက်ပါမယ</a:t>
+            </a:r>
+            <a:r>
+              <a:rPr lang="en-US" sz="1800" dirty="0">
+                <a:latin typeface="Pyidaungsu" panose="020B0502040204020203" pitchFamily="34" charset="0"/>
+                <a:cs typeface="Pyidaungsu" panose="020B0502040204020203" pitchFamily="34" charset="0"/>
+              </a:rPr>
+              <a:t>်။ rate </a:t>
+            </a:r>
+            <a:r>
+              <a:rPr lang="en-US" sz="1800" dirty="0" err="1">
+                <a:latin typeface="Pyidaungsu" panose="020B0502040204020203" pitchFamily="34" charset="0"/>
+                <a:cs typeface="Pyidaungsu" panose="020B0502040204020203" pitchFamily="34" charset="0"/>
+              </a:rPr>
+              <a:t>တွေကို</a:t>
+            </a:r>
+            <a:r>
+              <a:rPr lang="en-US" sz="1800" dirty="0">
+                <a:latin typeface="Pyidaungsu" panose="020B0502040204020203" pitchFamily="34" charset="0"/>
+                <a:cs typeface="Pyidaungsu" panose="020B0502040204020203" pitchFamily="34" charset="0"/>
+              </a:rPr>
+              <a:t> /</a:t>
+            </a:r>
+            <a:r>
+              <a:rPr lang="en-US" sz="1800" dirty="0" err="1">
+                <a:latin typeface="Pyidaungsu" panose="020B0502040204020203" pitchFamily="34" charset="0"/>
+                <a:cs typeface="Pyidaungsu" panose="020B0502040204020203" pitchFamily="34" charset="0"/>
+              </a:rPr>
+              <a:t>js</a:t>
+            </a:r>
+            <a:r>
+              <a:rPr lang="en-US" sz="1800" dirty="0">
+                <a:latin typeface="Pyidaungsu" panose="020B0502040204020203" pitchFamily="34" charset="0"/>
+                <a:cs typeface="Pyidaungsu" panose="020B0502040204020203" pitchFamily="34" charset="0"/>
+              </a:rPr>
+              <a:t>/exchange_rate.js </a:t>
+            </a:r>
+            <a:r>
+              <a:rPr lang="en-US" sz="1800" dirty="0" err="1">
+                <a:latin typeface="Pyidaungsu" panose="020B0502040204020203" pitchFamily="34" charset="0"/>
+                <a:cs typeface="Pyidaungsu" panose="020B0502040204020203" pitchFamily="34" charset="0"/>
+              </a:rPr>
+              <a:t>ထဲကနေရပါမယ</a:t>
+            </a:r>
+            <a:r>
+              <a:rPr lang="en-US" sz="1800" dirty="0">
+                <a:latin typeface="Pyidaungsu" panose="020B0502040204020203" pitchFamily="34" charset="0"/>
+                <a:cs typeface="Pyidaungsu" panose="020B0502040204020203" pitchFamily="34" charset="0"/>
+              </a:rPr>
+              <a:t>်။</a:t>
+            </a:r>
+          </a:p>
+          <a:p>
+            <a:pPr>
+              <a:lnSpc>
+                <a:spcPct val="150000"/>
+              </a:lnSpc>
+            </a:pPr>
+            <a:r>
+              <a:rPr lang="en-US" sz="1800" dirty="0" err="1">
+                <a:latin typeface="Pyidaungsu" panose="020B0502040204020203" pitchFamily="34" charset="0"/>
+                <a:cs typeface="Pyidaungsu" panose="020B0502040204020203" pitchFamily="34" charset="0"/>
+              </a:rPr>
+              <a:t>မြန်မာငွေကို</a:t>
+            </a:r>
+            <a:r>
+              <a:rPr lang="en-US" sz="1800" dirty="0">
+                <a:latin typeface="Pyidaungsu" panose="020B0502040204020203" pitchFamily="34" charset="0"/>
+                <a:cs typeface="Pyidaungsu" panose="020B0502040204020203" pitchFamily="34" charset="0"/>
+              </a:rPr>
+              <a:t> USD, EUR, SGD </a:t>
+            </a:r>
+            <a:r>
+              <a:rPr lang="en-US" sz="1800" dirty="0" err="1">
+                <a:latin typeface="Pyidaungsu" panose="020B0502040204020203" pitchFamily="34" charset="0"/>
+                <a:cs typeface="Pyidaungsu" panose="020B0502040204020203" pitchFamily="34" charset="0"/>
+              </a:rPr>
+              <a:t>ပြောင်းတဲ</a:t>
+            </a:r>
+            <a:r>
+              <a:rPr lang="en-US" sz="1800" dirty="0">
+                <a:latin typeface="Pyidaungsu" panose="020B0502040204020203" pitchFamily="34" charset="0"/>
+                <a:cs typeface="Pyidaungsu" panose="020B0502040204020203" pitchFamily="34" charset="0"/>
+              </a:rPr>
+              <a:t>့ function </a:t>
+            </a:r>
+            <a:r>
+              <a:rPr lang="en-US" sz="1800" dirty="0" err="1">
+                <a:latin typeface="Pyidaungsu" panose="020B0502040204020203" pitchFamily="34" charset="0"/>
+                <a:cs typeface="Pyidaungsu" panose="020B0502040204020203" pitchFamily="34" charset="0"/>
+              </a:rPr>
+              <a:t>တည်ဆောက်ပါမယ</a:t>
+            </a:r>
+            <a:r>
+              <a:rPr lang="en-US" sz="1800" dirty="0">
+                <a:latin typeface="Pyidaungsu" panose="020B0502040204020203" pitchFamily="34" charset="0"/>
+                <a:cs typeface="Pyidaungsu" panose="020B0502040204020203" pitchFamily="34" charset="0"/>
+              </a:rPr>
+              <a:t>်။</a:t>
+            </a:r>
+          </a:p>
+          <a:p>
+            <a:pPr>
+              <a:lnSpc>
+                <a:spcPct val="150000"/>
+              </a:lnSpc>
+            </a:pPr>
+            <a:r>
+              <a:rPr lang="en-US" sz="1800" dirty="0" err="1">
+                <a:latin typeface="Pyidaungsu" panose="020B0502040204020203" pitchFamily="34" charset="0"/>
+                <a:cs typeface="Pyidaungsu" panose="020B0502040204020203" pitchFamily="34" charset="0"/>
+              </a:rPr>
+              <a:t>သစ်သီးဝယ်မယ</a:t>
+            </a:r>
+            <a:r>
+              <a:rPr lang="en-US" sz="1800" dirty="0">
+                <a:latin typeface="Pyidaungsu" panose="020B0502040204020203" pitchFamily="34" charset="0"/>
+                <a:cs typeface="Pyidaungsu" panose="020B0502040204020203" pitchFamily="34" charset="0"/>
+              </a:rPr>
+              <a:t>်၊ </a:t>
+            </a:r>
+            <a:r>
+              <a:rPr lang="en-US" sz="1800" dirty="0" err="1">
+                <a:latin typeface="Pyidaungsu" panose="020B0502040204020203" pitchFamily="34" charset="0"/>
+                <a:cs typeface="Pyidaungsu" panose="020B0502040204020203" pitchFamily="34" charset="0"/>
+              </a:rPr>
+              <a:t>ကျသင</a:t>
+            </a:r>
+            <a:r>
+              <a:rPr lang="en-US" sz="1800" dirty="0">
+                <a:latin typeface="Pyidaungsu" panose="020B0502040204020203" pitchFamily="34" charset="0"/>
+                <a:cs typeface="Pyidaungsu" panose="020B0502040204020203" pitchFamily="34" charset="0"/>
+              </a:rPr>
+              <a:t>့်</a:t>
+            </a:r>
+            <a:r>
+              <a:rPr lang="en-US" sz="1800" dirty="0" err="1">
+                <a:latin typeface="Pyidaungsu" panose="020B0502040204020203" pitchFamily="34" charset="0"/>
+                <a:cs typeface="Pyidaungsu" panose="020B0502040204020203" pitchFamily="34" charset="0"/>
+              </a:rPr>
+              <a:t>ငွေရယ</a:t>
+            </a:r>
+            <a:r>
+              <a:rPr lang="en-US" sz="1800" dirty="0">
+                <a:latin typeface="Pyidaungsu" panose="020B0502040204020203" pitchFamily="34" charset="0"/>
+                <a:cs typeface="Pyidaungsu" panose="020B0502040204020203" pitchFamily="34" charset="0"/>
+              </a:rPr>
+              <a:t>်၊ </a:t>
+            </a:r>
+            <a:r>
+              <a:rPr lang="en-US" sz="1800" dirty="0" err="1">
+                <a:latin typeface="Pyidaungsu" panose="020B0502040204020203" pitchFamily="34" charset="0"/>
+                <a:cs typeface="Pyidaungsu" panose="020B0502040204020203" pitchFamily="34" charset="0"/>
+              </a:rPr>
+              <a:t>အခွန</a:t>
+            </a:r>
+            <a:r>
+              <a:rPr lang="en-US" sz="1800" dirty="0">
+                <a:latin typeface="Pyidaungsu" panose="020B0502040204020203" pitchFamily="34" charset="0"/>
+                <a:cs typeface="Pyidaungsu" panose="020B0502040204020203" pitchFamily="34" charset="0"/>
+              </a:rPr>
+              <a:t>် ၅% </a:t>
+            </a:r>
+            <a:r>
+              <a:rPr lang="en-US" sz="1800" dirty="0" err="1">
+                <a:latin typeface="Pyidaungsu" panose="020B0502040204020203" pitchFamily="34" charset="0"/>
+                <a:cs typeface="Pyidaungsu" panose="020B0502040204020203" pitchFamily="34" charset="0"/>
+              </a:rPr>
+              <a:t>ရယ</a:t>
+            </a:r>
+            <a:r>
+              <a:rPr lang="en-US" sz="1800" dirty="0">
+                <a:latin typeface="Pyidaungsu" panose="020B0502040204020203" pitchFamily="34" charset="0"/>
+                <a:cs typeface="Pyidaungsu" panose="020B0502040204020203" pitchFamily="34" charset="0"/>
+              </a:rPr>
+              <a:t>်၊ </a:t>
+            </a:r>
+            <a:r>
+              <a:rPr lang="en-US" sz="1800" dirty="0" err="1">
+                <a:latin typeface="Pyidaungsu" panose="020B0502040204020203" pitchFamily="34" charset="0"/>
+                <a:cs typeface="Pyidaungsu" panose="020B0502040204020203" pitchFamily="34" charset="0"/>
+              </a:rPr>
+              <a:t>စုစုပေါင်းရယ်ထုတ်ပေးရပါမယ</a:t>
+            </a:r>
+            <a:r>
+              <a:rPr lang="en-US" sz="1800" dirty="0">
+                <a:latin typeface="Pyidaungsu" panose="020B0502040204020203" pitchFamily="34" charset="0"/>
+                <a:cs typeface="Pyidaungsu" panose="020B0502040204020203" pitchFamily="34" charset="0"/>
+              </a:rPr>
+              <a:t>်။</a:t>
+            </a:r>
+          </a:p>
+        </p:txBody>
+      </p:sp>
+    </p:spTree>
+    <p:extLst>
+      <p:ext uri="{BB962C8B-B14F-4D97-AF65-F5344CB8AC3E}">
+        <p14:creationId xmlns:p14="http://schemas.microsoft.com/office/powerpoint/2010/main" val="807474346"/>
+      </p:ext>
+    </p:extLst>
+  </p:cSld>
+  <p:clrMapOvr>
+    <a:masterClrMapping/>
+  </p:clrMapOvr>
+</p:sld>
+</file>
+
 <file path=ppt/slides/slide2.xml><?xml version="1.0" encoding="utf-8"?>
 <p:sld xmlns:a="http://schemas.openxmlformats.org/drawingml/2006/main" xmlns:r="http://schemas.openxmlformats.org/officeDocument/2006/relationships" xmlns:p="http://schemas.openxmlformats.org/presentationml/2006/main">
   <p:cSld>
@@ -5901,6 +7354,3031 @@
     <p:extLst>
       <p:ext uri="{BB962C8B-B14F-4D97-AF65-F5344CB8AC3E}">
         <p14:creationId xmlns:p14="http://schemas.microsoft.com/office/powerpoint/2010/main" val="3466998149"/>
+      </p:ext>
+    </p:extLst>
+  </p:cSld>
+  <p:clrMapOvr>
+    <a:masterClrMapping/>
+  </p:clrMapOvr>
+</p:sld>
+</file>
+
+<file path=ppt/slides/slide20.xml><?xml version="1.0" encoding="utf-8"?>
+<p:sld xmlns:a="http://schemas.openxmlformats.org/drawingml/2006/main" xmlns:r="http://schemas.openxmlformats.org/officeDocument/2006/relationships" xmlns:p="http://schemas.openxmlformats.org/presentationml/2006/main">
+  <p:cSld>
+    <p:spTree>
+      <p:nvGrpSpPr>
+        <p:cNvPr id="1" name=""/>
+        <p:cNvGrpSpPr/>
+        <p:nvPr/>
+      </p:nvGrpSpPr>
+      <p:grpSpPr>
+        <a:xfrm>
+          <a:off x="0" y="0"/>
+          <a:ext cx="0" cy="0"/>
+          <a:chOff x="0" y="0"/>
+          <a:chExt cx="0" cy="0"/>
+        </a:xfrm>
+      </p:grpSpPr>
+      <p:sp>
+        <p:nvSpPr>
+          <p:cNvPr id="2" name="Title 1">
+            <a:extLst>
+              <a:ext uri="{FF2B5EF4-FFF2-40B4-BE49-F238E27FC236}">
+                <a16:creationId xmlns:a16="http://schemas.microsoft.com/office/drawing/2014/main" id="{2B943BA7-2A49-4A4B-AE8C-35F1504AB101}"/>
+              </a:ext>
+            </a:extLst>
+          </p:cNvPr>
+          <p:cNvSpPr>
+            <a:spLocks noGrp="1"/>
+          </p:cNvSpPr>
+          <p:nvPr>
+            <p:ph type="title"/>
+          </p:nvPr>
+        </p:nvSpPr>
+        <p:spPr/>
+        <p:txBody>
+          <a:bodyPr>
+            <a:normAutofit/>
+          </a:bodyPr>
+          <a:lstStyle/>
+          <a:p>
+            <a:r>
+              <a:rPr lang="en-US" sz="3600" b="1" dirty="0"/>
+              <a:t>Object, </a:t>
+            </a:r>
+            <a:r>
+              <a:rPr lang="en-US" sz="3600" b="1" dirty="0" err="1"/>
+              <a:t>Propety</a:t>
+            </a:r>
+            <a:r>
+              <a:rPr lang="en-US" sz="3600" b="1" dirty="0"/>
+              <a:t>, method</a:t>
+            </a:r>
+          </a:p>
+        </p:txBody>
+      </p:sp>
+      <p:sp>
+        <p:nvSpPr>
+          <p:cNvPr id="3" name="Content Placeholder 2">
+            <a:extLst>
+              <a:ext uri="{FF2B5EF4-FFF2-40B4-BE49-F238E27FC236}">
+                <a16:creationId xmlns:a16="http://schemas.microsoft.com/office/drawing/2014/main" id="{A6C15FDC-972E-4A5A-93B4-5805695E4BAF}"/>
+              </a:ext>
+            </a:extLst>
+          </p:cNvPr>
+          <p:cNvSpPr>
+            <a:spLocks noGrp="1"/>
+          </p:cNvSpPr>
+          <p:nvPr>
+            <p:ph idx="1"/>
+          </p:nvPr>
+        </p:nvSpPr>
+        <p:spPr/>
+        <p:txBody>
+          <a:bodyPr>
+            <a:normAutofit/>
+          </a:bodyPr>
+          <a:lstStyle/>
+          <a:p>
+            <a:pPr>
+              <a:lnSpc>
+                <a:spcPct val="150000"/>
+              </a:lnSpc>
+            </a:pPr>
+            <a:r>
+              <a:rPr lang="en-US" sz="1800" dirty="0">
+                <a:latin typeface="Pyidaungsu" panose="020B0502040204020203" pitchFamily="34" charset="0"/>
+                <a:cs typeface="Pyidaungsu" panose="020B0502040204020203" pitchFamily="34" charset="0"/>
+              </a:rPr>
+              <a:t>ကျွ</a:t>
+            </a:r>
+            <a:r>
+              <a:rPr lang="en-US" sz="1800" dirty="0" err="1">
+                <a:latin typeface="Pyidaungsu" panose="020B0502040204020203" pitchFamily="34" charset="0"/>
+                <a:cs typeface="Pyidaungsu" panose="020B0502040204020203" pitchFamily="34" charset="0"/>
+              </a:rPr>
+              <a:t>န်တော်တို့လေ့လာခဲ့တဲ</a:t>
+            </a:r>
+            <a:r>
+              <a:rPr lang="en-US" sz="1800" dirty="0">
+                <a:latin typeface="Pyidaungsu" panose="020B0502040204020203" pitchFamily="34" charset="0"/>
+                <a:cs typeface="Pyidaungsu" panose="020B0502040204020203" pitchFamily="34" charset="0"/>
+              </a:rPr>
+              <a:t>့ function </a:t>
+            </a:r>
+            <a:r>
+              <a:rPr lang="en-US" sz="1800" dirty="0" err="1">
+                <a:latin typeface="Pyidaungsu" panose="020B0502040204020203" pitchFamily="34" charset="0"/>
+                <a:cs typeface="Pyidaungsu" panose="020B0502040204020203" pitchFamily="34" charset="0"/>
+              </a:rPr>
+              <a:t>ကိုပဲ</a:t>
+            </a:r>
+            <a:r>
+              <a:rPr lang="en-US" sz="1800" dirty="0">
+                <a:latin typeface="Pyidaungsu" panose="020B0502040204020203" pitchFamily="34" charset="0"/>
+                <a:cs typeface="Pyidaungsu" panose="020B0502040204020203" pitchFamily="34" charset="0"/>
+              </a:rPr>
+              <a:t> object </a:t>
+            </a:r>
+            <a:r>
+              <a:rPr lang="en-US" sz="1800" dirty="0" err="1">
+                <a:latin typeface="Pyidaungsu" panose="020B0502040204020203" pitchFamily="34" charset="0"/>
+                <a:cs typeface="Pyidaungsu" panose="020B0502040204020203" pitchFamily="34" charset="0"/>
+              </a:rPr>
+              <a:t>ထဲမှာထည</a:t>
+            </a:r>
+            <a:r>
+              <a:rPr lang="en-US" sz="1800" dirty="0">
+                <a:latin typeface="Pyidaungsu" panose="020B0502040204020203" pitchFamily="34" charset="0"/>
+                <a:cs typeface="Pyidaungsu" panose="020B0502040204020203" pitchFamily="34" charset="0"/>
+              </a:rPr>
+              <a:t>့်</a:t>
+            </a:r>
+            <a:r>
+              <a:rPr lang="en-US" sz="1800" dirty="0" err="1">
+                <a:latin typeface="Pyidaungsu" panose="020B0502040204020203" pitchFamily="34" charset="0"/>
+                <a:cs typeface="Pyidaungsu" panose="020B0502040204020203" pitchFamily="34" charset="0"/>
+              </a:rPr>
+              <a:t>သွင်းရေးသားအသုံးပြုနိုင်ပါတယ</a:t>
+            </a:r>
+            <a:r>
+              <a:rPr lang="en-US" sz="1800" dirty="0">
+                <a:latin typeface="Pyidaungsu" panose="020B0502040204020203" pitchFamily="34" charset="0"/>
+                <a:cs typeface="Pyidaungsu" panose="020B0502040204020203" pitchFamily="34" charset="0"/>
+              </a:rPr>
+              <a:t>်။</a:t>
+            </a:r>
+          </a:p>
+          <a:p>
+            <a:pPr>
+              <a:lnSpc>
+                <a:spcPct val="150000"/>
+              </a:lnSpc>
+            </a:pPr>
+            <a:r>
+              <a:rPr lang="en-US" sz="1800" dirty="0" err="1">
+                <a:latin typeface="Pyidaungsu" panose="020B0502040204020203" pitchFamily="34" charset="0"/>
+                <a:cs typeface="Pyidaungsu" panose="020B0502040204020203" pitchFamily="34" charset="0"/>
+              </a:rPr>
+              <a:t>ဒါကိုပဲ</a:t>
+            </a:r>
+            <a:r>
+              <a:rPr lang="en-US" sz="1800" dirty="0">
+                <a:latin typeface="Pyidaungsu" panose="020B0502040204020203" pitchFamily="34" charset="0"/>
+                <a:cs typeface="Pyidaungsu" panose="020B0502040204020203" pitchFamily="34" charset="0"/>
+              </a:rPr>
+              <a:t> method </a:t>
+            </a:r>
+            <a:r>
+              <a:rPr lang="en-US" sz="1800" dirty="0" err="1">
+                <a:latin typeface="Pyidaungsu" panose="020B0502040204020203" pitchFamily="34" charset="0"/>
+                <a:cs typeface="Pyidaungsu" panose="020B0502040204020203" pitchFamily="34" charset="0"/>
+              </a:rPr>
+              <a:t>လို့ခေ</a:t>
+            </a:r>
+            <a:r>
+              <a:rPr lang="en-US" sz="1800" dirty="0">
+                <a:latin typeface="Pyidaungsu" panose="020B0502040204020203" pitchFamily="34" charset="0"/>
+                <a:cs typeface="Pyidaungsu" panose="020B0502040204020203" pitchFamily="34" charset="0"/>
+              </a:rPr>
+              <a:t>ါ်</a:t>
+            </a:r>
+            <a:r>
+              <a:rPr lang="en-US" sz="1800" dirty="0" err="1">
+                <a:latin typeface="Pyidaungsu" panose="020B0502040204020203" pitchFamily="34" charset="0"/>
+                <a:cs typeface="Pyidaungsu" panose="020B0502040204020203" pitchFamily="34" charset="0"/>
+              </a:rPr>
+              <a:t>ပါတယ</a:t>
+            </a:r>
+            <a:r>
+              <a:rPr lang="en-US" sz="1800" dirty="0">
+                <a:latin typeface="Pyidaungsu" panose="020B0502040204020203" pitchFamily="34" charset="0"/>
+                <a:cs typeface="Pyidaungsu" panose="020B0502040204020203" pitchFamily="34" charset="0"/>
+              </a:rPr>
+              <a:t>်။</a:t>
+            </a:r>
+          </a:p>
+          <a:p>
+            <a:pPr>
+              <a:lnSpc>
+                <a:spcPct val="150000"/>
+              </a:lnSpc>
+            </a:pPr>
+            <a:r>
+              <a:rPr lang="en-US" sz="1800" dirty="0">
+                <a:latin typeface="Pyidaungsu" panose="020B0502040204020203" pitchFamily="34" charset="0"/>
+                <a:cs typeface="Pyidaungsu" panose="020B0502040204020203" pitchFamily="34" charset="0"/>
+              </a:rPr>
+              <a:t>function </a:t>
+            </a:r>
+            <a:r>
+              <a:rPr lang="en-US" sz="1800" dirty="0" err="1">
+                <a:latin typeface="Pyidaungsu" panose="020B0502040204020203" pitchFamily="34" charset="0"/>
+                <a:cs typeface="Pyidaungsu" panose="020B0502040204020203" pitchFamily="34" charset="0"/>
+              </a:rPr>
+              <a:t>ပဲဖြစ်တဲ့အတွက</a:t>
+            </a:r>
+            <a:r>
+              <a:rPr lang="en-US" sz="1800" dirty="0">
+                <a:latin typeface="Pyidaungsu" panose="020B0502040204020203" pitchFamily="34" charset="0"/>
+                <a:cs typeface="Pyidaungsu" panose="020B0502040204020203" pitchFamily="34" charset="0"/>
+              </a:rPr>
+              <a:t>် parameter, argument, default parameter </a:t>
+            </a:r>
+            <a:r>
+              <a:rPr lang="en-US" sz="1800" dirty="0" err="1">
+                <a:latin typeface="Pyidaungsu" panose="020B0502040204020203" pitchFamily="34" charset="0"/>
+                <a:cs typeface="Pyidaungsu" panose="020B0502040204020203" pitchFamily="34" charset="0"/>
+              </a:rPr>
+              <a:t>တွေတူတူပါပဲ</a:t>
+            </a:r>
+            <a:endParaRPr lang="en-US" sz="1800" dirty="0">
+              <a:latin typeface="Pyidaungsu" panose="020B0502040204020203" pitchFamily="34" charset="0"/>
+              <a:cs typeface="Pyidaungsu" panose="020B0502040204020203" pitchFamily="34" charset="0"/>
+            </a:endParaRPr>
+          </a:p>
+          <a:p>
+            <a:pPr>
+              <a:lnSpc>
+                <a:spcPct val="150000"/>
+              </a:lnSpc>
+            </a:pPr>
+            <a:r>
+              <a:rPr lang="en-US" sz="1800" dirty="0" err="1">
+                <a:latin typeface="Pyidaungsu" panose="020B0502040204020203" pitchFamily="34" charset="0"/>
+                <a:cs typeface="Pyidaungsu" panose="020B0502040204020203" pitchFamily="34" charset="0"/>
+              </a:rPr>
+              <a:t>ပြန်အသုံးပြုမယ်ဆိုရင်တော</a:t>
+            </a:r>
+            <a:r>
+              <a:rPr lang="en-US" sz="1800" dirty="0">
+                <a:latin typeface="Pyidaungsu" panose="020B0502040204020203" pitchFamily="34" charset="0"/>
+                <a:cs typeface="Pyidaungsu" panose="020B0502040204020203" pitchFamily="34" charset="0"/>
+              </a:rPr>
+              <a:t>့ </a:t>
+            </a:r>
+            <a:r>
+              <a:rPr lang="en-US" sz="1800" dirty="0" err="1">
+                <a:latin typeface="Pyidaungsu" panose="020B0502040204020203" pitchFamily="34" charset="0"/>
+                <a:cs typeface="Pyidaungsu" panose="020B0502040204020203" pitchFamily="34" charset="0"/>
+              </a:rPr>
+              <a:t>obj.method</a:t>
+            </a:r>
+            <a:r>
+              <a:rPr lang="en-US" sz="1800" dirty="0">
+                <a:latin typeface="Pyidaungsu" panose="020B0502040204020203" pitchFamily="34" charset="0"/>
+                <a:cs typeface="Pyidaungsu" panose="020B0502040204020203" pitchFamily="34" charset="0"/>
+              </a:rPr>
+              <a:t>() </a:t>
+            </a:r>
+            <a:r>
+              <a:rPr lang="en-US" sz="1800" dirty="0" err="1">
+                <a:latin typeface="Pyidaungsu" panose="020B0502040204020203" pitchFamily="34" charset="0"/>
+                <a:cs typeface="Pyidaungsu" panose="020B0502040204020203" pitchFamily="34" charset="0"/>
+              </a:rPr>
+              <a:t>ဆိုပြီး</a:t>
+            </a:r>
+            <a:r>
+              <a:rPr lang="en-US" sz="1800" dirty="0">
+                <a:latin typeface="Pyidaungsu" panose="020B0502040204020203" pitchFamily="34" charset="0"/>
+                <a:cs typeface="Pyidaungsu" panose="020B0502040204020203" pitchFamily="34" charset="0"/>
+              </a:rPr>
+              <a:t> </a:t>
+            </a:r>
+            <a:r>
+              <a:rPr lang="en-US" sz="1800" dirty="0" err="1">
+                <a:latin typeface="Pyidaungsu" panose="020B0502040204020203" pitchFamily="34" charset="0"/>
+                <a:cs typeface="Pyidaungsu" panose="020B0502040204020203" pitchFamily="34" charset="0"/>
+              </a:rPr>
+              <a:t>အသုံးပြုရမှာဖြစ်ပါတယ</a:t>
+            </a:r>
+            <a:r>
+              <a:rPr lang="en-US" sz="1800" dirty="0">
+                <a:latin typeface="Pyidaungsu" panose="020B0502040204020203" pitchFamily="34" charset="0"/>
+                <a:cs typeface="Pyidaungsu" panose="020B0502040204020203" pitchFamily="34" charset="0"/>
+              </a:rPr>
+              <a:t>်။</a:t>
+            </a:r>
+          </a:p>
+          <a:p>
+            <a:pPr>
+              <a:lnSpc>
+                <a:spcPct val="150000"/>
+              </a:lnSpc>
+            </a:pPr>
+            <a:r>
+              <a:rPr lang="en-US" sz="1800" dirty="0">
+                <a:latin typeface="Pyidaungsu" panose="020B0502040204020203" pitchFamily="34" charset="0"/>
+                <a:cs typeface="Pyidaungsu" panose="020B0502040204020203" pitchFamily="34" charset="0"/>
+              </a:rPr>
+              <a:t>this </a:t>
+            </a:r>
+            <a:r>
+              <a:rPr lang="en-US" sz="1800" dirty="0" err="1">
+                <a:latin typeface="Pyidaungsu" panose="020B0502040204020203" pitchFamily="34" charset="0"/>
+                <a:cs typeface="Pyidaungsu" panose="020B0502040204020203" pitchFamily="34" charset="0"/>
+              </a:rPr>
+              <a:t>ကတော</a:t>
+            </a:r>
+            <a:r>
+              <a:rPr lang="en-US" sz="1800" dirty="0">
+                <a:latin typeface="Pyidaungsu" panose="020B0502040204020203" pitchFamily="34" charset="0"/>
+                <a:cs typeface="Pyidaungsu" panose="020B0502040204020203" pitchFamily="34" charset="0"/>
+              </a:rPr>
+              <a:t>့ </a:t>
+            </a:r>
+            <a:r>
+              <a:rPr lang="en-US" sz="1800" dirty="0" err="1">
+                <a:latin typeface="Pyidaungsu" panose="020B0502040204020203" pitchFamily="34" charset="0"/>
+                <a:cs typeface="Pyidaungsu" panose="020B0502040204020203" pitchFamily="34" charset="0"/>
+              </a:rPr>
+              <a:t>လက်ရှိရေးသားနေတဲ</a:t>
+            </a:r>
+            <a:r>
+              <a:rPr lang="en-US" sz="1800" dirty="0">
+                <a:latin typeface="Pyidaungsu" panose="020B0502040204020203" pitchFamily="34" charset="0"/>
+                <a:cs typeface="Pyidaungsu" panose="020B0502040204020203" pitchFamily="34" charset="0"/>
+              </a:rPr>
+              <a:t>့ object </a:t>
+            </a:r>
+            <a:r>
+              <a:rPr lang="en-US" sz="1800" dirty="0" err="1">
+                <a:latin typeface="Pyidaungsu" panose="020B0502040204020203" pitchFamily="34" charset="0"/>
+                <a:cs typeface="Pyidaungsu" panose="020B0502040204020203" pitchFamily="34" charset="0"/>
+              </a:rPr>
+              <a:t>ကို</a:t>
+            </a:r>
+            <a:r>
+              <a:rPr lang="en-US" sz="1800" dirty="0">
+                <a:latin typeface="Pyidaungsu" panose="020B0502040204020203" pitchFamily="34" charset="0"/>
+                <a:cs typeface="Pyidaungsu" panose="020B0502040204020203" pitchFamily="34" charset="0"/>
+              </a:rPr>
+              <a:t> </a:t>
+            </a:r>
+            <a:r>
+              <a:rPr lang="en-US" sz="1800" dirty="0" err="1">
+                <a:latin typeface="Pyidaungsu" panose="020B0502040204020203" pitchFamily="34" charset="0"/>
+                <a:cs typeface="Pyidaungsu" panose="020B0502040204020203" pitchFamily="34" charset="0"/>
+              </a:rPr>
+              <a:t>ကိုယ်စားပြုပါတယ</a:t>
+            </a:r>
+            <a:r>
+              <a:rPr lang="en-US" sz="1800" dirty="0">
+                <a:latin typeface="Pyidaungsu" panose="020B0502040204020203" pitchFamily="34" charset="0"/>
+                <a:cs typeface="Pyidaungsu" panose="020B0502040204020203" pitchFamily="34" charset="0"/>
+              </a:rPr>
+              <a:t>်။</a:t>
+            </a:r>
+          </a:p>
+          <a:p>
+            <a:pPr>
+              <a:lnSpc>
+                <a:spcPct val="150000"/>
+              </a:lnSpc>
+            </a:pPr>
+            <a:r>
+              <a:rPr lang="en-US" sz="1800" dirty="0" err="1">
+                <a:latin typeface="Pyidaungsu" panose="020B0502040204020203" pitchFamily="34" charset="0"/>
+                <a:cs typeface="Pyidaungsu" panose="020B0502040204020203" pitchFamily="34" charset="0"/>
+              </a:rPr>
+              <a:t>this.property</a:t>
+            </a:r>
+            <a:r>
+              <a:rPr lang="en-US" sz="1800" dirty="0">
+                <a:latin typeface="Pyidaungsu" panose="020B0502040204020203" pitchFamily="34" charset="0"/>
+                <a:cs typeface="Pyidaungsu" panose="020B0502040204020203" pitchFamily="34" charset="0"/>
+              </a:rPr>
+              <a:t>, </a:t>
+            </a:r>
+            <a:r>
+              <a:rPr lang="en-US" sz="1800" dirty="0" err="1">
+                <a:latin typeface="Pyidaungsu" panose="020B0502040204020203" pitchFamily="34" charset="0"/>
+                <a:cs typeface="Pyidaungsu" panose="020B0502040204020203" pitchFamily="34" charset="0"/>
+              </a:rPr>
+              <a:t>this.method</a:t>
+            </a:r>
+            <a:r>
+              <a:rPr lang="en-US" sz="1800" dirty="0">
+                <a:latin typeface="Pyidaungsu" panose="020B0502040204020203" pitchFamily="34" charset="0"/>
+                <a:cs typeface="Pyidaungsu" panose="020B0502040204020203" pitchFamily="34" charset="0"/>
+              </a:rPr>
+              <a:t>() </a:t>
+            </a:r>
+            <a:r>
+              <a:rPr lang="en-US" sz="1800" dirty="0" err="1">
+                <a:latin typeface="Pyidaungsu" panose="020B0502040204020203" pitchFamily="34" charset="0"/>
+                <a:cs typeface="Pyidaungsu" panose="020B0502040204020203" pitchFamily="34" charset="0"/>
+              </a:rPr>
+              <a:t>စသဖြင</a:t>
+            </a:r>
+            <a:r>
+              <a:rPr lang="en-US" sz="1800" dirty="0">
+                <a:latin typeface="Pyidaungsu" panose="020B0502040204020203" pitchFamily="34" charset="0"/>
+                <a:cs typeface="Pyidaungsu" panose="020B0502040204020203" pitchFamily="34" charset="0"/>
+              </a:rPr>
+              <a:t>့် </a:t>
+            </a:r>
+            <a:r>
+              <a:rPr lang="en-US" sz="1800" dirty="0" err="1">
+                <a:latin typeface="Pyidaungsu" panose="020B0502040204020203" pitchFamily="34" charset="0"/>
+                <a:cs typeface="Pyidaungsu" panose="020B0502040204020203" pitchFamily="34" charset="0"/>
+              </a:rPr>
+              <a:t>အသုံးပြုနိုင်ပါတယ</a:t>
+            </a:r>
+            <a:r>
+              <a:rPr lang="en-US" sz="1800" dirty="0">
+                <a:latin typeface="Pyidaungsu" panose="020B0502040204020203" pitchFamily="34" charset="0"/>
+                <a:cs typeface="Pyidaungsu" panose="020B0502040204020203" pitchFamily="34" charset="0"/>
+              </a:rPr>
+              <a:t>်။</a:t>
+            </a:r>
+          </a:p>
+        </p:txBody>
+      </p:sp>
+    </p:spTree>
+    <p:extLst>
+      <p:ext uri="{BB962C8B-B14F-4D97-AF65-F5344CB8AC3E}">
+        <p14:creationId xmlns:p14="http://schemas.microsoft.com/office/powerpoint/2010/main" val="4219229923"/>
+      </p:ext>
+    </p:extLst>
+  </p:cSld>
+  <p:clrMapOvr>
+    <a:masterClrMapping/>
+  </p:clrMapOvr>
+</p:sld>
+</file>
+
+<file path=ppt/slides/slide21.xml><?xml version="1.0" encoding="utf-8"?>
+<p:sld xmlns:a="http://schemas.openxmlformats.org/drawingml/2006/main" xmlns:r="http://schemas.openxmlformats.org/officeDocument/2006/relationships" xmlns:p="http://schemas.openxmlformats.org/presentationml/2006/main">
+  <p:cSld>
+    <p:spTree>
+      <p:nvGrpSpPr>
+        <p:cNvPr id="1" name=""/>
+        <p:cNvGrpSpPr/>
+        <p:nvPr/>
+      </p:nvGrpSpPr>
+      <p:grpSpPr>
+        <a:xfrm>
+          <a:off x="0" y="0"/>
+          <a:ext cx="0" cy="0"/>
+          <a:chOff x="0" y="0"/>
+          <a:chExt cx="0" cy="0"/>
+        </a:xfrm>
+      </p:grpSpPr>
+      <p:sp>
+        <p:nvSpPr>
+          <p:cNvPr id="2" name="Title 1">
+            <a:extLst>
+              <a:ext uri="{FF2B5EF4-FFF2-40B4-BE49-F238E27FC236}">
+                <a16:creationId xmlns:a16="http://schemas.microsoft.com/office/drawing/2014/main" id="{ADD95CE9-7C05-475B-8F28-A4F3020D65AE}"/>
+              </a:ext>
+            </a:extLst>
+          </p:cNvPr>
+          <p:cNvSpPr>
+            <a:spLocks noGrp="1"/>
+          </p:cNvSpPr>
+          <p:nvPr>
+            <p:ph type="title"/>
+          </p:nvPr>
+        </p:nvSpPr>
+        <p:spPr/>
+        <p:txBody>
+          <a:bodyPr>
+            <a:normAutofit/>
+          </a:bodyPr>
+          <a:lstStyle/>
+          <a:p>
+            <a:r>
+              <a:rPr lang="en-US" sz="3600" b="1" dirty="0"/>
+              <a:t>Conditional Statement</a:t>
+            </a:r>
+          </a:p>
+        </p:txBody>
+      </p:sp>
+      <p:sp>
+        <p:nvSpPr>
+          <p:cNvPr id="3" name="Content Placeholder 2">
+            <a:extLst>
+              <a:ext uri="{FF2B5EF4-FFF2-40B4-BE49-F238E27FC236}">
+                <a16:creationId xmlns:a16="http://schemas.microsoft.com/office/drawing/2014/main" id="{408164CD-FD8D-4744-874F-81F15C368AFE}"/>
+              </a:ext>
+            </a:extLst>
+          </p:cNvPr>
+          <p:cNvSpPr>
+            <a:spLocks noGrp="1"/>
+          </p:cNvSpPr>
+          <p:nvPr>
+            <p:ph idx="1"/>
+          </p:nvPr>
+        </p:nvSpPr>
+        <p:spPr/>
+        <p:txBody>
+          <a:bodyPr>
+            <a:normAutofit/>
+          </a:bodyPr>
+          <a:lstStyle/>
+          <a:p>
+            <a:pPr>
+              <a:lnSpc>
+                <a:spcPct val="150000"/>
+              </a:lnSpc>
+            </a:pPr>
+            <a:r>
+              <a:rPr lang="en-US" sz="1800" dirty="0" err="1">
+                <a:latin typeface="Pyidaungsu" panose="020B0502040204020203" pitchFamily="34" charset="0"/>
+                <a:cs typeface="Pyidaungsu" panose="020B0502040204020203" pitchFamily="34" charset="0"/>
+              </a:rPr>
+              <a:t>အခြေအနေ</a:t>
+            </a:r>
+            <a:r>
+              <a:rPr lang="en-US" sz="1800" dirty="0">
+                <a:latin typeface="Pyidaungsu" panose="020B0502040204020203" pitchFamily="34" charset="0"/>
+                <a:cs typeface="Pyidaungsu" panose="020B0502040204020203" pitchFamily="34" charset="0"/>
+              </a:rPr>
+              <a:t> (condition) </a:t>
+            </a:r>
+            <a:r>
+              <a:rPr lang="en-US" sz="1800" dirty="0" err="1">
+                <a:latin typeface="Pyidaungsu" panose="020B0502040204020203" pitchFamily="34" charset="0"/>
+                <a:cs typeface="Pyidaungsu" panose="020B0502040204020203" pitchFamily="34" charset="0"/>
+              </a:rPr>
+              <a:t>ပေ</a:t>
+            </a:r>
+            <a:r>
+              <a:rPr lang="en-US" sz="1800" dirty="0">
+                <a:latin typeface="Pyidaungsu" panose="020B0502040204020203" pitchFamily="34" charset="0"/>
+                <a:cs typeface="Pyidaungsu" panose="020B0502040204020203" pitchFamily="34" charset="0"/>
+              </a:rPr>
+              <a:t>ါ်</a:t>
+            </a:r>
+            <a:r>
+              <a:rPr lang="en-US" sz="1800" dirty="0" err="1">
+                <a:latin typeface="Pyidaungsu" panose="020B0502040204020203" pitchFamily="34" charset="0"/>
+                <a:cs typeface="Pyidaungsu" panose="020B0502040204020203" pitchFamily="34" charset="0"/>
+              </a:rPr>
+              <a:t>မူတည်ပြီး</a:t>
+            </a:r>
+            <a:r>
+              <a:rPr lang="en-US" sz="1800" dirty="0">
+                <a:latin typeface="Pyidaungsu" panose="020B0502040204020203" pitchFamily="34" charset="0"/>
+                <a:cs typeface="Pyidaungsu" panose="020B0502040204020203" pitchFamily="34" charset="0"/>
+              </a:rPr>
+              <a:t> </a:t>
+            </a:r>
+            <a:r>
+              <a:rPr lang="en-US" sz="1800" dirty="0" err="1">
+                <a:latin typeface="Pyidaungsu" panose="020B0502040204020203" pitchFamily="34" charset="0"/>
+                <a:cs typeface="Pyidaungsu" panose="020B0502040204020203" pitchFamily="34" charset="0"/>
+              </a:rPr>
+              <a:t>တုန</a:t>
+            </a:r>
+            <a:r>
+              <a:rPr lang="en-US" sz="1800" dirty="0">
+                <a:latin typeface="Pyidaungsu" panose="020B0502040204020203" pitchFamily="34" charset="0"/>
+                <a:cs typeface="Pyidaungsu" panose="020B0502040204020203" pitchFamily="34" charset="0"/>
+              </a:rPr>
+              <a:t>့်</a:t>
+            </a:r>
+            <a:r>
+              <a:rPr lang="en-US" sz="1800" dirty="0" err="1">
+                <a:latin typeface="Pyidaungsu" panose="020B0502040204020203" pitchFamily="34" charset="0"/>
+                <a:cs typeface="Pyidaungsu" panose="020B0502040204020203" pitchFamily="34" charset="0"/>
+              </a:rPr>
+              <a:t>ပြန်မယ</a:t>
+            </a:r>
+            <a:r>
+              <a:rPr lang="en-US" sz="1800" dirty="0">
+                <a:latin typeface="Pyidaungsu" panose="020B0502040204020203" pitchFamily="34" charset="0"/>
+                <a:cs typeface="Pyidaungsu" panose="020B0502040204020203" pitchFamily="34" charset="0"/>
+              </a:rPr>
+              <a:t>် =&gt; control the flow of your program</a:t>
+            </a:r>
+          </a:p>
+          <a:p>
+            <a:pPr>
+              <a:lnSpc>
+                <a:spcPct val="150000"/>
+              </a:lnSpc>
+            </a:pPr>
+            <a:r>
+              <a:rPr lang="en-US" sz="1800" dirty="0" err="1">
+                <a:latin typeface="Pyidaungsu" panose="020B0502040204020203" pitchFamily="34" charset="0"/>
+                <a:cs typeface="Pyidaungsu" panose="020B0502040204020203" pitchFamily="34" charset="0"/>
+              </a:rPr>
+              <a:t>များသောအားဖြင</a:t>
+            </a:r>
+            <a:r>
+              <a:rPr lang="en-US" sz="1800" dirty="0">
+                <a:latin typeface="Pyidaungsu" panose="020B0502040204020203" pitchFamily="34" charset="0"/>
+                <a:cs typeface="Pyidaungsu" panose="020B0502040204020203" pitchFamily="34" charset="0"/>
+              </a:rPr>
+              <a:t>့် Comparison and Logical operator </a:t>
+            </a:r>
+            <a:r>
+              <a:rPr lang="en-US" sz="1800" dirty="0" err="1">
+                <a:latin typeface="Pyidaungsu" panose="020B0502040204020203" pitchFamily="34" charset="0"/>
+                <a:cs typeface="Pyidaungsu" panose="020B0502040204020203" pitchFamily="34" charset="0"/>
+              </a:rPr>
+              <a:t>တွေကို</a:t>
+            </a:r>
+            <a:r>
+              <a:rPr lang="en-US" sz="1800" dirty="0">
+                <a:latin typeface="Pyidaungsu" panose="020B0502040204020203" pitchFamily="34" charset="0"/>
+                <a:cs typeface="Pyidaungsu" panose="020B0502040204020203" pitchFamily="34" charset="0"/>
+              </a:rPr>
+              <a:t> </a:t>
+            </a:r>
+            <a:r>
+              <a:rPr lang="en-US" sz="1800" dirty="0" err="1">
+                <a:latin typeface="Pyidaungsu" panose="020B0502040204020203" pitchFamily="34" charset="0"/>
+                <a:cs typeface="Pyidaungsu" panose="020B0502040204020203" pitchFamily="34" charset="0"/>
+              </a:rPr>
+              <a:t>သုံးပါမယ</a:t>
+            </a:r>
+            <a:r>
+              <a:rPr lang="en-US" sz="1800" dirty="0">
+                <a:latin typeface="Pyidaungsu" panose="020B0502040204020203" pitchFamily="34" charset="0"/>
+                <a:cs typeface="Pyidaungsu" panose="020B0502040204020203" pitchFamily="34" charset="0"/>
+              </a:rPr>
+              <a:t>်။</a:t>
+            </a:r>
+          </a:p>
+          <a:p>
+            <a:pPr>
+              <a:lnSpc>
+                <a:spcPct val="150000"/>
+              </a:lnSpc>
+            </a:pPr>
+            <a:r>
+              <a:rPr lang="en-US" sz="1800" dirty="0">
+                <a:latin typeface="Pyidaungsu" panose="020B0502040204020203" pitchFamily="34" charset="0"/>
+                <a:cs typeface="Pyidaungsu" panose="020B0502040204020203" pitchFamily="34" charset="0"/>
+              </a:rPr>
+              <a:t>if(condition){ condition true </a:t>
+            </a:r>
+            <a:r>
+              <a:rPr lang="en-US" sz="1800" dirty="0" err="1">
+                <a:latin typeface="Pyidaungsu" panose="020B0502040204020203" pitchFamily="34" charset="0"/>
+                <a:cs typeface="Pyidaungsu" panose="020B0502040204020203" pitchFamily="34" charset="0"/>
+              </a:rPr>
+              <a:t>ပြန်ရင</a:t>
+            </a:r>
+            <a:r>
+              <a:rPr lang="en-US" sz="1800" dirty="0">
+                <a:latin typeface="Pyidaungsu" panose="020B0502040204020203" pitchFamily="34" charset="0"/>
+                <a:cs typeface="Pyidaungsu" panose="020B0502040204020203" pitchFamily="34" charset="0"/>
+              </a:rPr>
+              <a:t>် </a:t>
+            </a:r>
+            <a:r>
+              <a:rPr lang="en-US" sz="1800" dirty="0" err="1">
+                <a:latin typeface="Pyidaungsu" panose="020B0502040204020203" pitchFamily="34" charset="0"/>
+                <a:cs typeface="Pyidaungsu" panose="020B0502040204020203" pitchFamily="34" charset="0"/>
+              </a:rPr>
+              <a:t>ဒီထဲက</a:t>
+            </a:r>
+            <a:r>
+              <a:rPr lang="en-US" sz="1800" dirty="0">
+                <a:latin typeface="Pyidaungsu" panose="020B0502040204020203" pitchFamily="34" charset="0"/>
+                <a:cs typeface="Pyidaungsu" panose="020B0502040204020203" pitchFamily="34" charset="0"/>
+              </a:rPr>
+              <a:t> statement </a:t>
+            </a:r>
+            <a:r>
+              <a:rPr lang="en-US" sz="1800" dirty="0" err="1">
+                <a:latin typeface="Pyidaungsu" panose="020B0502040204020203" pitchFamily="34" charset="0"/>
+                <a:cs typeface="Pyidaungsu" panose="020B0502040204020203" pitchFamily="34" charset="0"/>
+              </a:rPr>
+              <a:t>တွေ</a:t>
+            </a:r>
+            <a:r>
+              <a:rPr lang="en-US" sz="1800" dirty="0">
+                <a:latin typeface="Pyidaungsu" panose="020B0502040204020203" pitchFamily="34" charset="0"/>
+                <a:cs typeface="Pyidaungsu" panose="020B0502040204020203" pitchFamily="34" charset="0"/>
+              </a:rPr>
+              <a:t> </a:t>
+            </a:r>
+            <a:r>
+              <a:rPr lang="en-US" sz="1800" dirty="0" err="1">
+                <a:latin typeface="Pyidaungsu" panose="020B0502040204020203" pitchFamily="34" charset="0"/>
+                <a:cs typeface="Pyidaungsu" panose="020B0502040204020203" pitchFamily="34" charset="0"/>
+              </a:rPr>
+              <a:t>အလုပ်လုပ်မယ</a:t>
+            </a:r>
+            <a:r>
+              <a:rPr lang="en-US" sz="1800" dirty="0">
+                <a:latin typeface="Pyidaungsu" panose="020B0502040204020203" pitchFamily="34" charset="0"/>
+                <a:cs typeface="Pyidaungsu" panose="020B0502040204020203" pitchFamily="34" charset="0"/>
+              </a:rPr>
+              <a:t>် }</a:t>
+            </a:r>
+          </a:p>
+          <a:p>
+            <a:pPr>
+              <a:lnSpc>
+                <a:spcPct val="150000"/>
+              </a:lnSpc>
+            </a:pPr>
+            <a:r>
+              <a:rPr lang="en-US" sz="1800" dirty="0">
+                <a:latin typeface="Pyidaungsu" panose="020B0502040204020203" pitchFamily="34" charset="0"/>
+                <a:cs typeface="Pyidaungsu" panose="020B0502040204020203" pitchFamily="34" charset="0"/>
+              </a:rPr>
+              <a:t>if(condition){ true } else { condition false </a:t>
+            </a:r>
+            <a:r>
+              <a:rPr lang="en-US" sz="1800" dirty="0" err="1">
+                <a:latin typeface="Pyidaungsu" panose="020B0502040204020203" pitchFamily="34" charset="0"/>
+                <a:cs typeface="Pyidaungsu" panose="020B0502040204020203" pitchFamily="34" charset="0"/>
+              </a:rPr>
+              <a:t>ပြန်ရင</a:t>
+            </a:r>
+            <a:r>
+              <a:rPr lang="en-US" sz="1800" dirty="0">
+                <a:latin typeface="Pyidaungsu" panose="020B0502040204020203" pitchFamily="34" charset="0"/>
+                <a:cs typeface="Pyidaungsu" panose="020B0502040204020203" pitchFamily="34" charset="0"/>
+              </a:rPr>
+              <a:t>် </a:t>
+            </a:r>
+            <a:r>
+              <a:rPr lang="en-US" sz="1800" dirty="0" err="1">
+                <a:latin typeface="Pyidaungsu" panose="020B0502040204020203" pitchFamily="34" charset="0"/>
+                <a:cs typeface="Pyidaungsu" panose="020B0502040204020203" pitchFamily="34" charset="0"/>
+              </a:rPr>
+              <a:t>ဒီထဲက</a:t>
+            </a:r>
+            <a:r>
+              <a:rPr lang="en-US" sz="1800" dirty="0">
+                <a:latin typeface="Pyidaungsu" panose="020B0502040204020203" pitchFamily="34" charset="0"/>
+                <a:cs typeface="Pyidaungsu" panose="020B0502040204020203" pitchFamily="34" charset="0"/>
+              </a:rPr>
+              <a:t> statement </a:t>
+            </a:r>
+            <a:r>
+              <a:rPr lang="en-US" sz="1800" dirty="0" err="1">
+                <a:latin typeface="Pyidaungsu" panose="020B0502040204020203" pitchFamily="34" charset="0"/>
+                <a:cs typeface="Pyidaungsu" panose="020B0502040204020203" pitchFamily="34" charset="0"/>
+              </a:rPr>
+              <a:t>တွေ</a:t>
+            </a:r>
+            <a:r>
+              <a:rPr lang="en-US" sz="1800" dirty="0">
+                <a:latin typeface="Pyidaungsu" panose="020B0502040204020203" pitchFamily="34" charset="0"/>
+                <a:cs typeface="Pyidaungsu" panose="020B0502040204020203" pitchFamily="34" charset="0"/>
+              </a:rPr>
+              <a:t> </a:t>
+            </a:r>
+            <a:r>
+              <a:rPr lang="en-US" sz="1800" dirty="0" err="1">
+                <a:latin typeface="Pyidaungsu" panose="020B0502040204020203" pitchFamily="34" charset="0"/>
+                <a:cs typeface="Pyidaungsu" panose="020B0502040204020203" pitchFamily="34" charset="0"/>
+              </a:rPr>
+              <a:t>အလုပ်လုပ်မယ</a:t>
+            </a:r>
+            <a:r>
+              <a:rPr lang="en-US" sz="1800" dirty="0">
+                <a:latin typeface="Pyidaungsu" panose="020B0502040204020203" pitchFamily="34" charset="0"/>
+                <a:cs typeface="Pyidaungsu" panose="020B0502040204020203" pitchFamily="34" charset="0"/>
+              </a:rPr>
+              <a:t>် }</a:t>
+            </a:r>
+          </a:p>
+          <a:p>
+            <a:pPr>
+              <a:lnSpc>
+                <a:spcPct val="150000"/>
+              </a:lnSpc>
+            </a:pPr>
+            <a:r>
+              <a:rPr lang="en-US" sz="1800" dirty="0">
+                <a:latin typeface="Pyidaungsu" panose="020B0502040204020203" pitchFamily="34" charset="0"/>
+                <a:cs typeface="Pyidaungsu" panose="020B0502040204020203" pitchFamily="34" charset="0"/>
+              </a:rPr>
+              <a:t>if(condition){ true 1 } else if(condition 2){ true 2 } else { false }</a:t>
+            </a:r>
+          </a:p>
+          <a:p>
+            <a:pPr>
+              <a:lnSpc>
+                <a:spcPct val="150000"/>
+              </a:lnSpc>
+            </a:pPr>
+            <a:r>
+              <a:rPr lang="en-US" sz="1800" dirty="0" err="1">
+                <a:latin typeface="Pyidaungsu" panose="020B0502040204020203" pitchFamily="34" charset="0"/>
+                <a:cs typeface="Pyidaungsu" panose="020B0502040204020203" pitchFamily="34" charset="0"/>
+              </a:rPr>
+              <a:t>တစ်ကြိမ်တွင</a:t>
+            </a:r>
+            <a:r>
+              <a:rPr lang="en-US" sz="1800" dirty="0">
+                <a:latin typeface="Pyidaungsu" panose="020B0502040204020203" pitchFamily="34" charset="0"/>
+                <a:cs typeface="Pyidaungsu" panose="020B0502040204020203" pitchFamily="34" charset="0"/>
+              </a:rPr>
+              <a:t>် condition </a:t>
+            </a:r>
+            <a:r>
+              <a:rPr lang="en-US" sz="1800" dirty="0" err="1">
+                <a:latin typeface="Pyidaungsu" panose="020B0502040204020203" pitchFamily="34" charset="0"/>
+                <a:cs typeface="Pyidaungsu" panose="020B0502040204020203" pitchFamily="34" charset="0"/>
+              </a:rPr>
+              <a:t>တစ်ခုသာ</a:t>
+            </a:r>
+            <a:r>
+              <a:rPr lang="en-US" sz="1800" dirty="0">
+                <a:latin typeface="Pyidaungsu" panose="020B0502040204020203" pitchFamily="34" charset="0"/>
+                <a:cs typeface="Pyidaungsu" panose="020B0502040204020203" pitchFamily="34" charset="0"/>
+              </a:rPr>
+              <a:t> </a:t>
+            </a:r>
+            <a:r>
+              <a:rPr lang="en-US" sz="1800" dirty="0" err="1">
+                <a:latin typeface="Pyidaungsu" panose="020B0502040204020203" pitchFamily="34" charset="0"/>
+                <a:cs typeface="Pyidaungsu" panose="020B0502040204020203" pitchFamily="34" charset="0"/>
+              </a:rPr>
+              <a:t>မှန်ခွင</a:t>
+            </a:r>
+            <a:r>
+              <a:rPr lang="en-US" sz="1800" dirty="0">
+                <a:latin typeface="Pyidaungsu" panose="020B0502040204020203" pitchFamily="34" charset="0"/>
+                <a:cs typeface="Pyidaungsu" panose="020B0502040204020203" pitchFamily="34" charset="0"/>
+              </a:rPr>
+              <a:t>့်</a:t>
+            </a:r>
+            <a:r>
+              <a:rPr lang="en-US" sz="1800" dirty="0" err="1">
+                <a:latin typeface="Pyidaungsu" panose="020B0502040204020203" pitchFamily="34" charset="0"/>
+                <a:cs typeface="Pyidaungsu" panose="020B0502040204020203" pitchFamily="34" charset="0"/>
+              </a:rPr>
+              <a:t>ရှိသည</a:t>
+            </a:r>
+            <a:r>
+              <a:rPr lang="en-US" sz="1800" dirty="0">
+                <a:latin typeface="Pyidaungsu" panose="020B0502040204020203" pitchFamily="34" charset="0"/>
+                <a:cs typeface="Pyidaungsu" panose="020B0502040204020203" pitchFamily="34" charset="0"/>
+              </a:rPr>
+              <a:t>်။</a:t>
+            </a:r>
+          </a:p>
+          <a:p>
+            <a:pPr>
+              <a:lnSpc>
+                <a:spcPct val="150000"/>
+              </a:lnSpc>
+            </a:pPr>
+            <a:r>
+              <a:rPr lang="en-US" sz="1800" dirty="0">
+                <a:latin typeface="Pyidaungsu" panose="020B0502040204020203" pitchFamily="34" charset="0"/>
+                <a:cs typeface="Pyidaungsu" panose="020B0502040204020203" pitchFamily="34" charset="0"/>
+              </a:rPr>
+              <a:t>function </a:t>
+            </a:r>
+            <a:r>
+              <a:rPr lang="en-US" sz="1800" dirty="0" err="1">
+                <a:latin typeface="Pyidaungsu" panose="020B0502040204020203" pitchFamily="34" charset="0"/>
+                <a:cs typeface="Pyidaungsu" panose="020B0502040204020203" pitchFamily="34" charset="0"/>
+              </a:rPr>
+              <a:t>ပါတွဲပြီးသုံးကြည</a:t>
+            </a:r>
+            <a:r>
+              <a:rPr lang="en-US" sz="1800" dirty="0">
+                <a:latin typeface="Pyidaungsu" panose="020B0502040204020203" pitchFamily="34" charset="0"/>
+                <a:cs typeface="Pyidaungsu" panose="020B0502040204020203" pitchFamily="34" charset="0"/>
+              </a:rPr>
+              <a:t>့်</a:t>
+            </a:r>
+            <a:r>
+              <a:rPr lang="en-US" sz="1800" dirty="0" err="1">
+                <a:latin typeface="Pyidaungsu" panose="020B0502040204020203" pitchFamily="34" charset="0"/>
+                <a:cs typeface="Pyidaungsu" panose="020B0502040204020203" pitchFamily="34" charset="0"/>
+              </a:rPr>
+              <a:t>ရအောင</a:t>
+            </a:r>
+            <a:r>
+              <a:rPr lang="en-US" sz="1800" dirty="0">
+                <a:latin typeface="Pyidaungsu" panose="020B0502040204020203" pitchFamily="34" charset="0"/>
+                <a:cs typeface="Pyidaungsu" panose="020B0502040204020203" pitchFamily="34" charset="0"/>
+              </a:rPr>
+              <a:t>်</a:t>
+            </a:r>
+          </a:p>
+          <a:p>
+            <a:pPr>
+              <a:lnSpc>
+                <a:spcPct val="150000"/>
+              </a:lnSpc>
+            </a:pPr>
+            <a:endParaRPr lang="en-US" sz="1800" dirty="0">
+              <a:latin typeface="Pyidaungsu" panose="020B0502040204020203" pitchFamily="34" charset="0"/>
+              <a:cs typeface="Pyidaungsu" panose="020B0502040204020203" pitchFamily="34" charset="0"/>
+            </a:endParaRPr>
+          </a:p>
+        </p:txBody>
+      </p:sp>
+    </p:spTree>
+    <p:extLst>
+      <p:ext uri="{BB962C8B-B14F-4D97-AF65-F5344CB8AC3E}">
+        <p14:creationId xmlns:p14="http://schemas.microsoft.com/office/powerpoint/2010/main" val="4034433595"/>
+      </p:ext>
+    </p:extLst>
+  </p:cSld>
+  <p:clrMapOvr>
+    <a:masterClrMapping/>
+  </p:clrMapOvr>
+</p:sld>
+</file>
+
+<file path=ppt/slides/slide22.xml><?xml version="1.0" encoding="utf-8"?>
+<p:sld xmlns:a="http://schemas.openxmlformats.org/drawingml/2006/main" xmlns:r="http://schemas.openxmlformats.org/officeDocument/2006/relationships" xmlns:p="http://schemas.openxmlformats.org/presentationml/2006/main">
+  <p:cSld>
+    <p:spTree>
+      <p:nvGrpSpPr>
+        <p:cNvPr id="1" name=""/>
+        <p:cNvGrpSpPr/>
+        <p:nvPr/>
+      </p:nvGrpSpPr>
+      <p:grpSpPr>
+        <a:xfrm>
+          <a:off x="0" y="0"/>
+          <a:ext cx="0" cy="0"/>
+          <a:chOff x="0" y="0"/>
+          <a:chExt cx="0" cy="0"/>
+        </a:xfrm>
+      </p:grpSpPr>
+      <p:sp>
+        <p:nvSpPr>
+          <p:cNvPr id="2" name="Title 1">
+            <a:extLst>
+              <a:ext uri="{FF2B5EF4-FFF2-40B4-BE49-F238E27FC236}">
+                <a16:creationId xmlns:a16="http://schemas.microsoft.com/office/drawing/2014/main" id="{9235A916-BACF-461A-A696-85B2F6DCE368}"/>
+              </a:ext>
+            </a:extLst>
+          </p:cNvPr>
+          <p:cNvSpPr>
+            <a:spLocks noGrp="1"/>
+          </p:cNvSpPr>
+          <p:nvPr>
+            <p:ph type="title"/>
+          </p:nvPr>
+        </p:nvSpPr>
+        <p:spPr/>
+        <p:txBody>
+          <a:bodyPr>
+            <a:normAutofit/>
+          </a:bodyPr>
+          <a:lstStyle/>
+          <a:p>
+            <a:r>
+              <a:rPr lang="en-US" sz="3600" dirty="0"/>
+              <a:t>Conditional Statement</a:t>
+            </a:r>
+          </a:p>
+        </p:txBody>
+      </p:sp>
+      <p:pic>
+        <p:nvPicPr>
+          <p:cNvPr id="5" name="Picture 4">
+            <a:extLst>
+              <a:ext uri="{FF2B5EF4-FFF2-40B4-BE49-F238E27FC236}">
+                <a16:creationId xmlns:a16="http://schemas.microsoft.com/office/drawing/2014/main" id="{12F00611-C504-4103-A7AE-E4AA065E0084}"/>
+              </a:ext>
+            </a:extLst>
+          </p:cNvPr>
+          <p:cNvPicPr>
+            <a:picLocks noChangeAspect="1"/>
+          </p:cNvPicPr>
+          <p:nvPr/>
+        </p:nvPicPr>
+        <p:blipFill>
+          <a:blip r:embed="rId2">
+            <a:extLst>
+              <a:ext uri="{28A0092B-C50C-407E-A947-70E740481C1C}">
+                <a14:useLocalDpi xmlns:a14="http://schemas.microsoft.com/office/drawing/2010/main" val="0"/>
+              </a:ext>
+            </a:extLst>
+          </a:blip>
+          <a:stretch>
+            <a:fillRect/>
+          </a:stretch>
+        </p:blipFill>
+        <p:spPr>
+          <a:xfrm>
+            <a:off x="838200" y="1791881"/>
+            <a:ext cx="3113902" cy="1637119"/>
+          </a:xfrm>
+          <a:prstGeom prst="rect">
+            <a:avLst/>
+          </a:prstGeom>
+        </p:spPr>
+      </p:pic>
+      <p:sp>
+        <p:nvSpPr>
+          <p:cNvPr id="6" name="Rectangle 5">
+            <a:extLst>
+              <a:ext uri="{FF2B5EF4-FFF2-40B4-BE49-F238E27FC236}">
+                <a16:creationId xmlns:a16="http://schemas.microsoft.com/office/drawing/2014/main" id="{6DDC9EA0-64F5-4B89-AFE6-21F56C9922FB}"/>
+              </a:ext>
+            </a:extLst>
+          </p:cNvPr>
+          <p:cNvSpPr/>
+          <p:nvPr/>
+        </p:nvSpPr>
+        <p:spPr>
+          <a:xfrm>
+            <a:off x="645253" y="1649268"/>
+            <a:ext cx="385894" cy="385894"/>
+          </a:xfrm>
+          <a:prstGeom prst="rect">
+            <a:avLst/>
+          </a:prstGeom>
+        </p:spPr>
+        <p:style>
+          <a:lnRef idx="2">
+            <a:schemeClr val="accent2">
+              <a:shade val="50000"/>
+            </a:schemeClr>
+          </a:lnRef>
+          <a:fillRef idx="1">
+            <a:schemeClr val="accent2"/>
+          </a:fillRef>
+          <a:effectRef idx="0">
+            <a:schemeClr val="accent2"/>
+          </a:effectRef>
+          <a:fontRef idx="minor">
+            <a:schemeClr val="lt1"/>
+          </a:fontRef>
+        </p:style>
+        <p:txBody>
+          <a:bodyPr rtlCol="0" anchor="ctr"/>
+          <a:lstStyle/>
+          <a:p>
+            <a:pPr algn="ctr"/>
+            <a:r>
+              <a:rPr lang="en-US" dirty="0"/>
+              <a:t>1</a:t>
+            </a:r>
+          </a:p>
+        </p:txBody>
+      </p:sp>
+      <p:pic>
+        <p:nvPicPr>
+          <p:cNvPr id="8" name="Picture 7">
+            <a:extLst>
+              <a:ext uri="{FF2B5EF4-FFF2-40B4-BE49-F238E27FC236}">
+                <a16:creationId xmlns:a16="http://schemas.microsoft.com/office/drawing/2014/main" id="{1C24DE51-715F-40C6-8A1A-AF322CECA679}"/>
+              </a:ext>
+            </a:extLst>
+          </p:cNvPr>
+          <p:cNvPicPr>
+            <a:picLocks noChangeAspect="1"/>
+          </p:cNvPicPr>
+          <p:nvPr/>
+        </p:nvPicPr>
+        <p:blipFill>
+          <a:blip r:embed="rId3">
+            <a:extLst>
+              <a:ext uri="{28A0092B-C50C-407E-A947-70E740481C1C}">
+                <a14:useLocalDpi xmlns:a14="http://schemas.microsoft.com/office/drawing/2010/main" val="0"/>
+              </a:ext>
+            </a:extLst>
+          </a:blip>
+          <a:stretch>
+            <a:fillRect/>
+          </a:stretch>
+        </p:blipFill>
+        <p:spPr>
+          <a:xfrm>
+            <a:off x="838200" y="4050117"/>
+            <a:ext cx="4262306" cy="2442758"/>
+          </a:xfrm>
+          <a:prstGeom prst="rect">
+            <a:avLst/>
+          </a:prstGeom>
+        </p:spPr>
+      </p:pic>
+      <p:sp>
+        <p:nvSpPr>
+          <p:cNvPr id="9" name="Rectangle 8">
+            <a:extLst>
+              <a:ext uri="{FF2B5EF4-FFF2-40B4-BE49-F238E27FC236}">
+                <a16:creationId xmlns:a16="http://schemas.microsoft.com/office/drawing/2014/main" id="{A7738C46-2B90-4794-A253-01411B64FC0A}"/>
+              </a:ext>
+            </a:extLst>
+          </p:cNvPr>
+          <p:cNvSpPr/>
+          <p:nvPr/>
+        </p:nvSpPr>
+        <p:spPr>
+          <a:xfrm>
+            <a:off x="627776" y="3857170"/>
+            <a:ext cx="385894" cy="385894"/>
+          </a:xfrm>
+          <a:prstGeom prst="rect">
+            <a:avLst/>
+          </a:prstGeom>
+        </p:spPr>
+        <p:style>
+          <a:lnRef idx="2">
+            <a:schemeClr val="accent2">
+              <a:shade val="50000"/>
+            </a:schemeClr>
+          </a:lnRef>
+          <a:fillRef idx="1">
+            <a:schemeClr val="accent2"/>
+          </a:fillRef>
+          <a:effectRef idx="0">
+            <a:schemeClr val="accent2"/>
+          </a:effectRef>
+          <a:fontRef idx="minor">
+            <a:schemeClr val="lt1"/>
+          </a:fontRef>
+        </p:style>
+        <p:txBody>
+          <a:bodyPr rtlCol="0" anchor="ctr"/>
+          <a:lstStyle/>
+          <a:p>
+            <a:pPr algn="ctr"/>
+            <a:r>
+              <a:rPr lang="en-US" dirty="0"/>
+              <a:t>2</a:t>
+            </a:r>
+          </a:p>
+        </p:txBody>
+      </p:sp>
+      <p:pic>
+        <p:nvPicPr>
+          <p:cNvPr id="11" name="Picture 10">
+            <a:extLst>
+              <a:ext uri="{FF2B5EF4-FFF2-40B4-BE49-F238E27FC236}">
+                <a16:creationId xmlns:a16="http://schemas.microsoft.com/office/drawing/2014/main" id="{0421FE94-30A5-43ED-87EF-C645A5D2206A}"/>
+              </a:ext>
+            </a:extLst>
+          </p:cNvPr>
+          <p:cNvPicPr>
+            <a:picLocks noChangeAspect="1"/>
+          </p:cNvPicPr>
+          <p:nvPr/>
+        </p:nvPicPr>
+        <p:blipFill>
+          <a:blip r:embed="rId4">
+            <a:extLst>
+              <a:ext uri="{28A0092B-C50C-407E-A947-70E740481C1C}">
+                <a14:useLocalDpi xmlns:a14="http://schemas.microsoft.com/office/drawing/2010/main" val="0"/>
+              </a:ext>
+            </a:extLst>
+          </a:blip>
+          <a:stretch>
+            <a:fillRect/>
+          </a:stretch>
+        </p:blipFill>
+        <p:spPr>
+          <a:xfrm>
+            <a:off x="6096000" y="1883635"/>
+            <a:ext cx="5715699" cy="4457713"/>
+          </a:xfrm>
+          <a:prstGeom prst="rect">
+            <a:avLst/>
+          </a:prstGeom>
+        </p:spPr>
+      </p:pic>
+      <p:sp>
+        <p:nvSpPr>
+          <p:cNvPr id="12" name="Rectangle 11">
+            <a:extLst>
+              <a:ext uri="{FF2B5EF4-FFF2-40B4-BE49-F238E27FC236}">
+                <a16:creationId xmlns:a16="http://schemas.microsoft.com/office/drawing/2014/main" id="{E99F619A-41E6-4256-8889-BE0C00D4FD76}"/>
+              </a:ext>
+            </a:extLst>
+          </p:cNvPr>
+          <p:cNvSpPr/>
+          <p:nvPr/>
+        </p:nvSpPr>
+        <p:spPr>
+          <a:xfrm>
+            <a:off x="5903053" y="1690688"/>
+            <a:ext cx="385894" cy="385894"/>
+          </a:xfrm>
+          <a:prstGeom prst="rect">
+            <a:avLst/>
+          </a:prstGeom>
+        </p:spPr>
+        <p:style>
+          <a:lnRef idx="2">
+            <a:schemeClr val="accent2">
+              <a:shade val="50000"/>
+            </a:schemeClr>
+          </a:lnRef>
+          <a:fillRef idx="1">
+            <a:schemeClr val="accent2"/>
+          </a:fillRef>
+          <a:effectRef idx="0">
+            <a:schemeClr val="accent2"/>
+          </a:effectRef>
+          <a:fontRef idx="minor">
+            <a:schemeClr val="lt1"/>
+          </a:fontRef>
+        </p:style>
+        <p:txBody>
+          <a:bodyPr rtlCol="0" anchor="ctr"/>
+          <a:lstStyle/>
+          <a:p>
+            <a:pPr algn="ctr"/>
+            <a:r>
+              <a:rPr lang="en-US" dirty="0"/>
+              <a:t>3</a:t>
+            </a:r>
+          </a:p>
+        </p:txBody>
+      </p:sp>
+    </p:spTree>
+    <p:extLst>
+      <p:ext uri="{BB962C8B-B14F-4D97-AF65-F5344CB8AC3E}">
+        <p14:creationId xmlns:p14="http://schemas.microsoft.com/office/powerpoint/2010/main" val="3190442441"/>
+      </p:ext>
+    </p:extLst>
+  </p:cSld>
+  <p:clrMapOvr>
+    <a:masterClrMapping/>
+  </p:clrMapOvr>
+</p:sld>
+</file>
+
+<file path=ppt/slides/slide23.xml><?xml version="1.0" encoding="utf-8"?>
+<p:sld xmlns:a="http://schemas.openxmlformats.org/drawingml/2006/main" xmlns:r="http://schemas.openxmlformats.org/officeDocument/2006/relationships" xmlns:p="http://schemas.openxmlformats.org/presentationml/2006/main">
+  <p:cSld>
+    <p:spTree>
+      <p:nvGrpSpPr>
+        <p:cNvPr id="1" name=""/>
+        <p:cNvGrpSpPr/>
+        <p:nvPr/>
+      </p:nvGrpSpPr>
+      <p:grpSpPr>
+        <a:xfrm>
+          <a:off x="0" y="0"/>
+          <a:ext cx="0" cy="0"/>
+          <a:chOff x="0" y="0"/>
+          <a:chExt cx="0" cy="0"/>
+        </a:xfrm>
+      </p:grpSpPr>
+      <p:sp>
+        <p:nvSpPr>
+          <p:cNvPr id="2" name="Title 1">
+            <a:extLst>
+              <a:ext uri="{FF2B5EF4-FFF2-40B4-BE49-F238E27FC236}">
+                <a16:creationId xmlns:a16="http://schemas.microsoft.com/office/drawing/2014/main" id="{828BD7BF-FBB4-49B8-83F0-EE6FDE248D6B}"/>
+              </a:ext>
+            </a:extLst>
+          </p:cNvPr>
+          <p:cNvSpPr>
+            <a:spLocks noGrp="1"/>
+          </p:cNvSpPr>
+          <p:nvPr>
+            <p:ph type="title"/>
+          </p:nvPr>
+        </p:nvSpPr>
+        <p:spPr/>
+        <p:txBody>
+          <a:bodyPr>
+            <a:normAutofit/>
+          </a:bodyPr>
+          <a:lstStyle/>
+          <a:p>
+            <a:r>
+              <a:rPr lang="en-US" sz="3600" b="1" dirty="0"/>
+              <a:t>Real Life examples</a:t>
+            </a:r>
+          </a:p>
+        </p:txBody>
+      </p:sp>
+      <p:sp>
+        <p:nvSpPr>
+          <p:cNvPr id="3" name="Content Placeholder 2">
+            <a:extLst>
+              <a:ext uri="{FF2B5EF4-FFF2-40B4-BE49-F238E27FC236}">
+                <a16:creationId xmlns:a16="http://schemas.microsoft.com/office/drawing/2014/main" id="{AEF6BB4D-C1DB-4DC7-8A96-A7928F0EE347}"/>
+              </a:ext>
+            </a:extLst>
+          </p:cNvPr>
+          <p:cNvSpPr>
+            <a:spLocks noGrp="1"/>
+          </p:cNvSpPr>
+          <p:nvPr>
+            <p:ph idx="1"/>
+          </p:nvPr>
+        </p:nvSpPr>
+        <p:spPr/>
+        <p:txBody>
+          <a:bodyPr>
+            <a:normAutofit/>
+          </a:bodyPr>
+          <a:lstStyle/>
+          <a:p>
+            <a:pPr>
+              <a:lnSpc>
+                <a:spcPct val="150000"/>
+              </a:lnSpc>
+            </a:pPr>
+            <a:r>
+              <a:rPr lang="en-US" sz="1800" dirty="0" err="1">
+                <a:latin typeface="Pyidaungsu" panose="020B0502040204020203" pitchFamily="34" charset="0"/>
+                <a:cs typeface="Pyidaungsu" panose="020B0502040204020203" pitchFamily="34" charset="0"/>
+              </a:rPr>
+              <a:t>မနက</a:t>
+            </a:r>
+            <a:r>
+              <a:rPr lang="en-US" sz="1800" dirty="0">
+                <a:latin typeface="Pyidaungsu" panose="020B0502040204020203" pitchFamily="34" charset="0"/>
+                <a:cs typeface="Pyidaungsu" panose="020B0502040204020203" pitchFamily="34" charset="0"/>
+              </a:rPr>
+              <a:t>် ၈ </a:t>
+            </a:r>
+            <a:r>
+              <a:rPr lang="en-US" sz="1800" dirty="0" err="1">
+                <a:latin typeface="Pyidaungsu" panose="020B0502040204020203" pitchFamily="34" charset="0"/>
+                <a:cs typeface="Pyidaungsu" panose="020B0502040204020203" pitchFamily="34" charset="0"/>
+              </a:rPr>
+              <a:t>နာရီကျော်တာတောင်မထသေးရင</a:t>
+            </a:r>
+            <a:r>
+              <a:rPr lang="en-US" sz="1800" dirty="0">
+                <a:latin typeface="Pyidaungsu" panose="020B0502040204020203" pitchFamily="34" charset="0"/>
+                <a:cs typeface="Pyidaungsu" panose="020B0502040204020203" pitchFamily="34" charset="0"/>
+              </a:rPr>
+              <a:t>် </a:t>
+            </a:r>
+            <a:r>
+              <a:rPr lang="en-US" sz="1800" dirty="0" err="1">
+                <a:latin typeface="Pyidaungsu" panose="020B0502040204020203" pitchFamily="34" charset="0"/>
+                <a:cs typeface="Pyidaungsu" panose="020B0502040204020203" pitchFamily="34" charset="0"/>
+              </a:rPr>
+              <a:t>ကြိမ်လုံးနဲ</a:t>
+            </a:r>
+            <a:r>
+              <a:rPr lang="en-US" sz="1800" dirty="0">
+                <a:latin typeface="Pyidaungsu" panose="020B0502040204020203" pitchFamily="34" charset="0"/>
+                <a:cs typeface="Pyidaungsu" panose="020B0502040204020203" pitchFamily="34" charset="0"/>
+              </a:rPr>
+              <a:t>့ </a:t>
+            </a:r>
+            <a:r>
+              <a:rPr lang="en-US" sz="1800" dirty="0" err="1">
+                <a:latin typeface="Pyidaungsu" panose="020B0502040204020203" pitchFamily="34" charset="0"/>
+                <a:cs typeface="Pyidaungsu" panose="020B0502040204020203" pitchFamily="34" charset="0"/>
+              </a:rPr>
+              <a:t>လာနှိုူးမည</a:t>
+            </a:r>
+            <a:r>
+              <a:rPr lang="en-US" sz="1800" dirty="0">
+                <a:latin typeface="Pyidaungsu" panose="020B0502040204020203" pitchFamily="34" charset="0"/>
+                <a:cs typeface="Pyidaungsu" panose="020B0502040204020203" pitchFamily="34" charset="0"/>
+              </a:rPr>
+              <a:t>်။</a:t>
+            </a:r>
+          </a:p>
+          <a:p>
+            <a:pPr>
+              <a:lnSpc>
+                <a:spcPct val="150000"/>
+              </a:lnSpc>
+            </a:pPr>
+            <a:r>
+              <a:rPr lang="en-US" sz="1800" dirty="0" err="1">
+                <a:latin typeface="Pyidaungsu" panose="020B0502040204020203" pitchFamily="34" charset="0"/>
+                <a:cs typeface="Pyidaungsu" panose="020B0502040204020203" pitchFamily="34" charset="0"/>
+              </a:rPr>
+              <a:t>ကျောင်းသွားရင</a:t>
+            </a:r>
+            <a:r>
+              <a:rPr lang="en-US" sz="1800" dirty="0">
+                <a:latin typeface="Pyidaungsu" panose="020B0502040204020203" pitchFamily="34" charset="0"/>
+                <a:cs typeface="Pyidaungsu" panose="020B0502040204020203" pitchFamily="34" charset="0"/>
+              </a:rPr>
+              <a:t>် bus </a:t>
+            </a:r>
+            <a:r>
+              <a:rPr lang="en-US" sz="1800" dirty="0" err="1">
+                <a:latin typeface="Pyidaungsu" panose="020B0502040204020203" pitchFamily="34" charset="0"/>
+                <a:cs typeface="Pyidaungsu" panose="020B0502040204020203" pitchFamily="34" charset="0"/>
+              </a:rPr>
+              <a:t>ကားစီးဖို</a:t>
+            </a:r>
+            <a:r>
+              <a:rPr lang="en-US" sz="1800" dirty="0">
+                <a:latin typeface="Pyidaungsu" panose="020B0502040204020203" pitchFamily="34" charset="0"/>
+                <a:cs typeface="Pyidaungsu" panose="020B0502040204020203" pitchFamily="34" charset="0"/>
+              </a:rPr>
+              <a:t>့ </a:t>
+            </a:r>
+            <a:r>
+              <a:rPr lang="en-US" sz="1800" dirty="0" err="1">
+                <a:latin typeface="Pyidaungsu" panose="020B0502040204020203" pitchFamily="34" charset="0"/>
+                <a:cs typeface="Pyidaungsu" panose="020B0502040204020203" pitchFamily="34" charset="0"/>
+              </a:rPr>
+              <a:t>ငွေ</a:t>
+            </a:r>
+            <a:r>
+              <a:rPr lang="en-US" sz="1800" dirty="0">
+                <a:latin typeface="Pyidaungsu" panose="020B0502040204020203" pitchFamily="34" charset="0"/>
+                <a:cs typeface="Pyidaungsu" panose="020B0502040204020203" pitchFamily="34" charset="0"/>
+              </a:rPr>
+              <a:t> ၂၀၀ </a:t>
+            </a:r>
+            <a:r>
+              <a:rPr lang="en-US" sz="1800" dirty="0" err="1">
+                <a:latin typeface="Pyidaungsu" panose="020B0502040204020203" pitchFamily="34" charset="0"/>
+                <a:cs typeface="Pyidaungsu" panose="020B0502040204020203" pitchFamily="34" charset="0"/>
+              </a:rPr>
+              <a:t>သို</a:t>
+            </a:r>
+            <a:r>
+              <a:rPr lang="en-US" sz="1800" dirty="0">
+                <a:latin typeface="Pyidaungsu" panose="020B0502040204020203" pitchFamily="34" charset="0"/>
+                <a:cs typeface="Pyidaungsu" panose="020B0502040204020203" pitchFamily="34" charset="0"/>
+              </a:rPr>
+              <a:t>့ ၂၀၀ </a:t>
+            </a:r>
+            <a:r>
+              <a:rPr lang="en-US" sz="1800" dirty="0" err="1">
+                <a:latin typeface="Pyidaungsu" panose="020B0502040204020203" pitchFamily="34" charset="0"/>
+                <a:cs typeface="Pyidaungsu" panose="020B0502040204020203" pitchFamily="34" charset="0"/>
+              </a:rPr>
+              <a:t>အထက</a:t>
+            </a:r>
+            <a:r>
+              <a:rPr lang="en-US" sz="1800" dirty="0">
+                <a:latin typeface="Pyidaungsu" panose="020B0502040204020203" pitchFamily="34" charset="0"/>
+                <a:cs typeface="Pyidaungsu" panose="020B0502040204020203" pitchFamily="34" charset="0"/>
+              </a:rPr>
+              <a:t>် </a:t>
+            </a:r>
+            <a:r>
+              <a:rPr lang="en-US" sz="1800" dirty="0" err="1">
+                <a:latin typeface="Pyidaungsu" panose="020B0502040204020203" pitchFamily="34" charset="0"/>
+                <a:cs typeface="Pyidaungsu" panose="020B0502040204020203" pitchFamily="34" charset="0"/>
+              </a:rPr>
+              <a:t>ရှိရမယ</a:t>
+            </a:r>
+            <a:r>
+              <a:rPr lang="en-US" sz="1800" dirty="0">
+                <a:latin typeface="Pyidaungsu" panose="020B0502040204020203" pitchFamily="34" charset="0"/>
+                <a:cs typeface="Pyidaungsu" panose="020B0502040204020203" pitchFamily="34" charset="0"/>
+              </a:rPr>
+              <a:t>်။ </a:t>
+            </a:r>
+            <a:r>
+              <a:rPr lang="en-US" sz="1800" dirty="0" err="1">
+                <a:latin typeface="Pyidaungsu" panose="020B0502040204020203" pitchFamily="34" charset="0"/>
+                <a:cs typeface="Pyidaungsu" panose="020B0502040204020203" pitchFamily="34" charset="0"/>
+              </a:rPr>
+              <a:t>မဟုတ်ရင</a:t>
+            </a:r>
+            <a:r>
+              <a:rPr lang="en-US" sz="1800" dirty="0">
+                <a:latin typeface="Pyidaungsu" panose="020B0502040204020203" pitchFamily="34" charset="0"/>
+                <a:cs typeface="Pyidaungsu" panose="020B0502040204020203" pitchFamily="34" charset="0"/>
+              </a:rPr>
+              <a:t>် </a:t>
+            </a:r>
+            <a:r>
+              <a:rPr lang="en-US" sz="1800" dirty="0" err="1">
+                <a:latin typeface="Pyidaungsu" panose="020B0502040204020203" pitchFamily="34" charset="0"/>
+                <a:cs typeface="Pyidaungsu" panose="020B0502040204020203" pitchFamily="34" charset="0"/>
+              </a:rPr>
+              <a:t>လမ်းလ</a:t>
+            </a:r>
+            <a:r>
+              <a:rPr lang="en-US" sz="1800" dirty="0">
+                <a:latin typeface="Pyidaungsu" panose="020B0502040204020203" pitchFamily="34" charset="0"/>
+                <a:cs typeface="Pyidaungsu" panose="020B0502040204020203" pitchFamily="34" charset="0"/>
+              </a:rPr>
+              <a:t>ျှ</a:t>
+            </a:r>
+            <a:r>
+              <a:rPr lang="en-US" sz="1800" dirty="0" err="1">
+                <a:latin typeface="Pyidaungsu" panose="020B0502040204020203" pitchFamily="34" charset="0"/>
+                <a:cs typeface="Pyidaungsu" panose="020B0502040204020203" pitchFamily="34" charset="0"/>
+              </a:rPr>
+              <a:t>ောက်ရမယ</a:t>
+            </a:r>
+            <a:r>
+              <a:rPr lang="en-US" sz="1800" dirty="0">
+                <a:latin typeface="Pyidaungsu" panose="020B0502040204020203" pitchFamily="34" charset="0"/>
+                <a:cs typeface="Pyidaungsu" panose="020B0502040204020203" pitchFamily="34" charset="0"/>
+              </a:rPr>
+              <a:t>်။</a:t>
+            </a:r>
+          </a:p>
+          <a:p>
+            <a:pPr>
+              <a:lnSpc>
+                <a:spcPct val="150000"/>
+              </a:lnSpc>
+            </a:pPr>
+            <a:r>
+              <a:rPr lang="en-US" sz="1800" dirty="0" err="1">
+                <a:latin typeface="Pyidaungsu" panose="020B0502040204020203" pitchFamily="34" charset="0"/>
+                <a:cs typeface="Pyidaungsu" panose="020B0502040204020203" pitchFamily="34" charset="0"/>
+              </a:rPr>
+              <a:t>ဒါကြောင</a:t>
+            </a:r>
+            <a:r>
+              <a:rPr lang="en-US" sz="1800" dirty="0">
+                <a:latin typeface="Pyidaungsu" panose="020B0502040204020203" pitchFamily="34" charset="0"/>
+                <a:cs typeface="Pyidaungsu" panose="020B0502040204020203" pitchFamily="34" charset="0"/>
+              </a:rPr>
+              <a:t>့် </a:t>
+            </a:r>
+            <a:r>
+              <a:rPr lang="en-US" sz="1800" dirty="0" err="1">
+                <a:latin typeface="Pyidaungsu" panose="020B0502040204020203" pitchFamily="34" charset="0"/>
+                <a:cs typeface="Pyidaungsu" panose="020B0502040204020203" pitchFamily="34" charset="0"/>
+              </a:rPr>
+              <a:t>မုန</a:t>
+            </a:r>
+            <a:r>
+              <a:rPr lang="en-US" sz="1800" dirty="0">
+                <a:latin typeface="Pyidaungsu" panose="020B0502040204020203" pitchFamily="34" charset="0"/>
+                <a:cs typeface="Pyidaungsu" panose="020B0502040204020203" pitchFamily="34" charset="0"/>
+              </a:rPr>
+              <a:t>့်</a:t>
+            </a:r>
+            <a:r>
+              <a:rPr lang="en-US" sz="1800" dirty="0" err="1">
+                <a:latin typeface="Pyidaungsu" panose="020B0502040204020203" pitchFamily="34" charset="0"/>
+                <a:cs typeface="Pyidaungsu" panose="020B0502040204020203" pitchFamily="34" charset="0"/>
+              </a:rPr>
+              <a:t>ဖိုးတောင်းရင</a:t>
+            </a:r>
+            <a:r>
+              <a:rPr lang="en-US" sz="1800" dirty="0">
+                <a:latin typeface="Pyidaungsu" panose="020B0502040204020203" pitchFamily="34" charset="0"/>
+                <a:cs typeface="Pyidaungsu" panose="020B0502040204020203" pitchFamily="34" charset="0"/>
+              </a:rPr>
+              <a:t>် </a:t>
+            </a:r>
+            <a:r>
+              <a:rPr lang="en-US" sz="1800" dirty="0" err="1">
+                <a:latin typeface="Pyidaungsu" panose="020B0502040204020203" pitchFamily="34" charset="0"/>
+                <a:cs typeface="Pyidaungsu" panose="020B0502040204020203" pitchFamily="34" charset="0"/>
+              </a:rPr>
+              <a:t>အသွားအပြန</a:t>
+            </a:r>
+            <a:r>
+              <a:rPr lang="en-US" sz="1800" dirty="0">
+                <a:latin typeface="Pyidaungsu" panose="020B0502040204020203" pitchFamily="34" charset="0"/>
+                <a:cs typeface="Pyidaungsu" panose="020B0502040204020203" pitchFamily="34" charset="0"/>
+              </a:rPr>
+              <a:t>် </a:t>
+            </a:r>
+            <a:r>
+              <a:rPr lang="en-US" sz="1800" dirty="0" err="1">
+                <a:latin typeface="Pyidaungsu" panose="020B0502040204020203" pitchFamily="34" charset="0"/>
+                <a:cs typeface="Pyidaungsu" panose="020B0502040204020203" pitchFamily="34" charset="0"/>
+              </a:rPr>
+              <a:t>လမ်းစရိတ်ထက်ပိုတောင်းရမယ</a:t>
+            </a:r>
+            <a:r>
+              <a:rPr lang="en-US" sz="1800" dirty="0">
+                <a:latin typeface="Pyidaungsu" panose="020B0502040204020203" pitchFamily="34" charset="0"/>
+                <a:cs typeface="Pyidaungsu" panose="020B0502040204020203" pitchFamily="34" charset="0"/>
+              </a:rPr>
+              <a:t>်။ </a:t>
+            </a:r>
+            <a:r>
+              <a:rPr lang="en-US" sz="1800" dirty="0" err="1">
+                <a:latin typeface="Pyidaungsu" panose="020B0502040204020203" pitchFamily="34" charset="0"/>
+                <a:cs typeface="Pyidaungsu" panose="020B0502040204020203" pitchFamily="34" charset="0"/>
+              </a:rPr>
+              <a:t>မဟုတ်ရင</a:t>
+            </a:r>
+            <a:r>
+              <a:rPr lang="en-US" sz="1800" dirty="0">
+                <a:latin typeface="Pyidaungsu" panose="020B0502040204020203" pitchFamily="34" charset="0"/>
+                <a:cs typeface="Pyidaungsu" panose="020B0502040204020203" pitchFamily="34" charset="0"/>
+              </a:rPr>
+              <a:t>် </a:t>
+            </a:r>
+            <a:r>
+              <a:rPr lang="en-US" sz="1800" dirty="0" err="1">
+                <a:latin typeface="Pyidaungsu" panose="020B0502040204020203" pitchFamily="34" charset="0"/>
+                <a:cs typeface="Pyidaungsu" panose="020B0502040204020203" pitchFamily="34" charset="0"/>
+              </a:rPr>
+              <a:t>စိတ်ကောက်ရမယ</a:t>
+            </a:r>
+            <a:r>
+              <a:rPr lang="en-US" sz="1800" dirty="0">
+                <a:latin typeface="Pyidaungsu" panose="020B0502040204020203" pitchFamily="34" charset="0"/>
+                <a:cs typeface="Pyidaungsu" panose="020B0502040204020203" pitchFamily="34" charset="0"/>
+              </a:rPr>
+              <a:t>်။</a:t>
+            </a:r>
+          </a:p>
+          <a:p>
+            <a:pPr>
+              <a:lnSpc>
+                <a:spcPct val="150000"/>
+              </a:lnSpc>
+            </a:pPr>
+            <a:r>
+              <a:rPr lang="en-US" sz="1800" dirty="0">
+                <a:latin typeface="Pyidaungsu" panose="020B0502040204020203" pitchFamily="34" charset="0"/>
+                <a:cs typeface="Pyidaungsu" panose="020B0502040204020203" pitchFamily="34" charset="0"/>
+              </a:rPr>
+              <a:t>၁၀ </a:t>
+            </a:r>
+            <a:r>
+              <a:rPr lang="en-US" sz="1800" dirty="0" err="1">
+                <a:latin typeface="Pyidaungsu" panose="020B0502040204020203" pitchFamily="34" charset="0"/>
+                <a:cs typeface="Pyidaungsu" panose="020B0502040204020203" pitchFamily="34" charset="0"/>
+              </a:rPr>
+              <a:t>နာရီအထိ</a:t>
+            </a:r>
+            <a:r>
+              <a:rPr lang="en-US" sz="1800" dirty="0">
+                <a:latin typeface="Pyidaungsu" panose="020B0502040204020203" pitchFamily="34" charset="0"/>
+                <a:cs typeface="Pyidaungsu" panose="020B0502040204020203" pitchFamily="34" charset="0"/>
+              </a:rPr>
+              <a:t> </a:t>
+            </a:r>
+            <a:r>
+              <a:rPr lang="en-US" sz="1800" dirty="0" err="1">
+                <a:latin typeface="Pyidaungsu" panose="020B0502040204020203" pitchFamily="34" charset="0"/>
+                <a:cs typeface="Pyidaungsu" panose="020B0502040204020203" pitchFamily="34" charset="0"/>
+              </a:rPr>
+              <a:t>ကျောင်းသားစောင</a:t>
+            </a:r>
+            <a:r>
+              <a:rPr lang="en-US" sz="1800" dirty="0">
+                <a:latin typeface="Pyidaungsu" panose="020B0502040204020203" pitchFamily="34" charset="0"/>
+                <a:cs typeface="Pyidaungsu" panose="020B0502040204020203" pitchFamily="34" charset="0"/>
+              </a:rPr>
+              <a:t>့်</a:t>
+            </a:r>
+            <a:r>
+              <a:rPr lang="en-US" sz="1800" dirty="0" err="1">
+                <a:latin typeface="Pyidaungsu" panose="020B0502040204020203" pitchFamily="34" charset="0"/>
+                <a:cs typeface="Pyidaungsu" panose="020B0502040204020203" pitchFamily="34" charset="0"/>
+              </a:rPr>
+              <a:t>မည</a:t>
+            </a:r>
+            <a:r>
+              <a:rPr lang="en-US" sz="1800" dirty="0">
+                <a:latin typeface="Pyidaungsu" panose="020B0502040204020203" pitchFamily="34" charset="0"/>
+                <a:cs typeface="Pyidaungsu" panose="020B0502040204020203" pitchFamily="34" charset="0"/>
+              </a:rPr>
+              <a:t>်။ </a:t>
+            </a:r>
+            <a:r>
+              <a:rPr lang="en-US" sz="1800" dirty="0" err="1">
+                <a:latin typeface="Pyidaungsu" panose="020B0502040204020203" pitchFamily="34" charset="0"/>
+                <a:cs typeface="Pyidaungsu" panose="020B0502040204020203" pitchFamily="34" charset="0"/>
+              </a:rPr>
+              <a:t>ကျော်သွားရင</a:t>
+            </a:r>
+            <a:r>
+              <a:rPr lang="en-US" sz="1800" dirty="0">
+                <a:latin typeface="Pyidaungsu" panose="020B0502040204020203" pitchFamily="34" charset="0"/>
+                <a:cs typeface="Pyidaungsu" panose="020B0502040204020203" pitchFamily="34" charset="0"/>
+              </a:rPr>
+              <a:t>် </a:t>
+            </a:r>
+            <a:r>
+              <a:rPr lang="en-US" sz="1800" dirty="0" err="1">
+                <a:latin typeface="Pyidaungsu" panose="020B0502040204020203" pitchFamily="34" charset="0"/>
+                <a:cs typeface="Pyidaungsu" panose="020B0502040204020203" pitchFamily="34" charset="0"/>
+              </a:rPr>
+              <a:t>စာစသင်မယ</a:t>
+            </a:r>
+            <a:r>
+              <a:rPr lang="en-US" sz="1800" dirty="0">
+                <a:latin typeface="Pyidaungsu" panose="020B0502040204020203" pitchFamily="34" charset="0"/>
+                <a:cs typeface="Pyidaungsu" panose="020B0502040204020203" pitchFamily="34" charset="0"/>
+              </a:rPr>
+              <a:t>်။</a:t>
+            </a:r>
+          </a:p>
+          <a:p>
+            <a:pPr>
+              <a:lnSpc>
+                <a:spcPct val="150000"/>
+              </a:lnSpc>
+            </a:pPr>
+            <a:r>
+              <a:rPr lang="en-US" sz="1800" dirty="0" err="1">
+                <a:latin typeface="Pyidaungsu" panose="020B0502040204020203" pitchFamily="34" charset="0"/>
+                <a:cs typeface="Pyidaungsu" panose="020B0502040204020203" pitchFamily="34" charset="0"/>
+              </a:rPr>
+              <a:t>စာမေးပွဲမှာ</a:t>
+            </a:r>
+            <a:r>
+              <a:rPr lang="en-US" sz="1800" dirty="0">
+                <a:latin typeface="Pyidaungsu" panose="020B0502040204020203" pitchFamily="34" charset="0"/>
+                <a:cs typeface="Pyidaungsu" panose="020B0502040204020203" pitchFamily="34" charset="0"/>
+              </a:rPr>
+              <a:t> </a:t>
+            </a:r>
+            <a:r>
+              <a:rPr lang="en-US" sz="1800" dirty="0" err="1">
+                <a:latin typeface="Pyidaungsu" panose="020B0502040204020203" pitchFamily="34" charset="0"/>
+                <a:cs typeface="Pyidaungsu" panose="020B0502040204020203" pitchFamily="34" charset="0"/>
+              </a:rPr>
+              <a:t>အမှတ</a:t>
+            </a:r>
+            <a:r>
+              <a:rPr lang="en-US" sz="1800" dirty="0">
+                <a:latin typeface="Pyidaungsu" panose="020B0502040204020203" pitchFamily="34" charset="0"/>
+                <a:cs typeface="Pyidaungsu" panose="020B0502040204020203" pitchFamily="34" charset="0"/>
+              </a:rPr>
+              <a:t>် ၄၀ </a:t>
+            </a:r>
+            <a:r>
+              <a:rPr lang="en-US" sz="1800" dirty="0" err="1">
+                <a:latin typeface="Pyidaungsu" panose="020B0502040204020203" pitchFamily="34" charset="0"/>
+                <a:cs typeface="Pyidaungsu" panose="020B0502040204020203" pitchFamily="34" charset="0"/>
+              </a:rPr>
+              <a:t>အောက်ဆိုကျတယ</a:t>
+            </a:r>
+            <a:r>
+              <a:rPr lang="en-US" sz="1800" dirty="0">
+                <a:latin typeface="Pyidaungsu" panose="020B0502040204020203" pitchFamily="34" charset="0"/>
+                <a:cs typeface="Pyidaungsu" panose="020B0502040204020203" pitchFamily="34" charset="0"/>
+              </a:rPr>
+              <a:t>်။ </a:t>
+            </a:r>
+            <a:r>
+              <a:rPr lang="en-US" sz="1800" dirty="0" err="1">
+                <a:latin typeface="Pyidaungsu" panose="020B0502040204020203" pitchFamily="34" charset="0"/>
+                <a:cs typeface="Pyidaungsu" panose="020B0502040204020203" pitchFamily="34" charset="0"/>
+              </a:rPr>
+              <a:t>အမှတ</a:t>
+            </a:r>
+            <a:r>
+              <a:rPr lang="en-US" sz="1800" dirty="0">
+                <a:latin typeface="Pyidaungsu" panose="020B0502040204020203" pitchFamily="34" charset="0"/>
+                <a:cs typeface="Pyidaungsu" panose="020B0502040204020203" pitchFamily="34" charset="0"/>
+              </a:rPr>
+              <a:t>် ၄၀ </a:t>
+            </a:r>
+            <a:r>
+              <a:rPr lang="en-US" sz="1800" dirty="0" err="1">
+                <a:latin typeface="Pyidaungsu" panose="020B0502040204020203" pitchFamily="34" charset="0"/>
+                <a:cs typeface="Pyidaungsu" panose="020B0502040204020203" pitchFamily="34" charset="0"/>
+              </a:rPr>
+              <a:t>အထက်မှအောင်မယ</a:t>
+            </a:r>
+            <a:r>
+              <a:rPr lang="en-US" sz="1800" dirty="0">
+                <a:latin typeface="Pyidaungsu" panose="020B0502040204020203" pitchFamily="34" charset="0"/>
+                <a:cs typeface="Pyidaungsu" panose="020B0502040204020203" pitchFamily="34" charset="0"/>
+              </a:rPr>
+              <a:t>်။ ၈၀ </a:t>
+            </a:r>
+            <a:r>
+              <a:rPr lang="en-US" sz="1800" dirty="0" err="1">
+                <a:latin typeface="Pyidaungsu" panose="020B0502040204020203" pitchFamily="34" charset="0"/>
+                <a:cs typeface="Pyidaungsu" panose="020B0502040204020203" pitchFamily="34" charset="0"/>
+              </a:rPr>
+              <a:t>ကျော်ရင</a:t>
+            </a:r>
+            <a:r>
+              <a:rPr lang="en-US" sz="1800" dirty="0">
+                <a:latin typeface="Pyidaungsu" panose="020B0502040204020203" pitchFamily="34" charset="0"/>
+                <a:cs typeface="Pyidaungsu" panose="020B0502040204020203" pitchFamily="34" charset="0"/>
+              </a:rPr>
+              <a:t>် </a:t>
+            </a:r>
+            <a:r>
+              <a:rPr lang="en-US" sz="1800" dirty="0" err="1">
+                <a:latin typeface="Pyidaungsu" panose="020B0502040204020203" pitchFamily="34" charset="0"/>
+                <a:cs typeface="Pyidaungsu" panose="020B0502040204020203" pitchFamily="34" charset="0"/>
+              </a:rPr>
+              <a:t>ဂုဏ်ထူးထွက်မယ</a:t>
+            </a:r>
+            <a:r>
+              <a:rPr lang="en-US" sz="1800" dirty="0">
+                <a:latin typeface="Pyidaungsu" panose="020B0502040204020203" pitchFamily="34" charset="0"/>
+                <a:cs typeface="Pyidaungsu" panose="020B0502040204020203" pitchFamily="34" charset="0"/>
+              </a:rPr>
+              <a:t>်။</a:t>
+            </a:r>
+          </a:p>
+        </p:txBody>
+      </p:sp>
+    </p:spTree>
+    <p:extLst>
+      <p:ext uri="{BB962C8B-B14F-4D97-AF65-F5344CB8AC3E}">
+        <p14:creationId xmlns:p14="http://schemas.microsoft.com/office/powerpoint/2010/main" val="1317589222"/>
+      </p:ext>
+    </p:extLst>
+  </p:cSld>
+  <p:clrMapOvr>
+    <a:masterClrMapping/>
+  </p:clrMapOvr>
+</p:sld>
+</file>
+
+<file path=ppt/slides/slide24.xml><?xml version="1.0" encoding="utf-8"?>
+<p:sld xmlns:a="http://schemas.openxmlformats.org/drawingml/2006/main" xmlns:r="http://schemas.openxmlformats.org/officeDocument/2006/relationships" xmlns:p="http://schemas.openxmlformats.org/presentationml/2006/main">
+  <p:cSld>
+    <p:spTree>
+      <p:nvGrpSpPr>
+        <p:cNvPr id="1" name=""/>
+        <p:cNvGrpSpPr/>
+        <p:nvPr/>
+      </p:nvGrpSpPr>
+      <p:grpSpPr>
+        <a:xfrm>
+          <a:off x="0" y="0"/>
+          <a:ext cx="0" cy="0"/>
+          <a:chOff x="0" y="0"/>
+          <a:chExt cx="0" cy="0"/>
+        </a:xfrm>
+      </p:grpSpPr>
+      <p:sp>
+        <p:nvSpPr>
+          <p:cNvPr id="2" name="Title 1">
+            <a:extLst>
+              <a:ext uri="{FF2B5EF4-FFF2-40B4-BE49-F238E27FC236}">
+                <a16:creationId xmlns:a16="http://schemas.microsoft.com/office/drawing/2014/main" id="{DB266001-2DAB-468C-AD75-27662400D8BA}"/>
+              </a:ext>
+            </a:extLst>
+          </p:cNvPr>
+          <p:cNvSpPr>
+            <a:spLocks noGrp="1"/>
+          </p:cNvSpPr>
+          <p:nvPr>
+            <p:ph type="title"/>
+          </p:nvPr>
+        </p:nvSpPr>
+        <p:spPr/>
+        <p:txBody>
+          <a:bodyPr>
+            <a:normAutofit/>
+          </a:bodyPr>
+          <a:lstStyle/>
+          <a:p>
+            <a:r>
+              <a:rPr lang="en-US" sz="3600" b="1" dirty="0"/>
+              <a:t>Using Logic Operator ( more than one condition )</a:t>
+            </a:r>
+          </a:p>
+        </p:txBody>
+      </p:sp>
+      <p:sp>
+        <p:nvSpPr>
+          <p:cNvPr id="3" name="Content Placeholder 2">
+            <a:extLst>
+              <a:ext uri="{FF2B5EF4-FFF2-40B4-BE49-F238E27FC236}">
+                <a16:creationId xmlns:a16="http://schemas.microsoft.com/office/drawing/2014/main" id="{F0C63782-4EBC-4CFD-8824-FA31279604AA}"/>
+              </a:ext>
+            </a:extLst>
+          </p:cNvPr>
+          <p:cNvSpPr>
+            <a:spLocks noGrp="1"/>
+          </p:cNvSpPr>
+          <p:nvPr>
+            <p:ph idx="1"/>
+          </p:nvPr>
+        </p:nvSpPr>
+        <p:spPr/>
+        <p:txBody>
+          <a:bodyPr>
+            <a:normAutofit/>
+          </a:bodyPr>
+          <a:lstStyle/>
+          <a:p>
+            <a:pPr>
+              <a:lnSpc>
+                <a:spcPct val="150000"/>
+              </a:lnSpc>
+            </a:pPr>
+            <a:r>
+              <a:rPr lang="en-US" sz="1800" dirty="0">
+                <a:latin typeface="Pyidaungsu" panose="020B0502040204020203" pitchFamily="34" charset="0"/>
+                <a:cs typeface="Pyidaungsu" panose="020B0502040204020203" pitchFamily="34" charset="0"/>
+              </a:rPr>
+              <a:t>&amp;&amp; ( </a:t>
+            </a:r>
+            <a:r>
+              <a:rPr lang="en-US" sz="1800" dirty="0" err="1">
+                <a:latin typeface="Pyidaungsu" panose="020B0502040204020203" pitchFamily="34" charset="0"/>
+                <a:cs typeface="Pyidaungsu" panose="020B0502040204020203" pitchFamily="34" charset="0"/>
+              </a:rPr>
+              <a:t>အကုန်မှန</a:t>
+            </a:r>
+            <a:r>
+              <a:rPr lang="en-US" sz="1800" dirty="0">
+                <a:latin typeface="Pyidaungsu" panose="020B0502040204020203" pitchFamily="34" charset="0"/>
+                <a:cs typeface="Pyidaungsu" panose="020B0502040204020203" pitchFamily="34" charset="0"/>
+              </a:rPr>
+              <a:t>် ), || ( </a:t>
+            </a:r>
+            <a:r>
+              <a:rPr lang="en-US" sz="1800" dirty="0" err="1">
+                <a:latin typeface="Pyidaungsu" panose="020B0502040204020203" pitchFamily="34" charset="0"/>
+                <a:cs typeface="Pyidaungsu" panose="020B0502040204020203" pitchFamily="34" charset="0"/>
+              </a:rPr>
+              <a:t>တစ်ခုမဟုတ်တစ်ခုမှန</a:t>
+            </a:r>
+            <a:r>
+              <a:rPr lang="en-US" sz="1800" dirty="0">
+                <a:latin typeface="Pyidaungsu" panose="020B0502040204020203" pitchFamily="34" charset="0"/>
+                <a:cs typeface="Pyidaungsu" panose="020B0502040204020203" pitchFamily="34" charset="0"/>
+              </a:rPr>
+              <a:t>် ), ! ( </a:t>
+            </a:r>
+            <a:r>
+              <a:rPr lang="en-US" sz="1800" dirty="0" err="1">
+                <a:latin typeface="Pyidaungsu" panose="020B0502040204020203" pitchFamily="34" charset="0"/>
+                <a:cs typeface="Pyidaungsu" panose="020B0502040204020203" pitchFamily="34" charset="0"/>
+              </a:rPr>
+              <a:t>ဆန</a:t>
+            </a:r>
+            <a:r>
+              <a:rPr lang="en-US" sz="1800" dirty="0">
+                <a:latin typeface="Pyidaungsu" panose="020B0502040204020203" pitchFamily="34" charset="0"/>
+                <a:cs typeface="Pyidaungsu" panose="020B0502040204020203" pitchFamily="34" charset="0"/>
+              </a:rPr>
+              <a:t>့်</a:t>
+            </a:r>
+            <a:r>
+              <a:rPr lang="en-US" sz="1800" dirty="0" err="1">
+                <a:latin typeface="Pyidaungsu" panose="020B0502040204020203" pitchFamily="34" charset="0"/>
+                <a:cs typeface="Pyidaungsu" panose="020B0502040204020203" pitchFamily="34" charset="0"/>
+              </a:rPr>
+              <a:t>ကျင်ဘက</a:t>
+            </a:r>
+            <a:r>
+              <a:rPr lang="en-US" sz="1800" dirty="0">
+                <a:latin typeface="Pyidaungsu" panose="020B0502040204020203" pitchFamily="34" charset="0"/>
+                <a:cs typeface="Pyidaungsu" panose="020B0502040204020203" pitchFamily="34" charset="0"/>
+              </a:rPr>
+              <a:t>် )</a:t>
+            </a:r>
+          </a:p>
+          <a:p>
+            <a:pPr>
+              <a:lnSpc>
+                <a:spcPct val="150000"/>
+              </a:lnSpc>
+            </a:pPr>
+            <a:r>
+              <a:rPr lang="en-US" sz="1800" dirty="0" err="1">
+                <a:latin typeface="Pyidaungsu" panose="020B0502040204020203" pitchFamily="34" charset="0"/>
+                <a:cs typeface="Pyidaungsu" panose="020B0502040204020203" pitchFamily="34" charset="0"/>
+              </a:rPr>
+              <a:t>ရေးဖြေရမှတ</a:t>
+            </a:r>
+            <a:r>
+              <a:rPr lang="en-US" sz="1800" dirty="0">
+                <a:latin typeface="Pyidaungsu" panose="020B0502040204020203" pitchFamily="34" charset="0"/>
+                <a:cs typeface="Pyidaungsu" panose="020B0502040204020203" pitchFamily="34" charset="0"/>
+              </a:rPr>
+              <a:t>် </a:t>
+            </a:r>
+            <a:r>
+              <a:rPr lang="en-US" sz="1800" dirty="0" err="1">
+                <a:latin typeface="Pyidaungsu" panose="020B0502040204020203" pitchFamily="34" charset="0"/>
+                <a:cs typeface="Pyidaungsu" panose="020B0502040204020203" pitchFamily="34" charset="0"/>
+              </a:rPr>
+              <a:t>နှုတ်ဖြေရမှတ</a:t>
+            </a:r>
+            <a:r>
+              <a:rPr lang="en-US" sz="1800" dirty="0">
+                <a:latin typeface="Pyidaungsu" panose="020B0502040204020203" pitchFamily="34" charset="0"/>
+                <a:cs typeface="Pyidaungsu" panose="020B0502040204020203" pitchFamily="34" charset="0"/>
+              </a:rPr>
+              <a:t>် </a:t>
+            </a:r>
+            <a:r>
+              <a:rPr lang="en-US" sz="1800" dirty="0" err="1">
+                <a:latin typeface="Pyidaungsu" panose="020B0502040204020203" pitchFamily="34" charset="0"/>
+                <a:cs typeface="Pyidaungsu" panose="020B0502040204020203" pitchFamily="34" charset="0"/>
+              </a:rPr>
+              <a:t>နှစ်ခုလုံး</a:t>
+            </a:r>
+            <a:r>
+              <a:rPr lang="en-US" sz="1800" dirty="0">
+                <a:latin typeface="Pyidaungsu" panose="020B0502040204020203" pitchFamily="34" charset="0"/>
+                <a:cs typeface="Pyidaungsu" panose="020B0502040204020203" pitchFamily="34" charset="0"/>
+              </a:rPr>
+              <a:t> ၆၀ </a:t>
+            </a:r>
+            <a:r>
+              <a:rPr lang="en-US" sz="1800" dirty="0" err="1">
+                <a:latin typeface="Pyidaungsu" panose="020B0502040204020203" pitchFamily="34" charset="0"/>
+                <a:cs typeface="Pyidaungsu" panose="020B0502040204020203" pitchFamily="34" charset="0"/>
+              </a:rPr>
+              <a:t>ကျော်မ</a:t>
+            </a:r>
+            <a:r>
+              <a:rPr lang="en-US" sz="1800" dirty="0">
+                <a:latin typeface="Pyidaungsu" panose="020B0502040204020203" pitchFamily="34" charset="0"/>
+                <a:cs typeface="Pyidaungsu" panose="020B0502040204020203" pitchFamily="34" charset="0"/>
+              </a:rPr>
+              <a:t>ှ </a:t>
+            </a:r>
+            <a:r>
+              <a:rPr lang="en-US" sz="1800" dirty="0" err="1">
+                <a:latin typeface="Pyidaungsu" panose="020B0502040204020203" pitchFamily="34" charset="0"/>
+                <a:cs typeface="Pyidaungsu" panose="020B0502040204020203" pitchFamily="34" charset="0"/>
+              </a:rPr>
+              <a:t>ကျောင်းဝင်ခွင</a:t>
+            </a:r>
+            <a:r>
+              <a:rPr lang="en-US" sz="1800" dirty="0">
+                <a:latin typeface="Pyidaungsu" panose="020B0502040204020203" pitchFamily="34" charset="0"/>
+                <a:cs typeface="Pyidaungsu" panose="020B0502040204020203" pitchFamily="34" charset="0"/>
+              </a:rPr>
+              <a:t>့်</a:t>
+            </a:r>
+            <a:r>
+              <a:rPr lang="en-US" sz="1800" dirty="0" err="1">
+                <a:latin typeface="Pyidaungsu" panose="020B0502040204020203" pitchFamily="34" charset="0"/>
+                <a:cs typeface="Pyidaungsu" panose="020B0502040204020203" pitchFamily="34" charset="0"/>
+              </a:rPr>
+              <a:t>ရမည</a:t>
+            </a:r>
+            <a:r>
+              <a:rPr lang="en-US" sz="1800" dirty="0">
+                <a:latin typeface="Pyidaungsu" panose="020B0502040204020203" pitchFamily="34" charset="0"/>
+                <a:cs typeface="Pyidaungsu" panose="020B0502040204020203" pitchFamily="34" charset="0"/>
+              </a:rPr>
+              <a:t>်။</a:t>
+            </a:r>
+          </a:p>
+          <a:p>
+            <a:pPr>
+              <a:lnSpc>
+                <a:spcPct val="150000"/>
+              </a:lnSpc>
+            </a:pPr>
+            <a:r>
+              <a:rPr lang="en-US" sz="1800" dirty="0">
+                <a:latin typeface="Pyidaungsu" panose="020B0502040204020203" pitchFamily="34" charset="0"/>
+                <a:cs typeface="Pyidaungsu" panose="020B0502040204020203" pitchFamily="34" charset="0"/>
+              </a:rPr>
+              <a:t>vote </a:t>
+            </a:r>
+            <a:r>
+              <a:rPr lang="en-US" sz="1800" dirty="0" err="1">
+                <a:latin typeface="Pyidaungsu" panose="020B0502040204020203" pitchFamily="34" charset="0"/>
+                <a:cs typeface="Pyidaungsu" panose="020B0502040204020203" pitchFamily="34" charset="0"/>
+              </a:rPr>
+              <a:t>ပေးနိုင်ဖို</a:t>
+            </a:r>
+            <a:r>
+              <a:rPr lang="en-US" sz="1800" dirty="0">
+                <a:latin typeface="Pyidaungsu" panose="020B0502040204020203" pitchFamily="34" charset="0"/>
+                <a:cs typeface="Pyidaungsu" panose="020B0502040204020203" pitchFamily="34" charset="0"/>
+              </a:rPr>
+              <a:t>့ </a:t>
+            </a:r>
+            <a:r>
+              <a:rPr lang="en-US" sz="1800" dirty="0" err="1">
+                <a:latin typeface="Pyidaungsu" panose="020B0502040204020203" pitchFamily="34" charset="0"/>
+                <a:cs typeface="Pyidaungsu" panose="020B0502040204020203" pitchFamily="34" charset="0"/>
+              </a:rPr>
+              <a:t>အသက</a:t>
+            </a:r>
+            <a:r>
+              <a:rPr lang="en-US" sz="1800" dirty="0">
+                <a:latin typeface="Pyidaungsu" panose="020B0502040204020203" pitchFamily="34" charset="0"/>
+                <a:cs typeface="Pyidaungsu" panose="020B0502040204020203" pitchFamily="34" charset="0"/>
+              </a:rPr>
+              <a:t>် ၁၈ </a:t>
+            </a:r>
+            <a:r>
+              <a:rPr lang="en-US" sz="1800" dirty="0" err="1">
+                <a:latin typeface="Pyidaungsu" panose="020B0502040204020203" pitchFamily="34" charset="0"/>
+                <a:cs typeface="Pyidaungsu" panose="020B0502040204020203" pitchFamily="34" charset="0"/>
+              </a:rPr>
+              <a:t>နှစ</a:t>
+            </a:r>
+            <a:r>
+              <a:rPr lang="en-US" sz="1800" dirty="0">
+                <a:latin typeface="Pyidaungsu" panose="020B0502040204020203" pitchFamily="34" charset="0"/>
+                <a:cs typeface="Pyidaungsu" panose="020B0502040204020203" pitchFamily="34" charset="0"/>
+              </a:rPr>
+              <a:t>် </a:t>
+            </a:r>
+            <a:r>
+              <a:rPr lang="en-US" sz="1800" dirty="0" err="1">
+                <a:latin typeface="Pyidaungsu" panose="020B0502040204020203" pitchFamily="34" charset="0"/>
+                <a:cs typeface="Pyidaungsu" panose="020B0502040204020203" pitchFamily="34" charset="0"/>
+              </a:rPr>
+              <a:t>အထက်လည်းဖြစ်ရမယ</a:t>
+            </a:r>
+            <a:r>
+              <a:rPr lang="en-US" sz="1800" dirty="0">
+                <a:latin typeface="Pyidaungsu" panose="020B0502040204020203" pitchFamily="34" charset="0"/>
+                <a:cs typeface="Pyidaungsu" panose="020B0502040204020203" pitchFamily="34" charset="0"/>
+              </a:rPr>
+              <a:t>်။ </a:t>
+            </a:r>
+            <a:r>
+              <a:rPr lang="en-US" sz="1800" dirty="0" err="1">
+                <a:latin typeface="Pyidaungsu" panose="020B0502040204020203" pitchFamily="34" charset="0"/>
+                <a:cs typeface="Pyidaungsu" panose="020B0502040204020203" pitchFamily="34" charset="0"/>
+              </a:rPr>
+              <a:t>နိုင်ငံသားလည်းဖြစ်ရမယ</a:t>
+            </a:r>
+            <a:r>
+              <a:rPr lang="en-US" sz="1800" dirty="0">
+                <a:latin typeface="Pyidaungsu" panose="020B0502040204020203" pitchFamily="34" charset="0"/>
+                <a:cs typeface="Pyidaungsu" panose="020B0502040204020203" pitchFamily="34" charset="0"/>
+              </a:rPr>
+              <a:t>်။</a:t>
+            </a:r>
+          </a:p>
+          <a:p>
+            <a:pPr>
+              <a:lnSpc>
+                <a:spcPct val="150000"/>
+              </a:lnSpc>
+            </a:pPr>
+            <a:r>
+              <a:rPr lang="en-US" sz="1800" dirty="0">
+                <a:latin typeface="Pyidaungsu" panose="020B0502040204020203" pitchFamily="34" charset="0"/>
+                <a:cs typeface="Pyidaungsu" panose="020B0502040204020203" pitchFamily="34" charset="0"/>
+              </a:rPr>
+              <a:t>MMS IT </a:t>
+            </a:r>
+            <a:r>
+              <a:rPr lang="en-US" sz="1800" dirty="0" err="1">
+                <a:latin typeface="Pyidaungsu" panose="020B0502040204020203" pitchFamily="34" charset="0"/>
+                <a:cs typeface="Pyidaungsu" panose="020B0502040204020203" pitchFamily="34" charset="0"/>
+              </a:rPr>
+              <a:t>ကျောက်မြောင်း</a:t>
+            </a:r>
+            <a:r>
+              <a:rPr lang="en-US" sz="1800" dirty="0">
+                <a:latin typeface="Pyidaungsu" panose="020B0502040204020203" pitchFamily="34" charset="0"/>
+                <a:cs typeface="Pyidaungsu" panose="020B0502040204020203" pitchFamily="34" charset="0"/>
+              </a:rPr>
+              <a:t> campus </a:t>
+            </a:r>
+            <a:r>
+              <a:rPr lang="en-US" sz="1800" dirty="0" err="1">
+                <a:latin typeface="Pyidaungsu" panose="020B0502040204020203" pitchFamily="34" charset="0"/>
+                <a:cs typeface="Pyidaungsu" panose="020B0502040204020203" pitchFamily="34" charset="0"/>
+              </a:rPr>
+              <a:t>ကို</a:t>
+            </a:r>
+            <a:r>
+              <a:rPr lang="en-US" sz="1800" dirty="0">
+                <a:latin typeface="Pyidaungsu" panose="020B0502040204020203" pitchFamily="34" charset="0"/>
+                <a:cs typeface="Pyidaungsu" panose="020B0502040204020203" pitchFamily="34" charset="0"/>
+              </a:rPr>
+              <a:t> </a:t>
+            </a:r>
+            <a:r>
+              <a:rPr lang="en-US" sz="1800" dirty="0" err="1">
+                <a:latin typeface="Pyidaungsu" panose="020B0502040204020203" pitchFamily="34" charset="0"/>
+                <a:cs typeface="Pyidaungsu" panose="020B0502040204020203" pitchFamily="34" charset="0"/>
+              </a:rPr>
+              <a:t>မြေနီကုန်းမ</a:t>
+            </a:r>
+            <a:r>
+              <a:rPr lang="en-US" sz="1800" dirty="0">
+                <a:latin typeface="Pyidaungsu" panose="020B0502040204020203" pitchFamily="34" charset="0"/>
+                <a:cs typeface="Pyidaungsu" panose="020B0502040204020203" pitchFamily="34" charset="0"/>
+              </a:rPr>
+              <a:t>ှ </a:t>
+            </a:r>
+            <a:r>
+              <a:rPr lang="en-US" sz="1800" dirty="0" err="1">
+                <a:latin typeface="Pyidaungsu" panose="020B0502040204020203" pitchFamily="34" charset="0"/>
+                <a:cs typeface="Pyidaungsu" panose="020B0502040204020203" pitchFamily="34" charset="0"/>
+              </a:rPr>
+              <a:t>လာဖို</a:t>
+            </a:r>
+            <a:r>
+              <a:rPr lang="en-US" sz="1800" dirty="0">
+                <a:latin typeface="Pyidaungsu" panose="020B0502040204020203" pitchFamily="34" charset="0"/>
+                <a:cs typeface="Pyidaungsu" panose="020B0502040204020203" pitchFamily="34" charset="0"/>
+              </a:rPr>
+              <a:t>့ YBS 65 </a:t>
+            </a:r>
+            <a:r>
+              <a:rPr lang="en-US" sz="1800" dirty="0" err="1">
+                <a:latin typeface="Pyidaungsu" panose="020B0502040204020203" pitchFamily="34" charset="0"/>
+                <a:cs typeface="Pyidaungsu" panose="020B0502040204020203" pitchFamily="34" charset="0"/>
+              </a:rPr>
+              <a:t>စီးလည်းရောက်တယ</a:t>
+            </a:r>
+            <a:r>
+              <a:rPr lang="en-US" sz="1800" dirty="0">
+                <a:latin typeface="Pyidaungsu" panose="020B0502040204020203" pitchFamily="34" charset="0"/>
+                <a:cs typeface="Pyidaungsu" panose="020B0502040204020203" pitchFamily="34" charset="0"/>
+              </a:rPr>
+              <a:t>်။ YBS 20 </a:t>
+            </a:r>
+            <a:r>
+              <a:rPr lang="en-US" sz="1800" dirty="0" err="1">
+                <a:latin typeface="Pyidaungsu" panose="020B0502040204020203" pitchFamily="34" charset="0"/>
+                <a:cs typeface="Pyidaungsu" panose="020B0502040204020203" pitchFamily="34" charset="0"/>
+              </a:rPr>
+              <a:t>စီးလည်းရောက်တယ</a:t>
+            </a:r>
+            <a:r>
+              <a:rPr lang="en-US" sz="1800" dirty="0">
+                <a:latin typeface="Pyidaungsu" panose="020B0502040204020203" pitchFamily="34" charset="0"/>
+                <a:cs typeface="Pyidaungsu" panose="020B0502040204020203" pitchFamily="34" charset="0"/>
+              </a:rPr>
+              <a:t>်။ </a:t>
+            </a:r>
+            <a:r>
+              <a:rPr lang="en-US" sz="1800" dirty="0" err="1">
+                <a:latin typeface="Pyidaungsu" panose="020B0502040204020203" pitchFamily="34" charset="0"/>
+                <a:cs typeface="Pyidaungsu" panose="020B0502040204020203" pitchFamily="34" charset="0"/>
+              </a:rPr>
+              <a:t>အခြားကားများ</a:t>
+            </a:r>
+            <a:r>
+              <a:rPr lang="en-US" sz="1800" dirty="0">
+                <a:latin typeface="Pyidaungsu" panose="020B0502040204020203" pitchFamily="34" charset="0"/>
+                <a:cs typeface="Pyidaungsu" panose="020B0502040204020203" pitchFamily="34" charset="0"/>
+              </a:rPr>
+              <a:t> </a:t>
+            </a:r>
+            <a:r>
+              <a:rPr lang="en-US" sz="1800" dirty="0" err="1">
+                <a:latin typeface="Pyidaungsu" panose="020B0502040204020203" pitchFamily="34" charset="0"/>
+                <a:cs typeface="Pyidaungsu" panose="020B0502040204020203" pitchFamily="34" charset="0"/>
+              </a:rPr>
+              <a:t>မရောက်ပ</a:t>
+            </a:r>
+            <a:r>
+              <a:rPr lang="en-US" sz="1800" dirty="0">
+                <a:latin typeface="Pyidaungsu" panose="020B0502040204020203" pitchFamily="34" charset="0"/>
+                <a:cs typeface="Pyidaungsu" panose="020B0502040204020203" pitchFamily="34" charset="0"/>
+              </a:rPr>
+              <a:t>ါ</a:t>
+            </a:r>
+          </a:p>
+          <a:p>
+            <a:pPr>
+              <a:lnSpc>
+                <a:spcPct val="150000"/>
+              </a:lnSpc>
+            </a:pPr>
+            <a:r>
+              <a:rPr lang="en-US" sz="1800" dirty="0">
+                <a:latin typeface="Pyidaungsu" panose="020B0502040204020203" pitchFamily="34" charset="0"/>
+                <a:cs typeface="Pyidaungsu" panose="020B0502040204020203" pitchFamily="34" charset="0"/>
+              </a:rPr>
+              <a:t>hotpot </a:t>
+            </a:r>
+            <a:r>
+              <a:rPr lang="en-US" sz="1800" dirty="0" err="1">
+                <a:latin typeface="Pyidaungsu" panose="020B0502040204020203" pitchFamily="34" charset="0"/>
+                <a:cs typeface="Pyidaungsu" panose="020B0502040204020203" pitchFamily="34" charset="0"/>
+              </a:rPr>
+              <a:t>စားလည်း</a:t>
+            </a:r>
+            <a:r>
+              <a:rPr lang="en-US" sz="1800" dirty="0">
+                <a:latin typeface="Pyidaungsu" panose="020B0502040204020203" pitchFamily="34" charset="0"/>
+                <a:cs typeface="Pyidaungsu" panose="020B0502040204020203" pitchFamily="34" charset="0"/>
+              </a:rPr>
+              <a:t> </a:t>
+            </a:r>
+            <a:r>
+              <a:rPr lang="en-US" sz="1800" dirty="0" err="1">
+                <a:latin typeface="Pyidaungsu" panose="020B0502040204020203" pitchFamily="34" charset="0"/>
+                <a:cs typeface="Pyidaungsu" panose="020B0502040204020203" pitchFamily="34" charset="0"/>
+              </a:rPr>
+              <a:t>ဗိုက်ဝတယ</a:t>
+            </a:r>
+            <a:r>
+              <a:rPr lang="en-US" sz="1800" dirty="0">
+                <a:latin typeface="Pyidaungsu" panose="020B0502040204020203" pitchFamily="34" charset="0"/>
+                <a:cs typeface="Pyidaungsu" panose="020B0502040204020203" pitchFamily="34" charset="0"/>
+              </a:rPr>
+              <a:t>်။ </a:t>
+            </a:r>
+            <a:r>
+              <a:rPr lang="en-US" sz="1800" dirty="0" err="1">
+                <a:latin typeface="Pyidaungsu" panose="020B0502040204020203" pitchFamily="34" charset="0"/>
+                <a:cs typeface="Pyidaungsu" panose="020B0502040204020203" pitchFamily="34" charset="0"/>
+              </a:rPr>
+              <a:t>မာလာရှမ်းကော</a:t>
+            </a:r>
+            <a:r>
+              <a:rPr lang="en-US" sz="1800" dirty="0">
+                <a:latin typeface="Pyidaungsu" panose="020B0502040204020203" pitchFamily="34" charset="0"/>
+                <a:cs typeface="Pyidaungsu" panose="020B0502040204020203" pitchFamily="34" charset="0"/>
+              </a:rPr>
+              <a:t> </a:t>
+            </a:r>
+            <a:r>
+              <a:rPr lang="en-US" sz="1800" dirty="0" err="1">
+                <a:latin typeface="Pyidaungsu" panose="020B0502040204020203" pitchFamily="34" charset="0"/>
+                <a:cs typeface="Pyidaungsu" panose="020B0502040204020203" pitchFamily="34" charset="0"/>
+              </a:rPr>
+              <a:t>စားလည်း</a:t>
+            </a:r>
+            <a:r>
+              <a:rPr lang="en-US" sz="1800" dirty="0">
+                <a:latin typeface="Pyidaungsu" panose="020B0502040204020203" pitchFamily="34" charset="0"/>
+                <a:cs typeface="Pyidaungsu" panose="020B0502040204020203" pitchFamily="34" charset="0"/>
+              </a:rPr>
+              <a:t> </a:t>
+            </a:r>
+            <a:r>
+              <a:rPr lang="en-US" sz="1800" dirty="0" err="1">
+                <a:latin typeface="Pyidaungsu" panose="020B0502040204020203" pitchFamily="34" charset="0"/>
+                <a:cs typeface="Pyidaungsu" panose="020B0502040204020203" pitchFamily="34" charset="0"/>
+              </a:rPr>
+              <a:t>ဗိုက်ဝတယ</a:t>
+            </a:r>
+            <a:r>
+              <a:rPr lang="en-US" sz="1800" dirty="0">
+                <a:latin typeface="Pyidaungsu" panose="020B0502040204020203" pitchFamily="34" charset="0"/>
+                <a:cs typeface="Pyidaungsu" panose="020B0502040204020203" pitchFamily="34" charset="0"/>
+              </a:rPr>
+              <a:t>်။ ice cream </a:t>
+            </a:r>
+            <a:r>
+              <a:rPr lang="en-US" sz="1800" dirty="0" err="1">
+                <a:latin typeface="Pyidaungsu" panose="020B0502040204020203" pitchFamily="34" charset="0"/>
+                <a:cs typeface="Pyidaungsu" panose="020B0502040204020203" pitchFamily="34" charset="0"/>
+              </a:rPr>
+              <a:t>ဗိုက်မဝပ</a:t>
+            </a:r>
+            <a:r>
+              <a:rPr lang="en-US" sz="1800" dirty="0">
+                <a:latin typeface="Pyidaungsu" panose="020B0502040204020203" pitchFamily="34" charset="0"/>
+                <a:cs typeface="Pyidaungsu" panose="020B0502040204020203" pitchFamily="34" charset="0"/>
+              </a:rPr>
+              <a:t>ါ။</a:t>
+            </a:r>
+          </a:p>
+          <a:p>
+            <a:pPr>
+              <a:lnSpc>
+                <a:spcPct val="150000"/>
+              </a:lnSpc>
+            </a:pPr>
+            <a:r>
+              <a:rPr lang="en-US" sz="1800" dirty="0">
+                <a:latin typeface="Pyidaungsu" panose="020B0502040204020203" pitchFamily="34" charset="0"/>
+                <a:cs typeface="Pyidaungsu" panose="020B0502040204020203" pitchFamily="34" charset="0"/>
+              </a:rPr>
+              <a:t>not </a:t>
+            </a:r>
+            <a:r>
+              <a:rPr lang="en-US" sz="1800" dirty="0" err="1">
+                <a:latin typeface="Pyidaungsu" panose="020B0502040204020203" pitchFamily="34" charset="0"/>
+                <a:cs typeface="Pyidaungsu" panose="020B0502040204020203" pitchFamily="34" charset="0"/>
+              </a:rPr>
+              <a:t>ကတော</a:t>
+            </a:r>
+            <a:r>
+              <a:rPr lang="en-US" sz="1800" dirty="0">
+                <a:latin typeface="Pyidaungsu" panose="020B0502040204020203" pitchFamily="34" charset="0"/>
+                <a:cs typeface="Pyidaungsu" panose="020B0502040204020203" pitchFamily="34" charset="0"/>
+              </a:rPr>
+              <a:t>့ </a:t>
+            </a:r>
+            <a:r>
+              <a:rPr lang="en-US" sz="1800" dirty="0" err="1">
+                <a:latin typeface="Pyidaungsu" panose="020B0502040204020203" pitchFamily="34" charset="0"/>
+                <a:cs typeface="Pyidaungsu" panose="020B0502040204020203" pitchFamily="34" charset="0"/>
+              </a:rPr>
+              <a:t>mwd</a:t>
+            </a:r>
+            <a:r>
+              <a:rPr lang="en-US" sz="1800" dirty="0">
+                <a:latin typeface="Pyidaungsu" panose="020B0502040204020203" pitchFamily="34" charset="0"/>
+                <a:cs typeface="Pyidaungsu" panose="020B0502040204020203" pitchFamily="34" charset="0"/>
+              </a:rPr>
+              <a:t>, </a:t>
+            </a:r>
+            <a:r>
+              <a:rPr lang="en-US" sz="1800" dirty="0" err="1">
+                <a:latin typeface="Pyidaungsu" panose="020B0502040204020203" pitchFamily="34" charset="0"/>
+                <a:cs typeface="Pyidaungsu" panose="020B0502040204020203" pitchFamily="34" charset="0"/>
+              </a:rPr>
+              <a:t>mrtv</a:t>
+            </a:r>
+            <a:r>
+              <a:rPr lang="en-US" sz="1800" dirty="0">
+                <a:latin typeface="Pyidaungsu" panose="020B0502040204020203" pitchFamily="34" charset="0"/>
+                <a:cs typeface="Pyidaungsu" panose="020B0502040204020203" pitchFamily="34" charset="0"/>
+              </a:rPr>
+              <a:t> </a:t>
+            </a:r>
+            <a:r>
+              <a:rPr lang="en-US" sz="1800" dirty="0" err="1">
+                <a:latin typeface="Pyidaungsu" panose="020B0502040204020203" pitchFamily="34" charset="0"/>
+                <a:cs typeface="Pyidaungsu" panose="020B0502040204020203" pitchFamily="34" charset="0"/>
+              </a:rPr>
+              <a:t>လို့ပဲပြောရမယ</a:t>
+            </a:r>
+            <a:r>
+              <a:rPr lang="en-US" sz="1800" dirty="0">
+                <a:latin typeface="Pyidaungsu" panose="020B0502040204020203" pitchFamily="34" charset="0"/>
+                <a:cs typeface="Pyidaungsu" panose="020B0502040204020203" pitchFamily="34" charset="0"/>
+              </a:rPr>
+              <a:t>်။ </a:t>
+            </a:r>
+            <a:r>
+              <a:rPr lang="en-US" sz="1800" dirty="0" err="1">
+                <a:latin typeface="Pyidaungsu" panose="020B0502040204020203" pitchFamily="34" charset="0"/>
+                <a:cs typeface="Pyidaungsu" panose="020B0502040204020203" pitchFamily="34" charset="0"/>
+              </a:rPr>
+              <a:t>လက်ရှိ</a:t>
+            </a:r>
+            <a:r>
+              <a:rPr lang="en-US" sz="1800" dirty="0">
+                <a:latin typeface="Pyidaungsu" panose="020B0502040204020203" pitchFamily="34" charset="0"/>
+                <a:cs typeface="Pyidaungsu" panose="020B0502040204020203" pitchFamily="34" charset="0"/>
+              </a:rPr>
+              <a:t> oxygen </a:t>
+            </a:r>
+            <a:r>
+              <a:rPr lang="en-US" sz="1800" dirty="0" err="1">
+                <a:latin typeface="Pyidaungsu" panose="020B0502040204020203" pitchFamily="34" charset="0"/>
+                <a:cs typeface="Pyidaungsu" panose="020B0502040204020203" pitchFamily="34" charset="0"/>
+              </a:rPr>
+              <a:t>ပြတ်လတ်နေတယ</a:t>
+            </a:r>
+            <a:r>
+              <a:rPr lang="en-US" sz="1800" dirty="0">
+                <a:latin typeface="Pyidaungsu" panose="020B0502040204020203" pitchFamily="34" charset="0"/>
+                <a:cs typeface="Pyidaungsu" panose="020B0502040204020203" pitchFamily="34" charset="0"/>
+              </a:rPr>
+              <a:t>် </a:t>
+            </a:r>
+            <a:r>
+              <a:rPr lang="en-US" sz="1800" dirty="0" err="1">
+                <a:latin typeface="Pyidaungsu" panose="020B0502040204020203" pitchFamily="34" charset="0"/>
+                <a:cs typeface="Pyidaungsu" panose="020B0502040204020203" pitchFamily="34" charset="0"/>
+              </a:rPr>
+              <a:t>အဲဒါကိုပဲ</a:t>
+            </a:r>
+            <a:r>
+              <a:rPr lang="en-US" sz="1800" dirty="0">
+                <a:latin typeface="Pyidaungsu" panose="020B0502040204020203" pitchFamily="34" charset="0"/>
+                <a:cs typeface="Pyidaungsu" panose="020B0502040204020203" pitchFamily="34" charset="0"/>
+              </a:rPr>
+              <a:t> </a:t>
+            </a:r>
+            <a:r>
+              <a:rPr lang="en-US" sz="1800" dirty="0" err="1">
+                <a:latin typeface="Pyidaungsu" panose="020B0502040204020203" pitchFamily="34" charset="0"/>
+                <a:cs typeface="Pyidaungsu" panose="020B0502040204020203" pitchFamily="34" charset="0"/>
+              </a:rPr>
+              <a:t>mrtv</a:t>
+            </a:r>
+            <a:r>
+              <a:rPr lang="en-US" sz="1800" dirty="0">
+                <a:latin typeface="Pyidaungsu" panose="020B0502040204020203" pitchFamily="34" charset="0"/>
+                <a:cs typeface="Pyidaungsu" panose="020B0502040204020203" pitchFamily="34" charset="0"/>
+              </a:rPr>
+              <a:t> </a:t>
+            </a:r>
+            <a:r>
+              <a:rPr lang="en-US" sz="1800" dirty="0" err="1">
+                <a:latin typeface="Pyidaungsu" panose="020B0502040204020203" pitchFamily="34" charset="0"/>
+                <a:cs typeface="Pyidaungsu" panose="020B0502040204020203" pitchFamily="34" charset="0"/>
+              </a:rPr>
+              <a:t>သတင်းမှာပြတော</a:t>
+            </a:r>
+            <a:r>
+              <a:rPr lang="en-US" sz="1800" dirty="0">
+                <a:latin typeface="Pyidaungsu" panose="020B0502040204020203" pitchFamily="34" charset="0"/>
+                <a:cs typeface="Pyidaungsu" panose="020B0502040204020203" pitchFamily="34" charset="0"/>
+              </a:rPr>
+              <a:t>့ </a:t>
+            </a:r>
+            <a:r>
+              <a:rPr lang="en-US" sz="1800" dirty="0" err="1">
+                <a:latin typeface="Pyidaungsu" panose="020B0502040204020203" pitchFamily="34" charset="0"/>
+                <a:cs typeface="Pyidaungsu" panose="020B0502040204020203" pitchFamily="34" charset="0"/>
+              </a:rPr>
+              <a:t>လုံလောက်ပါတယ်ဆိုတာမျိုးပေ</a:t>
+            </a:r>
+            <a:r>
+              <a:rPr lang="en-US" sz="1800" dirty="0">
+                <a:latin typeface="Pyidaungsu" panose="020B0502040204020203" pitchFamily="34" charset="0"/>
+                <a:cs typeface="Pyidaungsu" panose="020B0502040204020203" pitchFamily="34" charset="0"/>
+              </a:rPr>
+              <a:t>ါ့</a:t>
+            </a:r>
+          </a:p>
+        </p:txBody>
+      </p:sp>
+    </p:spTree>
+    <p:extLst>
+      <p:ext uri="{BB962C8B-B14F-4D97-AF65-F5344CB8AC3E}">
+        <p14:creationId xmlns:p14="http://schemas.microsoft.com/office/powerpoint/2010/main" val="4260482914"/>
+      </p:ext>
+    </p:extLst>
+  </p:cSld>
+  <p:clrMapOvr>
+    <a:masterClrMapping/>
+  </p:clrMapOvr>
+</p:sld>
+</file>
+
+<file path=ppt/slides/slide25.xml><?xml version="1.0" encoding="utf-8"?>
+<p:sld xmlns:a="http://schemas.openxmlformats.org/drawingml/2006/main" xmlns:r="http://schemas.openxmlformats.org/officeDocument/2006/relationships" xmlns:p="http://schemas.openxmlformats.org/presentationml/2006/main">
+  <p:cSld>
+    <p:spTree>
+      <p:nvGrpSpPr>
+        <p:cNvPr id="1" name=""/>
+        <p:cNvGrpSpPr/>
+        <p:nvPr/>
+      </p:nvGrpSpPr>
+      <p:grpSpPr>
+        <a:xfrm>
+          <a:off x="0" y="0"/>
+          <a:ext cx="0" cy="0"/>
+          <a:chOff x="0" y="0"/>
+          <a:chExt cx="0" cy="0"/>
+        </a:xfrm>
+      </p:grpSpPr>
+      <p:sp>
+        <p:nvSpPr>
+          <p:cNvPr id="2" name="Title 1">
+            <a:extLst>
+              <a:ext uri="{FF2B5EF4-FFF2-40B4-BE49-F238E27FC236}">
+                <a16:creationId xmlns:a16="http://schemas.microsoft.com/office/drawing/2014/main" id="{CE50E425-7302-43DE-8D9F-301606C0EC86}"/>
+              </a:ext>
+            </a:extLst>
+          </p:cNvPr>
+          <p:cNvSpPr>
+            <a:spLocks noGrp="1"/>
+          </p:cNvSpPr>
+          <p:nvPr>
+            <p:ph type="title"/>
+          </p:nvPr>
+        </p:nvSpPr>
+        <p:spPr/>
+        <p:txBody>
+          <a:bodyPr>
+            <a:normAutofit/>
+          </a:bodyPr>
+          <a:lstStyle/>
+          <a:p>
+            <a:r>
+              <a:rPr lang="en-US" sz="3600" b="1" dirty="0"/>
+              <a:t>Looping</a:t>
+            </a:r>
+          </a:p>
+        </p:txBody>
+      </p:sp>
+      <p:sp>
+        <p:nvSpPr>
+          <p:cNvPr id="3" name="Content Placeholder 2">
+            <a:extLst>
+              <a:ext uri="{FF2B5EF4-FFF2-40B4-BE49-F238E27FC236}">
+                <a16:creationId xmlns:a16="http://schemas.microsoft.com/office/drawing/2014/main" id="{6399C79F-703C-497A-A451-1A6F48E629D1}"/>
+              </a:ext>
+            </a:extLst>
+          </p:cNvPr>
+          <p:cNvSpPr>
+            <a:spLocks noGrp="1"/>
+          </p:cNvSpPr>
+          <p:nvPr>
+            <p:ph idx="1"/>
+          </p:nvPr>
+        </p:nvSpPr>
+        <p:spPr/>
+        <p:txBody>
+          <a:bodyPr>
+            <a:normAutofit/>
+          </a:bodyPr>
+          <a:lstStyle/>
+          <a:p>
+            <a:pPr>
+              <a:lnSpc>
+                <a:spcPct val="150000"/>
+              </a:lnSpc>
+            </a:pPr>
+            <a:r>
+              <a:rPr lang="en-US" sz="1800" dirty="0">
+                <a:latin typeface="Pyidaungsu" panose="020B0502040204020203" pitchFamily="34" charset="0"/>
+                <a:cs typeface="Pyidaungsu" panose="020B0502040204020203" pitchFamily="34" charset="0"/>
+              </a:rPr>
+              <a:t>why looping? </a:t>
+            </a:r>
+            <a:r>
+              <a:rPr lang="en-US" sz="1800" dirty="0" err="1">
+                <a:latin typeface="Pyidaungsu" panose="020B0502040204020203" pitchFamily="34" charset="0"/>
+                <a:cs typeface="Pyidaungsu" panose="020B0502040204020203" pitchFamily="34" charset="0"/>
+              </a:rPr>
+              <a:t>တူညီတဲ</a:t>
+            </a:r>
+            <a:r>
+              <a:rPr lang="en-US" sz="1800" dirty="0">
+                <a:latin typeface="Pyidaungsu" panose="020B0502040204020203" pitchFamily="34" charset="0"/>
+                <a:cs typeface="Pyidaungsu" panose="020B0502040204020203" pitchFamily="34" charset="0"/>
+              </a:rPr>
+              <a:t>့ </a:t>
+            </a:r>
+            <a:r>
+              <a:rPr lang="en-US" sz="1800" dirty="0" err="1">
+                <a:latin typeface="Pyidaungsu" panose="020B0502040204020203" pitchFamily="34" charset="0"/>
+                <a:cs typeface="Pyidaungsu" panose="020B0502040204020203" pitchFamily="34" charset="0"/>
+              </a:rPr>
+              <a:t>အလုပ်တွေကို</a:t>
+            </a:r>
+            <a:r>
+              <a:rPr lang="en-US" sz="1800" dirty="0">
+                <a:latin typeface="Pyidaungsu" panose="020B0502040204020203" pitchFamily="34" charset="0"/>
+                <a:cs typeface="Pyidaungsu" panose="020B0502040204020203" pitchFamily="34" charset="0"/>
+              </a:rPr>
+              <a:t> </a:t>
+            </a:r>
+            <a:r>
+              <a:rPr lang="en-US" sz="1800" dirty="0" err="1">
+                <a:latin typeface="Pyidaungsu" panose="020B0502040204020203" pitchFamily="34" charset="0"/>
+                <a:cs typeface="Pyidaungsu" panose="020B0502040204020203" pitchFamily="34" charset="0"/>
+              </a:rPr>
+              <a:t>အခါခ</a:t>
+            </a:r>
+            <a:r>
+              <a:rPr lang="en-US" sz="1800" dirty="0">
+                <a:latin typeface="Pyidaungsu" panose="020B0502040204020203" pitchFamily="34" charset="0"/>
+                <a:cs typeface="Pyidaungsu" panose="020B0502040204020203" pitchFamily="34" charset="0"/>
+              </a:rPr>
+              <a:t>ါ </a:t>
+            </a:r>
+            <a:r>
+              <a:rPr lang="en-US" sz="1800" dirty="0" err="1">
+                <a:latin typeface="Pyidaungsu" panose="020B0502040204020203" pitchFamily="34" charset="0"/>
+                <a:cs typeface="Pyidaungsu" panose="020B0502040204020203" pitchFamily="34" charset="0"/>
+              </a:rPr>
+              <a:t>ပြန်လုပ်နိုင်ဖို</a:t>
+            </a:r>
+            <a:r>
+              <a:rPr lang="en-US" sz="1800" dirty="0">
+                <a:latin typeface="Pyidaungsu" panose="020B0502040204020203" pitchFamily="34" charset="0"/>
+                <a:cs typeface="Pyidaungsu" panose="020B0502040204020203" pitchFamily="34" charset="0"/>
+              </a:rPr>
+              <a:t>့ </a:t>
+            </a:r>
+            <a:r>
+              <a:rPr lang="en-US" sz="1800" dirty="0" err="1">
+                <a:latin typeface="Pyidaungsu" panose="020B0502040204020203" pitchFamily="34" charset="0"/>
+                <a:cs typeface="Pyidaungsu" panose="020B0502040204020203" pitchFamily="34" charset="0"/>
+              </a:rPr>
+              <a:t>သုံးပါတယ</a:t>
+            </a:r>
+            <a:r>
+              <a:rPr lang="en-US" sz="1800" dirty="0">
+                <a:latin typeface="Pyidaungsu" panose="020B0502040204020203" pitchFamily="34" charset="0"/>
+                <a:cs typeface="Pyidaungsu" panose="020B0502040204020203" pitchFamily="34" charset="0"/>
+              </a:rPr>
+              <a:t>်။</a:t>
+            </a:r>
+          </a:p>
+          <a:p>
+            <a:pPr>
+              <a:lnSpc>
+                <a:spcPct val="150000"/>
+              </a:lnSpc>
+            </a:pPr>
+            <a:r>
+              <a:rPr lang="en-US" sz="1800" dirty="0">
+                <a:latin typeface="Pyidaungsu" panose="020B0502040204020203" pitchFamily="34" charset="0"/>
+                <a:cs typeface="Pyidaungsu" panose="020B0502040204020203" pitchFamily="34" charset="0"/>
+              </a:rPr>
+              <a:t>loop </a:t>
+            </a:r>
+            <a:r>
+              <a:rPr lang="en-US" sz="1800" dirty="0" err="1">
+                <a:latin typeface="Pyidaungsu" panose="020B0502040204020203" pitchFamily="34" charset="0"/>
+                <a:cs typeface="Pyidaungsu" panose="020B0502040204020203" pitchFamily="34" charset="0"/>
+              </a:rPr>
+              <a:t>ပတ်နေရင</a:t>
+            </a:r>
+            <a:r>
+              <a:rPr lang="en-US" sz="1800" dirty="0">
+                <a:latin typeface="Pyidaungsu" panose="020B0502040204020203" pitchFamily="34" charset="0"/>
+                <a:cs typeface="Pyidaungsu" panose="020B0502040204020203" pitchFamily="34" charset="0"/>
+              </a:rPr>
+              <a:t>် </a:t>
+            </a:r>
+            <a:r>
+              <a:rPr lang="en-US" sz="1800" dirty="0" err="1">
+                <a:latin typeface="Pyidaungsu" panose="020B0502040204020203" pitchFamily="34" charset="0"/>
+                <a:cs typeface="Pyidaungsu" panose="020B0502040204020203" pitchFamily="34" charset="0"/>
+              </a:rPr>
+              <a:t>မတူညီတဲ</a:t>
+            </a:r>
+            <a:r>
+              <a:rPr lang="en-US" sz="1800" dirty="0">
+                <a:latin typeface="Pyidaungsu" panose="020B0502040204020203" pitchFamily="34" charset="0"/>
+                <a:cs typeface="Pyidaungsu" panose="020B0502040204020203" pitchFamily="34" charset="0"/>
+              </a:rPr>
+              <a:t>့ </a:t>
+            </a:r>
+            <a:r>
+              <a:rPr lang="en-US" sz="1800" dirty="0" err="1">
+                <a:latin typeface="Pyidaungsu" panose="020B0502040204020203" pitchFamily="34" charset="0"/>
+                <a:cs typeface="Pyidaungsu" panose="020B0502040204020203" pitchFamily="34" charset="0"/>
+              </a:rPr>
+              <a:t>တန်ဖိုးတွေ</a:t>
+            </a:r>
+            <a:r>
+              <a:rPr lang="en-US" sz="1800" dirty="0">
+                <a:latin typeface="Pyidaungsu" panose="020B0502040204020203" pitchFamily="34" charset="0"/>
+                <a:cs typeface="Pyidaungsu" panose="020B0502040204020203" pitchFamily="34" charset="0"/>
+              </a:rPr>
+              <a:t> </a:t>
+            </a:r>
+            <a:r>
+              <a:rPr lang="en-US" sz="1800" dirty="0" err="1">
+                <a:latin typeface="Pyidaungsu" panose="020B0502040204020203" pitchFamily="34" charset="0"/>
+                <a:cs typeface="Pyidaungsu" panose="020B0502040204020203" pitchFamily="34" charset="0"/>
+              </a:rPr>
+              <a:t>ထည</a:t>
+            </a:r>
+            <a:r>
+              <a:rPr lang="en-US" sz="1800" dirty="0">
+                <a:latin typeface="Pyidaungsu" panose="020B0502040204020203" pitchFamily="34" charset="0"/>
+                <a:cs typeface="Pyidaungsu" panose="020B0502040204020203" pitchFamily="34" charset="0"/>
+              </a:rPr>
+              <a:t>့်</a:t>
+            </a:r>
+            <a:r>
+              <a:rPr lang="en-US" sz="1800" dirty="0" err="1">
+                <a:latin typeface="Pyidaungsu" panose="020B0502040204020203" pitchFamily="34" charset="0"/>
+                <a:cs typeface="Pyidaungsu" panose="020B0502040204020203" pitchFamily="34" charset="0"/>
+              </a:rPr>
+              <a:t>သွင်းအသုံးခ</a:t>
+            </a:r>
+            <a:r>
+              <a:rPr lang="en-US" sz="1800" dirty="0">
+                <a:latin typeface="Pyidaungsu" panose="020B0502040204020203" pitchFamily="34" charset="0"/>
+                <a:cs typeface="Pyidaungsu" panose="020B0502040204020203" pitchFamily="34" charset="0"/>
+              </a:rPr>
+              <a:t>ျ </a:t>
+            </a:r>
+            <a:r>
+              <a:rPr lang="en-US" sz="1800" dirty="0" err="1">
+                <a:latin typeface="Pyidaungsu" panose="020B0502040204020203" pitchFamily="34" charset="0"/>
+                <a:cs typeface="Pyidaungsu" panose="020B0502040204020203" pitchFamily="34" charset="0"/>
+              </a:rPr>
+              <a:t>နိုင်ပါတယ</a:t>
+            </a:r>
+            <a:r>
+              <a:rPr lang="en-US" sz="1800" dirty="0">
+                <a:latin typeface="Pyidaungsu" panose="020B0502040204020203" pitchFamily="34" charset="0"/>
+                <a:cs typeface="Pyidaungsu" panose="020B0502040204020203" pitchFamily="34" charset="0"/>
+              </a:rPr>
+              <a:t>်။</a:t>
+            </a:r>
+          </a:p>
+          <a:p>
+            <a:pPr>
+              <a:lnSpc>
+                <a:spcPct val="150000"/>
+              </a:lnSpc>
+            </a:pPr>
+            <a:r>
+              <a:rPr lang="en-US" sz="1800" dirty="0">
+                <a:latin typeface="Pyidaungsu" panose="020B0502040204020203" pitchFamily="34" charset="0"/>
+                <a:cs typeface="Pyidaungsu" panose="020B0502040204020203" pitchFamily="34" charset="0"/>
+              </a:rPr>
+              <a:t>for (statement 1; statement 2; statement 3){ // code block to be executed }</a:t>
+            </a:r>
+          </a:p>
+          <a:p>
+            <a:pPr>
+              <a:lnSpc>
+                <a:spcPct val="150000"/>
+              </a:lnSpc>
+            </a:pPr>
+            <a:r>
+              <a:rPr lang="en-US" sz="1800" b="1" dirty="0">
+                <a:latin typeface="Pyidaungsu" panose="020B0502040204020203" pitchFamily="34" charset="0"/>
+                <a:cs typeface="Pyidaungsu" panose="020B0502040204020203" pitchFamily="34" charset="0"/>
+              </a:rPr>
+              <a:t>Statement 1 </a:t>
+            </a:r>
+            <a:r>
+              <a:rPr lang="en-US" sz="1800" dirty="0">
+                <a:latin typeface="Pyidaungsu" panose="020B0502040204020203" pitchFamily="34" charset="0"/>
+                <a:cs typeface="Pyidaungsu" panose="020B0502040204020203" pitchFamily="34" charset="0"/>
+              </a:rPr>
+              <a:t>is executed (one time) before the execution of the code block.</a:t>
+            </a:r>
+          </a:p>
+          <a:p>
+            <a:pPr>
+              <a:lnSpc>
+                <a:spcPct val="150000"/>
+              </a:lnSpc>
+            </a:pPr>
+            <a:r>
+              <a:rPr lang="en-US" sz="1800" b="1" dirty="0">
+                <a:latin typeface="Pyidaungsu" panose="020B0502040204020203" pitchFamily="34" charset="0"/>
+                <a:cs typeface="Pyidaungsu" panose="020B0502040204020203" pitchFamily="34" charset="0"/>
+              </a:rPr>
+              <a:t>Statement 2 </a:t>
+            </a:r>
+            <a:r>
+              <a:rPr lang="en-US" sz="1800" dirty="0">
+                <a:latin typeface="Pyidaungsu" panose="020B0502040204020203" pitchFamily="34" charset="0"/>
+                <a:cs typeface="Pyidaungsu" panose="020B0502040204020203" pitchFamily="34" charset="0"/>
+              </a:rPr>
+              <a:t>defines the condition for executing the code block.</a:t>
+            </a:r>
+          </a:p>
+          <a:p>
+            <a:pPr>
+              <a:lnSpc>
+                <a:spcPct val="150000"/>
+              </a:lnSpc>
+            </a:pPr>
+            <a:r>
+              <a:rPr lang="en-US" sz="1800" b="1" dirty="0">
+                <a:latin typeface="Pyidaungsu" panose="020B0502040204020203" pitchFamily="34" charset="0"/>
+                <a:cs typeface="Pyidaungsu" panose="020B0502040204020203" pitchFamily="34" charset="0"/>
+              </a:rPr>
+              <a:t>Statement 3 </a:t>
+            </a:r>
+            <a:r>
+              <a:rPr lang="en-US" sz="1800" dirty="0">
+                <a:latin typeface="Pyidaungsu" panose="020B0502040204020203" pitchFamily="34" charset="0"/>
+                <a:cs typeface="Pyidaungsu" panose="020B0502040204020203" pitchFamily="34" charset="0"/>
+              </a:rPr>
+              <a:t>is executed (every time) after the code block has been executed.</a:t>
+            </a:r>
+          </a:p>
+          <a:p>
+            <a:pPr>
+              <a:lnSpc>
+                <a:spcPct val="150000"/>
+              </a:lnSpc>
+            </a:pPr>
+            <a:r>
+              <a:rPr lang="en-US" sz="1800" dirty="0">
+                <a:latin typeface="Pyidaungsu" panose="020B0502040204020203" pitchFamily="34" charset="0"/>
+                <a:cs typeface="Pyidaungsu" panose="020B0502040204020203" pitchFamily="34" charset="0"/>
+              </a:rPr>
+              <a:t>break; </a:t>
+            </a:r>
+            <a:r>
+              <a:rPr lang="en-US" sz="1800" dirty="0" err="1">
+                <a:latin typeface="Pyidaungsu" panose="020B0502040204020203" pitchFamily="34" charset="0"/>
+                <a:cs typeface="Pyidaungsu" panose="020B0502040204020203" pitchFamily="34" charset="0"/>
+              </a:rPr>
+              <a:t>ရပ</a:t>
+            </a:r>
+            <a:r>
+              <a:rPr lang="en-US" sz="1800" dirty="0">
+                <a:latin typeface="Pyidaungsu" panose="020B0502040204020203" pitchFamily="34" charset="0"/>
+                <a:cs typeface="Pyidaungsu" panose="020B0502040204020203" pitchFamily="34" charset="0"/>
+              </a:rPr>
+              <a:t>် continue; </a:t>
+            </a:r>
+            <a:r>
+              <a:rPr lang="en-US" sz="1800" dirty="0" err="1">
+                <a:latin typeface="Pyidaungsu" panose="020B0502040204020203" pitchFamily="34" charset="0"/>
+                <a:cs typeface="Pyidaungsu" panose="020B0502040204020203" pitchFamily="34" charset="0"/>
+              </a:rPr>
+              <a:t>ကျော်သွား</a:t>
+            </a:r>
+            <a:endParaRPr lang="en-US" sz="1800" dirty="0">
+              <a:latin typeface="Pyidaungsu" panose="020B0502040204020203" pitchFamily="34" charset="0"/>
+              <a:cs typeface="Pyidaungsu" panose="020B0502040204020203" pitchFamily="34" charset="0"/>
+            </a:endParaRPr>
+          </a:p>
+        </p:txBody>
+      </p:sp>
+      <p:sp>
+        <p:nvSpPr>
+          <p:cNvPr id="4" name="Rectangle 3">
+            <a:extLst>
+              <a:ext uri="{FF2B5EF4-FFF2-40B4-BE49-F238E27FC236}">
+                <a16:creationId xmlns:a16="http://schemas.microsoft.com/office/drawing/2014/main" id="{FD1654CC-50B9-4DB7-AE3F-A65D4C0EA9E5}"/>
+              </a:ext>
+            </a:extLst>
+          </p:cNvPr>
+          <p:cNvSpPr/>
+          <p:nvPr/>
+        </p:nvSpPr>
+        <p:spPr>
+          <a:xfrm>
+            <a:off x="8992998" y="1690688"/>
+            <a:ext cx="2726422" cy="4486275"/>
+          </a:xfrm>
+          <a:prstGeom prst="rect">
+            <a:avLst/>
+          </a:prstGeom>
+          <a:solidFill>
+            <a:schemeClr val="accent3"/>
+          </a:solidFill>
+          <a:ln>
+            <a:noFill/>
+          </a:ln>
+        </p:spPr>
+        <p:style>
+          <a:lnRef idx="0">
+            <a:scrgbClr r="0" g="0" b="0"/>
+          </a:lnRef>
+          <a:fillRef idx="0">
+            <a:scrgbClr r="0" g="0" b="0"/>
+          </a:fillRef>
+          <a:effectRef idx="0">
+            <a:scrgbClr r="0" g="0" b="0"/>
+          </a:effectRef>
+          <a:fontRef idx="minor">
+            <a:schemeClr val="lt1"/>
+          </a:fontRef>
+        </p:style>
+        <p:txBody>
+          <a:bodyPr rtlCol="0" anchor="ctr"/>
+          <a:lstStyle/>
+          <a:p>
+            <a:pPr algn="ctr">
+              <a:lnSpc>
+                <a:spcPct val="200000"/>
+              </a:lnSpc>
+            </a:pPr>
+            <a:r>
+              <a:rPr lang="en-US" sz="2800" dirty="0">
+                <a:solidFill>
+                  <a:schemeClr val="tx1"/>
+                </a:solidFill>
+              </a:rPr>
+              <a:t>statement 1</a:t>
+            </a:r>
+          </a:p>
+          <a:p>
+            <a:pPr algn="ctr">
+              <a:lnSpc>
+                <a:spcPct val="200000"/>
+              </a:lnSpc>
+            </a:pPr>
+            <a:r>
+              <a:rPr lang="en-US" sz="2800" dirty="0">
+                <a:solidFill>
+                  <a:schemeClr val="tx1"/>
+                </a:solidFill>
+              </a:rPr>
+              <a:t>statement 2</a:t>
+            </a:r>
+          </a:p>
+          <a:p>
+            <a:pPr algn="ctr">
+              <a:lnSpc>
+                <a:spcPct val="200000"/>
+              </a:lnSpc>
+            </a:pPr>
+            <a:r>
+              <a:rPr lang="en-US" sz="2800" dirty="0">
+                <a:solidFill>
+                  <a:schemeClr val="tx1"/>
+                </a:solidFill>
+              </a:rPr>
+              <a:t>true</a:t>
+            </a:r>
+          </a:p>
+          <a:p>
+            <a:pPr algn="ctr">
+              <a:lnSpc>
+                <a:spcPct val="200000"/>
+              </a:lnSpc>
+            </a:pPr>
+            <a:r>
+              <a:rPr lang="en-US" sz="2800" dirty="0">
+                <a:solidFill>
+                  <a:schemeClr val="tx1"/>
+                </a:solidFill>
+              </a:rPr>
+              <a:t>{ code block }</a:t>
+            </a:r>
+          </a:p>
+          <a:p>
+            <a:pPr algn="ctr">
+              <a:lnSpc>
+                <a:spcPct val="200000"/>
+              </a:lnSpc>
+            </a:pPr>
+            <a:r>
+              <a:rPr lang="en-US" sz="2800" dirty="0">
+                <a:solidFill>
+                  <a:schemeClr val="tx1"/>
+                </a:solidFill>
+              </a:rPr>
+              <a:t>statement 3</a:t>
+            </a:r>
+          </a:p>
+        </p:txBody>
+      </p:sp>
+    </p:spTree>
+    <p:extLst>
+      <p:ext uri="{BB962C8B-B14F-4D97-AF65-F5344CB8AC3E}">
+        <p14:creationId xmlns:p14="http://schemas.microsoft.com/office/powerpoint/2010/main" val="641089939"/>
       </p:ext>
     </p:extLst>
   </p:cSld>

--- a/JavaScript.pptx
+++ b/JavaScript.pptx
@@ -135,6 +135,11 @@
       </a:defRPr>
     </a:lvl9pPr>
   </p:defaultTextStyle>
+  <p:extLst>
+    <p:ext uri="{EFAFB233-063F-42B5-8137-9DF3F51BA10A}">
+      <p15:sldGuideLst xmlns:p15="http://schemas.microsoft.com/office/powerpoint/2012/main"/>
+    </p:ext>
+  </p:extLst>
 </p:presentation>
 </file>
 
@@ -19800,17 +19805,24 @@
             <p:ph/>
           </p:nvPr>
         </p:nvSpPr>
-        <p:spPr/>
+        <p:spPr>
+          <a:xfrm>
+            <a:off x="478141" y="1604519"/>
+            <a:ext cx="5486220" cy="1896839"/>
+          </a:xfrm>
+        </p:spPr>
         <p:txBody>
           <a:bodyPr>
             <a:normAutofit/>
           </a:bodyPr>
           <a:lstStyle/>
           <a:p>
-            <a:pPr>
+            <a:pPr marL="285750" indent="-285750">
               <a:lnSpc>
                 <a:spcPct val="150000"/>
               </a:lnSpc>
+              <a:buFont typeface="Arial" panose="020B0604020202020204" pitchFamily="34" charset="0"/>
+              <a:buChar char="•"/>
             </a:pPr>
             <a:r>
               <a:rPr lang="en-US" sz="1800" dirty="0">
@@ -19821,10 +19833,12 @@
             </a:r>
           </a:p>
           <a:p>
-            <a:pPr>
+            <a:pPr marL="285750" indent="-285750">
               <a:lnSpc>
                 <a:spcPct val="150000"/>
               </a:lnSpc>
+              <a:buFont typeface="Arial" panose="020B0604020202020204" pitchFamily="34" charset="0"/>
+              <a:buChar char="•"/>
             </a:pPr>
             <a:r>
               <a:rPr lang="en-US" sz="1800" dirty="0">
@@ -19835,10 +19849,12 @@
             </a:r>
           </a:p>
           <a:p>
-            <a:pPr>
+            <a:pPr marL="285750" indent="-285750">
               <a:lnSpc>
                 <a:spcPct val="150000"/>
               </a:lnSpc>
+              <a:buFont typeface="Arial" panose="020B0604020202020204" pitchFamily="34" charset="0"/>
+              <a:buChar char="•"/>
             </a:pPr>
             <a:r>
               <a:rPr lang="en-US" sz="1800" dirty="0">
@@ -20000,7 +20016,7 @@
           <p:cNvPr id="2" name="Title 1">
             <a:extLst>
               <a:ext uri="{FF2B5EF4-FFF2-40B4-BE49-F238E27FC236}">
-                <a16:creationId xmlns:a16="http://schemas.microsoft.com/office/drawing/2014/main" id="{C3B9FC99-EFEA-40E4-AE2F-9666A4000113}"/>
+                <a16:creationId xmlns:a16="http://schemas.microsoft.com/office/drawing/2014/main" id="{043FAFEA-DE6B-DE88-717A-2DDB1C83E6F9}"/>
               </a:ext>
             </a:extLst>
           </p:cNvPr>
@@ -20017,7 +20033,7 @@
           <a:lstStyle/>
           <a:p>
             <a:r>
-              <a:rPr lang="en-US" sz="3600" b="1" dirty="0">
+              <a:rPr lang="en-US" sz="3600" dirty="0">
                 <a:latin typeface="Calibri" panose="020F0502020204030204" pitchFamily="34" charset="0"/>
                 <a:cs typeface="Calibri" panose="020F0502020204030204" pitchFamily="34" charset="0"/>
               </a:rPr>
@@ -20031,7 +20047,7 @@
           <p:cNvPr id="3" name="Content Placeholder 2">
             <a:extLst>
               <a:ext uri="{FF2B5EF4-FFF2-40B4-BE49-F238E27FC236}">
-                <a16:creationId xmlns:a16="http://schemas.microsoft.com/office/drawing/2014/main" id="{C9FCEB31-6EA6-4F8A-A010-EE6FD180F8D0}"/>
+                <a16:creationId xmlns:a16="http://schemas.microsoft.com/office/drawing/2014/main" id="{5D174348-FFE1-6D7A-DD62-2ED866CFFA13}"/>
               </a:ext>
             </a:extLst>
           </p:cNvPr>
@@ -20059,7 +20075,7 @@
                 <a:latin typeface="Pyidaungsu" panose="020B0502040204020203" pitchFamily="34" charset="0"/>
                 <a:cs typeface="Pyidaungsu" panose="020B0502040204020203" pitchFamily="34" charset="0"/>
               </a:rPr>
-              <a:t>Date(), new Date()</a:t>
+              <a:t>Date(),new Date()</a:t>
             </a:r>
           </a:p>
           <a:p>
@@ -20101,21 +20117,7 @@
                 <a:latin typeface="Pyidaungsu" panose="020B0502040204020203" pitchFamily="34" charset="0"/>
                 <a:cs typeface="Pyidaungsu" panose="020B0502040204020203" pitchFamily="34" charset="0"/>
               </a:rPr>
-              <a:t>တွေအများကြီး</a:t>
-            </a:r>
-            <a:r>
-              <a:rPr lang="my-MM" sz="1800" dirty="0">
-                <a:latin typeface="Pyidaungsu" panose="020B0502040204020203" pitchFamily="34" charset="0"/>
-                <a:cs typeface="Pyidaungsu" panose="020B0502040204020203" pitchFamily="34" charset="0"/>
-              </a:rPr>
-              <a:t>ပ</a:t>
-            </a:r>
-            <a:r>
-              <a:rPr lang="en-US" sz="1800" dirty="0" err="1">
-                <a:latin typeface="Pyidaungsu" panose="020B0502040204020203" pitchFamily="34" charset="0"/>
-                <a:cs typeface="Pyidaungsu" panose="020B0502040204020203" pitchFamily="34" charset="0"/>
-              </a:rPr>
-              <a:t>ဲရှိတယ</a:t>
+              <a:t>တွေအများကြီးပဲရှိတယ</a:t>
             </a:r>
             <a:r>
               <a:rPr lang="en-US" sz="1800" dirty="0">
@@ -20178,56 +20180,28 @@
                 <a:latin typeface="Pyidaungsu" panose="020B0502040204020203" pitchFamily="34" charset="0"/>
                 <a:cs typeface="Pyidaungsu" panose="020B0502040204020203" pitchFamily="34" charset="0"/>
               </a:rPr>
-              <a:t>အခြာ</a:t>
-            </a:r>
-            <a:r>
-              <a:rPr lang="my-MM" sz="1800" dirty="0">
+              <a:t>အခြားအချိန</a:t>
+            </a:r>
+            <a:r>
+              <a:rPr lang="en-US" sz="1800" dirty="0">
                 <a:latin typeface="Pyidaungsu" panose="020B0502040204020203" pitchFamily="34" charset="0"/>
                 <a:cs typeface="Pyidaungsu" panose="020B0502040204020203" pitchFamily="34" charset="0"/>
               </a:rPr>
-              <a:t>း</a:t>
+              <a:t>် </a:t>
             </a:r>
             <a:r>
               <a:rPr lang="en-US" sz="1800" dirty="0" err="1">
                 <a:latin typeface="Pyidaungsu" panose="020B0502040204020203" pitchFamily="34" charset="0"/>
                 <a:cs typeface="Pyidaungsu" panose="020B0502040204020203" pitchFamily="34" charset="0"/>
               </a:rPr>
-              <a:t>အချိန</a:t>
+              <a:t>တစ်ခု</a:t>
             </a:r>
             <a:r>
               <a:rPr lang="en-US" sz="1800" dirty="0">
                 <a:latin typeface="Pyidaungsu" panose="020B0502040204020203" pitchFamily="34" charset="0"/>
                 <a:cs typeface="Pyidaungsu" panose="020B0502040204020203" pitchFamily="34" charset="0"/>
               </a:rPr>
-              <a:t>် </a:t>
-            </a:r>
-            <a:r>
-              <a:rPr lang="en-US" sz="1800" dirty="0" err="1">
-                <a:latin typeface="Pyidaungsu" panose="020B0502040204020203" pitchFamily="34" charset="0"/>
-                <a:cs typeface="Pyidaungsu" panose="020B0502040204020203" pitchFamily="34" charset="0"/>
-              </a:rPr>
-              <a:t>တစ်ခု</a:t>
-            </a:r>
-            <a:r>
-              <a:rPr lang="en-US" sz="1800" dirty="0">
-                <a:latin typeface="Pyidaungsu" panose="020B0502040204020203" pitchFamily="34" charset="0"/>
-                <a:cs typeface="Pyidaungsu" panose="020B0502040204020203" pitchFamily="34" charset="0"/>
-              </a:rPr>
-              <a:t>။ past, present, future</a:t>
-            </a:r>
-            <a:r>
-              <a:rPr lang="my-MM" sz="1800" dirty="0">
-                <a:latin typeface="Pyidaungsu" panose="020B0502040204020203" pitchFamily="34" charset="0"/>
-                <a:cs typeface="Pyidaungsu" panose="020B0502040204020203" pitchFamily="34" charset="0"/>
-              </a:rPr>
-              <a:t>။</a:t>
-            </a:r>
-            <a:r>
-              <a:rPr lang="en-US" sz="1800" dirty="0">
-                <a:latin typeface="Pyidaungsu" panose="020B0502040204020203" pitchFamily="34" charset="0"/>
-                <a:cs typeface="Pyidaungsu" panose="020B0502040204020203" pitchFamily="34" charset="0"/>
-              </a:rPr>
-              <a:t> mm-day-year, million second</a:t>
+              <a:t>။ past, present, future။ mm-day-year, million second</a:t>
             </a:r>
           </a:p>
           <a:p>
@@ -20269,124 +20243,43 @@
                 <a:latin typeface="Pyidaungsu" panose="020B0502040204020203" pitchFamily="34" charset="0"/>
                 <a:cs typeface="Pyidaungsu" panose="020B0502040204020203" pitchFamily="34" charset="0"/>
               </a:rPr>
-              <a:t>တွက်ချက်မှု</a:t>
-            </a:r>
-            <a:r>
-              <a:rPr lang="my-MM" sz="1800" dirty="0">
-                <a:latin typeface="Pyidaungsu" panose="020B0502040204020203" pitchFamily="34" charset="0"/>
-                <a:cs typeface="Pyidaungsu" panose="020B0502040204020203" pitchFamily="34" charset="0"/>
-              </a:rPr>
-              <a:t>တ</a:t>
+              <a:t>တွက်ချက်မှုတွေလုပ်လို့ရတယ</a:t>
             </a:r>
             <a:r>
               <a:rPr lang="en-US" sz="1800" dirty="0">
                 <a:latin typeface="Pyidaungsu" panose="020B0502040204020203" pitchFamily="34" charset="0"/>
                 <a:cs typeface="Pyidaungsu" panose="020B0502040204020203" pitchFamily="34" charset="0"/>
               </a:rPr>
-              <a:t>ွ</a:t>
+              <a:t>်။ </a:t>
             </a:r>
             <a:r>
               <a:rPr lang="en-US" sz="1800" dirty="0" err="1">
                 <a:latin typeface="Pyidaungsu" panose="020B0502040204020203" pitchFamily="34" charset="0"/>
                 <a:cs typeface="Pyidaungsu" panose="020B0502040204020203" pitchFamily="34" charset="0"/>
               </a:rPr>
-              <a:t>ေလုပ်လို့ရတယ</a:t>
+              <a:t>setMethod</a:t>
             </a:r>
             <a:r>
               <a:rPr lang="en-US" sz="1800" dirty="0">
                 <a:latin typeface="Pyidaungsu" panose="020B0502040204020203" pitchFamily="34" charset="0"/>
                 <a:cs typeface="Pyidaungsu" panose="020B0502040204020203" pitchFamily="34" charset="0"/>
               </a:rPr>
-              <a:t>်။ </a:t>
+              <a:t>() </a:t>
             </a:r>
             <a:r>
               <a:rPr lang="en-US" sz="1800" dirty="0" err="1">
                 <a:latin typeface="Pyidaungsu" panose="020B0502040204020203" pitchFamily="34" charset="0"/>
                 <a:cs typeface="Pyidaungsu" panose="020B0502040204020203" pitchFamily="34" charset="0"/>
               </a:rPr>
-              <a:t>setMethod</a:t>
+              <a:t>တွေကိုသုံးပါတယ</a:t>
             </a:r>
             <a:r>
               <a:rPr lang="en-US" sz="1800" dirty="0">
                 <a:latin typeface="Pyidaungsu" panose="020B0502040204020203" pitchFamily="34" charset="0"/>
                 <a:cs typeface="Pyidaungsu" panose="020B0502040204020203" pitchFamily="34" charset="0"/>
               </a:rPr>
-              <a:t>() </a:t>
-            </a:r>
-            <a:r>
-              <a:rPr lang="en-US" sz="1800" dirty="0" err="1">
-                <a:latin typeface="Pyidaungsu" panose="020B0502040204020203" pitchFamily="34" charset="0"/>
-                <a:cs typeface="Pyidaungsu" panose="020B0502040204020203" pitchFamily="34" charset="0"/>
-              </a:rPr>
-              <a:t>တွေကိုသ</a:t>
-            </a:r>
-            <a:r>
-              <a:rPr lang="my-MM" sz="1800" dirty="0">
-                <a:latin typeface="Pyidaungsu" panose="020B0502040204020203" pitchFamily="34" charset="0"/>
-                <a:cs typeface="Pyidaungsu" panose="020B0502040204020203" pitchFamily="34" charset="0"/>
-              </a:rPr>
-              <a:t>ု</a:t>
-            </a:r>
-            <a:r>
-              <a:rPr lang="en-US" sz="1800" dirty="0">
-                <a:latin typeface="Pyidaungsu" panose="020B0502040204020203" pitchFamily="34" charset="0"/>
-                <a:cs typeface="Pyidaungsu" panose="020B0502040204020203" pitchFamily="34" charset="0"/>
-              </a:rPr>
-              <a:t>ံ</a:t>
-            </a:r>
-            <a:r>
-              <a:rPr lang="my-MM" sz="1800" dirty="0">
-                <a:latin typeface="Pyidaungsu" panose="020B0502040204020203" pitchFamily="34" charset="0"/>
-                <a:cs typeface="Pyidaungsu" panose="020B0502040204020203" pitchFamily="34" charset="0"/>
-              </a:rPr>
-              <a:t>း</a:t>
-            </a:r>
-            <a:r>
-              <a:rPr lang="en-US" sz="1800" dirty="0">
-                <a:latin typeface="Pyidaungsu" panose="020B0502040204020203" pitchFamily="34" charset="0"/>
-                <a:cs typeface="Pyidaungsu" panose="020B0502040204020203" pitchFamily="34" charset="0"/>
-              </a:rPr>
-              <a:t>ပ</a:t>
-            </a:r>
-            <a:r>
-              <a:rPr lang="my-MM" sz="1800" dirty="0">
-                <a:latin typeface="Pyidaungsu" panose="020B0502040204020203" pitchFamily="34" charset="0"/>
-                <a:cs typeface="Pyidaungsu" panose="020B0502040204020203" pitchFamily="34" charset="0"/>
-              </a:rPr>
-              <a:t>ါ</a:t>
-            </a:r>
-            <a:r>
-              <a:rPr lang="en-US" sz="1800" dirty="0">
-                <a:latin typeface="Pyidaungsu" panose="020B0502040204020203" pitchFamily="34" charset="0"/>
-                <a:cs typeface="Pyidaungsu" panose="020B0502040204020203" pitchFamily="34" charset="0"/>
-              </a:rPr>
-              <a:t>တ</a:t>
-            </a:r>
-            <a:r>
-              <a:rPr lang="my-MM" sz="1800" dirty="0">
-                <a:latin typeface="Pyidaungsu" panose="020B0502040204020203" pitchFamily="34" charset="0"/>
-                <a:cs typeface="Pyidaungsu" panose="020B0502040204020203" pitchFamily="34" charset="0"/>
-              </a:rPr>
-              <a:t>ယ</a:t>
-            </a:r>
-            <a:r>
-              <a:rPr lang="en-US" sz="1800" dirty="0">
-                <a:latin typeface="Pyidaungsu" panose="020B0502040204020203" pitchFamily="34" charset="0"/>
-                <a:cs typeface="Pyidaungsu" panose="020B0502040204020203" pitchFamily="34" charset="0"/>
-              </a:rPr>
-              <a:t>်</a:t>
-            </a:r>
-            <a:r>
-              <a:rPr lang="my-MM" sz="1800" dirty="0">
-                <a:latin typeface="Pyidaungsu" panose="020B0502040204020203" pitchFamily="34" charset="0"/>
-                <a:cs typeface="Pyidaungsu" panose="020B0502040204020203" pitchFamily="34" charset="0"/>
-              </a:rPr>
-              <a:t>။</a:t>
-            </a:r>
-            <a:endParaRPr lang="en-US" sz="1800" dirty="0">
-              <a:latin typeface="Pyidaungsu" panose="020B0502040204020203" pitchFamily="34" charset="0"/>
-              <a:cs typeface="Pyidaungsu" panose="020B0502040204020203" pitchFamily="34" charset="0"/>
-            </a:endParaRPr>
+              <a:t>်။</a:t>
+            </a:r>
           </a:p>
           <a:p>
             <a:pPr lvl="1">
@@ -20441,155 +20334,26 @@
                 <a:latin typeface="Pyidaungsu" panose="020B0502040204020203" pitchFamily="34" charset="0"/>
                 <a:cs typeface="Pyidaungsu" panose="020B0502040204020203" pitchFamily="34" charset="0"/>
               </a:rPr>
-              <a:t>ဘယ</a:t>
+              <a:t>ဘယ်နေ</a:t>
             </a:r>
             <a:r>
               <a:rPr lang="en-US" sz="1400" dirty="0">
                 <a:latin typeface="Pyidaungsu" panose="020B0502040204020203" pitchFamily="34" charset="0"/>
                 <a:cs typeface="Pyidaungsu" panose="020B0502040204020203" pitchFamily="34" charset="0"/>
               </a:rPr>
-              <a:t>်</a:t>
-            </a:r>
-            <a:r>
-              <a:rPr lang="my-MM" sz="1400" dirty="0">
+              <a:t>့၊ </a:t>
+            </a:r>
+            <a:r>
+              <a:rPr lang="en-US" sz="1400" dirty="0" err="1">
                 <a:latin typeface="Pyidaungsu" panose="020B0502040204020203" pitchFamily="34" charset="0"/>
                 <a:cs typeface="Pyidaungsu" panose="020B0502040204020203" pitchFamily="34" charset="0"/>
               </a:rPr>
-              <a:t>န</a:t>
-            </a:r>
-            <a:r>
-              <a:rPr lang="en-US" sz="1400" dirty="0">
-                <a:latin typeface="Pyidaungsu" panose="020B0502040204020203" pitchFamily="34" charset="0"/>
-                <a:cs typeface="Pyidaungsu" panose="020B0502040204020203" pitchFamily="34" charset="0"/>
-              </a:rPr>
-              <a:t>ေ</a:t>
-            </a:r>
-            <a:r>
-              <a:rPr lang="my-MM" sz="1400" dirty="0">
-                <a:latin typeface="Pyidaungsu" panose="020B0502040204020203" pitchFamily="34" charset="0"/>
-                <a:cs typeface="Pyidaungsu" panose="020B0502040204020203" pitchFamily="34" charset="0"/>
-              </a:rPr>
-              <a:t>့</a:t>
-            </a:r>
-            <a:r>
-              <a:rPr lang="en-US" sz="1400" dirty="0">
-                <a:latin typeface="Pyidaungsu" panose="020B0502040204020203" pitchFamily="34" charset="0"/>
-                <a:cs typeface="Pyidaungsu" panose="020B0502040204020203" pitchFamily="34" charset="0"/>
-              </a:rPr>
-              <a:t>၊ </a:t>
-            </a:r>
-            <a:r>
-              <a:rPr lang="my-MM" sz="1400" dirty="0">
-                <a:latin typeface="Pyidaungsu" panose="020B0502040204020203" pitchFamily="34" charset="0"/>
-                <a:cs typeface="Pyidaungsu" panose="020B0502040204020203" pitchFamily="34" charset="0"/>
-              </a:rPr>
-              <a:t>ဘ</a:t>
-            </a:r>
-            <a:r>
-              <a:rPr lang="en-US" sz="1400" dirty="0">
-                <a:latin typeface="Pyidaungsu" panose="020B0502040204020203" pitchFamily="34" charset="0"/>
-                <a:cs typeface="Pyidaungsu" panose="020B0502040204020203" pitchFamily="34" charset="0"/>
-              </a:rPr>
-              <a:t>ယ</a:t>
-            </a:r>
-            <a:r>
-              <a:rPr lang="my-MM" sz="1400" dirty="0">
-                <a:latin typeface="Pyidaungsu" panose="020B0502040204020203" pitchFamily="34" charset="0"/>
-                <a:cs typeface="Pyidaungsu" panose="020B0502040204020203" pitchFamily="34" charset="0"/>
-              </a:rPr>
-              <a:t>်</a:t>
-            </a:r>
-            <a:r>
-              <a:rPr lang="en-US" sz="1400" dirty="0">
-                <a:latin typeface="Pyidaungsu" panose="020B0502040204020203" pitchFamily="34" charset="0"/>
-                <a:cs typeface="Pyidaungsu" panose="020B0502040204020203" pitchFamily="34" charset="0"/>
-              </a:rPr>
-              <a:t>အ</a:t>
-            </a:r>
-            <a:r>
-              <a:rPr lang="my-MM" sz="1400" dirty="0">
-                <a:latin typeface="Pyidaungsu" panose="020B0502040204020203" pitchFamily="34" charset="0"/>
-                <a:cs typeface="Pyidaungsu" panose="020B0502040204020203" pitchFamily="34" charset="0"/>
-              </a:rPr>
-              <a:t>ခ</a:t>
-            </a:r>
-            <a:r>
-              <a:rPr lang="en-US" sz="1400" dirty="0">
-                <a:latin typeface="Pyidaungsu" panose="020B0502040204020203" pitchFamily="34" charset="0"/>
-                <a:cs typeface="Pyidaungsu" panose="020B0502040204020203" pitchFamily="34" charset="0"/>
-              </a:rPr>
-              <a:t>ျ</a:t>
-            </a:r>
-            <a:r>
-              <a:rPr lang="my-MM" sz="1400" dirty="0">
-                <a:latin typeface="Pyidaungsu" panose="020B0502040204020203" pitchFamily="34" charset="0"/>
-                <a:cs typeface="Pyidaungsu" panose="020B0502040204020203" pitchFamily="34" charset="0"/>
-              </a:rPr>
-              <a:t>ိ</a:t>
-            </a:r>
-            <a:r>
-              <a:rPr lang="en-US" sz="1400" dirty="0">
-                <a:latin typeface="Pyidaungsu" panose="020B0502040204020203" pitchFamily="34" charset="0"/>
-                <a:cs typeface="Pyidaungsu" panose="020B0502040204020203" pitchFamily="34" charset="0"/>
-              </a:rPr>
-              <a:t>န</a:t>
-            </a:r>
-            <a:r>
-              <a:rPr lang="my-MM" sz="1400" dirty="0">
-                <a:latin typeface="Pyidaungsu" panose="020B0502040204020203" pitchFamily="34" charset="0"/>
-                <a:cs typeface="Pyidaungsu" panose="020B0502040204020203" pitchFamily="34" charset="0"/>
-              </a:rPr>
-              <a:t>်</a:t>
-            </a:r>
-            <a:r>
-              <a:rPr lang="en-US" sz="1400" dirty="0">
-                <a:latin typeface="Pyidaungsu" panose="020B0502040204020203" pitchFamily="34" charset="0"/>
-                <a:cs typeface="Pyidaungsu" panose="020B0502040204020203" pitchFamily="34" charset="0"/>
-              </a:rPr>
-              <a:t>ဖ</a:t>
-            </a:r>
-            <a:r>
-              <a:rPr lang="my-MM" sz="1400" dirty="0">
-                <a:latin typeface="Pyidaungsu" panose="020B0502040204020203" pitchFamily="34" charset="0"/>
-                <a:cs typeface="Pyidaungsu" panose="020B0502040204020203" pitchFamily="34" charset="0"/>
-              </a:rPr>
-              <a:t>ြ</a:t>
-            </a:r>
-            <a:r>
-              <a:rPr lang="en-US" sz="1400" dirty="0">
-                <a:latin typeface="Pyidaungsu" panose="020B0502040204020203" pitchFamily="34" charset="0"/>
-                <a:cs typeface="Pyidaungsu" panose="020B0502040204020203" pitchFamily="34" charset="0"/>
-              </a:rPr>
-              <a:t>စ</a:t>
-            </a:r>
-            <a:r>
-              <a:rPr lang="my-MM" sz="1400" dirty="0">
-                <a:latin typeface="Pyidaungsu" panose="020B0502040204020203" pitchFamily="34" charset="0"/>
-                <a:cs typeface="Pyidaungsu" panose="020B0502040204020203" pitchFamily="34" charset="0"/>
-              </a:rPr>
-              <a:t>်</a:t>
-            </a:r>
-            <a:r>
-              <a:rPr lang="en-US" sz="1400" dirty="0">
-                <a:latin typeface="Pyidaungsu" panose="020B0502040204020203" pitchFamily="34" charset="0"/>
-                <a:cs typeface="Pyidaungsu" panose="020B0502040204020203" pitchFamily="34" charset="0"/>
-              </a:rPr>
-              <a:t>မ</a:t>
-            </a:r>
-            <a:r>
-              <a:rPr lang="my-MM" sz="1400" dirty="0">
-                <a:latin typeface="Pyidaungsu" panose="020B0502040204020203" pitchFamily="34" charset="0"/>
-                <a:cs typeface="Pyidaungsu" panose="020B0502040204020203" pitchFamily="34" charset="0"/>
-              </a:rPr>
-              <a:t>လ</a:t>
-            </a:r>
-            <a:r>
-              <a:rPr lang="en-US" sz="1400" dirty="0">
-                <a:latin typeface="Pyidaungsu" panose="020B0502040204020203" pitchFamily="34" charset="0"/>
-                <a:cs typeface="Pyidaungsu" panose="020B0502040204020203" pitchFamily="34" charset="0"/>
-              </a:rPr>
-              <a:t>ဲ</a:t>
-            </a:r>
+              <a:t>ဘယ်အချိန်ဖြစ်မလဲ</a:t>
+            </a:r>
+            <a:endParaRPr lang="en-US" sz="1400" dirty="0">
+              <a:latin typeface="Pyidaungsu" panose="020B0502040204020203" pitchFamily="34" charset="0"/>
+              <a:cs typeface="Pyidaungsu" panose="020B0502040204020203" pitchFamily="34" charset="0"/>
+            </a:endParaRPr>
           </a:p>
           <a:p>
             <a:pPr lvl="1">
@@ -20602,42 +20366,7 @@
                 <a:latin typeface="Pyidaungsu" panose="020B0502040204020203" pitchFamily="34" charset="0"/>
                 <a:cs typeface="Pyidaungsu" panose="020B0502040204020203" pitchFamily="34" charset="0"/>
               </a:rPr>
-              <a:t>နောက်တစ်ကြိမ</a:t>
-            </a:r>
-            <a:r>
-              <a:rPr lang="en-US" sz="1400" dirty="0">
-                <a:latin typeface="Pyidaungsu" panose="020B0502040204020203" pitchFamily="34" charset="0"/>
-                <a:cs typeface="Pyidaungsu" panose="020B0502040204020203" pitchFamily="34" charset="0"/>
-              </a:rPr>
-              <a:t>်</a:t>
-            </a:r>
-            <a:r>
-              <a:rPr lang="my-MM" sz="1400" dirty="0">
-                <a:latin typeface="Pyidaungsu" panose="020B0502040204020203" pitchFamily="34" charset="0"/>
-                <a:cs typeface="Pyidaungsu" panose="020B0502040204020203" pitchFamily="34" charset="0"/>
-              </a:rPr>
-              <a:t>သ</a:t>
-            </a:r>
-            <a:r>
-              <a:rPr lang="en-US" sz="1400" dirty="0">
-                <a:latin typeface="Pyidaungsu" panose="020B0502040204020203" pitchFamily="34" charset="0"/>
-                <a:cs typeface="Pyidaungsu" panose="020B0502040204020203" pitchFamily="34" charset="0"/>
-              </a:rPr>
-              <a:t>ွ</a:t>
-            </a:r>
-            <a:r>
-              <a:rPr lang="en-US" sz="1400" dirty="0" err="1">
-                <a:latin typeface="Pyidaungsu" panose="020B0502040204020203" pitchFamily="34" charset="0"/>
-                <a:cs typeface="Pyidaungsu" panose="020B0502040204020203" pitchFamily="34" charset="0"/>
-              </a:rPr>
-              <a:t>ေးလှူရမ</a:t>
-            </a:r>
-            <a:r>
-              <a:rPr lang="my-MM" sz="1400" dirty="0">
-                <a:latin typeface="Pyidaungsu" panose="020B0502040204020203" pitchFamily="34" charset="0"/>
-                <a:cs typeface="Pyidaungsu" panose="020B0502040204020203" pitchFamily="34" charset="0"/>
-              </a:rPr>
-              <a:t>ည</a:t>
+              <a:t>နောက်တစ်ကြိမ်သွေးလှူရမည</a:t>
             </a:r>
             <a:r>
               <a:rPr lang="en-US" sz="1400" dirty="0">
@@ -20689,207 +20418,53 @@
               <a:t>့ SWD course </a:t>
             </a:r>
             <a:r>
-              <a:rPr lang="my-MM" sz="1400" dirty="0">
+              <a:rPr lang="en-US" sz="1400" dirty="0" err="1">
                 <a:latin typeface="Pyidaungsu" panose="020B0502040204020203" pitchFamily="34" charset="0"/>
                 <a:cs typeface="Pyidaungsu" panose="020B0502040204020203" pitchFamily="34" charset="0"/>
               </a:rPr>
-              <a:t>က</a:t>
+              <a:t>ကို</a:t>
             </a:r>
             <a:r>
               <a:rPr lang="en-US" sz="1400" dirty="0">
                 <a:latin typeface="Pyidaungsu" panose="020B0502040204020203" pitchFamily="34" charset="0"/>
                 <a:cs typeface="Pyidaungsu" panose="020B0502040204020203" pitchFamily="34" charset="0"/>
               </a:rPr>
-              <a:t>ိ</a:t>
-            </a:r>
-            <a:r>
-              <a:rPr lang="my-MM" sz="1400" dirty="0">
+              <a:t> </a:t>
+            </a:r>
+            <a:r>
+              <a:rPr lang="en-US" sz="1400" dirty="0" err="1">
                 <a:latin typeface="Pyidaungsu" panose="020B0502040204020203" pitchFamily="34" charset="0"/>
                 <a:cs typeface="Pyidaungsu" panose="020B0502040204020203" pitchFamily="34" charset="0"/>
               </a:rPr>
-              <a:t>ု</a:t>
+              <a:t>တစ်နေ</a:t>
             </a:r>
             <a:r>
               <a:rPr lang="en-US" sz="1400" dirty="0">
                 <a:latin typeface="Pyidaungsu" panose="020B0502040204020203" pitchFamily="34" charset="0"/>
                 <a:cs typeface="Pyidaungsu" panose="020B0502040204020203" pitchFamily="34" charset="0"/>
               </a:rPr>
-              <a:t> </a:t>
-            </a:r>
-            <a:r>
-              <a:rPr lang="my-MM" sz="1400" dirty="0">
+              <a:t>့ ၂ </a:t>
+            </a:r>
+            <a:r>
+              <a:rPr lang="en-US" sz="1400" dirty="0" err="1">
                 <a:latin typeface="Pyidaungsu" panose="020B0502040204020203" pitchFamily="34" charset="0"/>
                 <a:cs typeface="Pyidaungsu" panose="020B0502040204020203" pitchFamily="34" charset="0"/>
               </a:rPr>
-              <a:t>တ</a:t>
+              <a:t>နာရီလေ့လာရင</a:t>
             </a:r>
             <a:r>
               <a:rPr lang="en-US" sz="1400" dirty="0">
                 <a:latin typeface="Pyidaungsu" panose="020B0502040204020203" pitchFamily="34" charset="0"/>
                 <a:cs typeface="Pyidaungsu" panose="020B0502040204020203" pitchFamily="34" charset="0"/>
               </a:rPr>
-              <a:t>စ</a:t>
-            </a:r>
-            <a:r>
-              <a:rPr lang="my-MM" sz="1400" dirty="0">
-                <a:latin typeface="Pyidaungsu" panose="020B0502040204020203" pitchFamily="34" charset="0"/>
-                <a:cs typeface="Pyidaungsu" panose="020B0502040204020203" pitchFamily="34" charset="0"/>
-              </a:rPr>
-              <a:t>်</a:t>
+              <a:t>်၊ </a:t>
             </a:r>
             <a:r>
               <a:rPr lang="en-US" sz="1400" dirty="0" err="1">
                 <a:latin typeface="Pyidaungsu" panose="020B0502040204020203" pitchFamily="34" charset="0"/>
                 <a:cs typeface="Pyidaungsu" panose="020B0502040204020203" pitchFamily="34" charset="0"/>
               </a:rPr>
-              <a:t>နေ</a:t>
-            </a:r>
-            <a:r>
-              <a:rPr lang="en-US" sz="1400" dirty="0">
-                <a:latin typeface="Pyidaungsu" panose="020B0502040204020203" pitchFamily="34" charset="0"/>
-                <a:cs typeface="Pyidaungsu" panose="020B0502040204020203" pitchFamily="34" charset="0"/>
-              </a:rPr>
-              <a:t>့ </a:t>
-            </a:r>
-            <a:r>
-              <a:rPr lang="my-MM" sz="1400" dirty="0">
-                <a:latin typeface="Pyidaungsu" panose="020B0502040204020203" pitchFamily="34" charset="0"/>
-                <a:cs typeface="Pyidaungsu" panose="020B0502040204020203" pitchFamily="34" charset="0"/>
-              </a:rPr>
-              <a:t>၂</a:t>
-            </a:r>
-            <a:r>
-              <a:rPr lang="en-US" sz="1400" dirty="0">
-                <a:latin typeface="Pyidaungsu" panose="020B0502040204020203" pitchFamily="34" charset="0"/>
-                <a:cs typeface="Pyidaungsu" panose="020B0502040204020203" pitchFamily="34" charset="0"/>
-              </a:rPr>
-              <a:t> </a:t>
-            </a:r>
-            <a:r>
-              <a:rPr lang="my-MM" sz="1400" dirty="0">
-                <a:latin typeface="Pyidaungsu" panose="020B0502040204020203" pitchFamily="34" charset="0"/>
-                <a:cs typeface="Pyidaungsu" panose="020B0502040204020203" pitchFamily="34" charset="0"/>
-              </a:rPr>
-              <a:t>န</a:t>
-            </a:r>
-            <a:r>
-              <a:rPr lang="en-US" sz="1400" dirty="0">
-                <a:latin typeface="Pyidaungsu" panose="020B0502040204020203" pitchFamily="34" charset="0"/>
-                <a:cs typeface="Pyidaungsu" panose="020B0502040204020203" pitchFamily="34" charset="0"/>
-              </a:rPr>
-              <a:t>ာ</a:t>
-            </a:r>
-            <a:r>
-              <a:rPr lang="my-MM" sz="1400" dirty="0">
-                <a:latin typeface="Pyidaungsu" panose="020B0502040204020203" pitchFamily="34" charset="0"/>
-                <a:cs typeface="Pyidaungsu" panose="020B0502040204020203" pitchFamily="34" charset="0"/>
-              </a:rPr>
-              <a:t>ရ</a:t>
-            </a:r>
-            <a:r>
-              <a:rPr lang="en-US" sz="1400" dirty="0">
-                <a:latin typeface="Pyidaungsu" panose="020B0502040204020203" pitchFamily="34" charset="0"/>
-                <a:cs typeface="Pyidaungsu" panose="020B0502040204020203" pitchFamily="34" charset="0"/>
-              </a:rPr>
-              <a:t>ီ</a:t>
-            </a:r>
-            <a:r>
-              <a:rPr lang="my-MM" sz="1400" dirty="0">
-                <a:latin typeface="Pyidaungsu" panose="020B0502040204020203" pitchFamily="34" charset="0"/>
-                <a:cs typeface="Pyidaungsu" panose="020B0502040204020203" pitchFamily="34" charset="0"/>
-              </a:rPr>
-              <a:t>လ</a:t>
-            </a:r>
-            <a:r>
-              <a:rPr lang="en-US" sz="1400" dirty="0">
-                <a:latin typeface="Pyidaungsu" panose="020B0502040204020203" pitchFamily="34" charset="0"/>
-                <a:cs typeface="Pyidaungsu" panose="020B0502040204020203" pitchFamily="34" charset="0"/>
-              </a:rPr>
-              <a:t>ေ</a:t>
-            </a:r>
-            <a:r>
-              <a:rPr lang="my-MM" sz="1400" dirty="0">
-                <a:latin typeface="Pyidaungsu" panose="020B0502040204020203" pitchFamily="34" charset="0"/>
-                <a:cs typeface="Pyidaungsu" panose="020B0502040204020203" pitchFamily="34" charset="0"/>
-              </a:rPr>
-              <a:t>့</a:t>
-            </a:r>
-            <a:r>
-              <a:rPr lang="en-US" sz="1400" dirty="0">
-                <a:latin typeface="Pyidaungsu" panose="020B0502040204020203" pitchFamily="34" charset="0"/>
-                <a:cs typeface="Pyidaungsu" panose="020B0502040204020203" pitchFamily="34" charset="0"/>
-              </a:rPr>
-              <a:t>လ</a:t>
-            </a:r>
-            <a:r>
-              <a:rPr lang="my-MM" sz="1400" dirty="0">
-                <a:latin typeface="Pyidaungsu" panose="020B0502040204020203" pitchFamily="34" charset="0"/>
-                <a:cs typeface="Pyidaungsu" panose="020B0502040204020203" pitchFamily="34" charset="0"/>
-              </a:rPr>
-              <a:t>ာ</a:t>
-            </a:r>
-            <a:r>
-              <a:rPr lang="en-US" sz="1400" dirty="0">
-                <a:latin typeface="Pyidaungsu" panose="020B0502040204020203" pitchFamily="34" charset="0"/>
-                <a:cs typeface="Pyidaungsu" panose="020B0502040204020203" pitchFamily="34" charset="0"/>
-              </a:rPr>
-              <a:t>ရ</a:t>
-            </a:r>
-            <a:r>
-              <a:rPr lang="my-MM" sz="1400" dirty="0">
-                <a:latin typeface="Pyidaungsu" panose="020B0502040204020203" pitchFamily="34" charset="0"/>
-                <a:cs typeface="Pyidaungsu" panose="020B0502040204020203" pitchFamily="34" charset="0"/>
-              </a:rPr>
-              <a:t>င</a:t>
-            </a:r>
-            <a:r>
-              <a:rPr lang="en-US" sz="1400" dirty="0">
-                <a:latin typeface="Pyidaungsu" panose="020B0502040204020203" pitchFamily="34" charset="0"/>
-                <a:cs typeface="Pyidaungsu" panose="020B0502040204020203" pitchFamily="34" charset="0"/>
-              </a:rPr>
-              <a:t>်</a:t>
-            </a:r>
-            <a:r>
-              <a:rPr lang="my-MM" sz="1400" dirty="0">
-                <a:latin typeface="Pyidaungsu" panose="020B0502040204020203" pitchFamily="34" charset="0"/>
-                <a:cs typeface="Pyidaungsu" panose="020B0502040204020203" pitchFamily="34" charset="0"/>
-              </a:rPr>
-              <a:t>၊</a:t>
-            </a:r>
-            <a:r>
-              <a:rPr lang="en-US" sz="1400" dirty="0">
-                <a:latin typeface="Pyidaungsu" panose="020B0502040204020203" pitchFamily="34" charset="0"/>
-                <a:cs typeface="Pyidaungsu" panose="020B0502040204020203" pitchFamily="34" charset="0"/>
-              </a:rPr>
-              <a:t> </a:t>
-            </a:r>
-            <a:r>
-              <a:rPr lang="my-MM" sz="1400" dirty="0">
-                <a:latin typeface="Pyidaungsu" panose="020B0502040204020203" pitchFamily="34" charset="0"/>
-                <a:cs typeface="Pyidaungsu" panose="020B0502040204020203" pitchFamily="34" charset="0"/>
-              </a:rPr>
-              <a:t>ဘ</a:t>
-            </a:r>
-            <a:r>
-              <a:rPr lang="en-US" sz="1400" dirty="0">
-                <a:latin typeface="Pyidaungsu" panose="020B0502040204020203" pitchFamily="34" charset="0"/>
-                <a:cs typeface="Pyidaungsu" panose="020B0502040204020203" pitchFamily="34" charset="0"/>
-              </a:rPr>
-              <a:t>ယ</a:t>
-            </a:r>
-            <a:r>
-              <a:rPr lang="my-MM" sz="1400" dirty="0">
-                <a:latin typeface="Pyidaungsu" panose="020B0502040204020203" pitchFamily="34" charset="0"/>
-                <a:cs typeface="Pyidaungsu" panose="020B0502040204020203" pitchFamily="34" charset="0"/>
-              </a:rPr>
-              <a:t>်</a:t>
-            </a:r>
-            <a:r>
-              <a:rPr lang="en-US" sz="1400" dirty="0" err="1">
-                <a:latin typeface="Pyidaungsu" panose="020B0502040204020203" pitchFamily="34" charset="0"/>
-                <a:cs typeface="Pyidaungsu" panose="020B0502040204020203" pitchFamily="34" charset="0"/>
-              </a:rPr>
-              <a:t>နေ့ပြီးမလဲ</a:t>
+              <a:t>ဘယ်နေ့ပြီးမလဲ</a:t>
             </a:r>
             <a:r>
               <a:rPr lang="en-US" sz="1400" dirty="0">
@@ -20904,7 +20479,7 @@
     </p:spTree>
     <p:extLst>
       <p:ext uri="{BB962C8B-B14F-4D97-AF65-F5344CB8AC3E}">
-        <p14:creationId xmlns:p14="http://schemas.microsoft.com/office/powerpoint/2010/main" val="3705580363"/>
+        <p14:creationId xmlns:p14="http://schemas.microsoft.com/office/powerpoint/2010/main" val="2836758381"/>
       </p:ext>
     </p:extLst>
   </p:cSld>
@@ -21873,8 +21448,8 @@
         </p:nvSpPr>
         <p:spPr>
           <a:xfrm rot="16200000" flipH="1">
-            <a:off x="4346460" y="2976120"/>
-            <a:ext cx="1179720" cy="2996640"/>
+            <a:off x="4296150" y="2925810"/>
+            <a:ext cx="1271700" cy="3005280"/>
           </a:xfrm>
           <a:prstGeom prst="curvedConnector4">
             <a:avLst>
